--- a/zzz MEDIA/Intermediate SQL.pptx
+++ b/zzz MEDIA/Intermediate SQL.pptx
@@ -278,7 +278,16 @@
       </a:defRPr>
     </a:lvl9pPr>
   </p:defaultTextStyle>
+  <p:extLst>
+    <p:ext uri="{EFAFB233-063F-42B5-8137-9DF3F51BA10A}">
+      <p15:sldGuideLst xmlns:p15="http://schemas.microsoft.com/office/powerpoint/2012/main"/>
+    </p:ext>
+  </p:extLst>
 </p:presentation>
+</file>
+
+<file path=ppt/revisionInfo.xml><?xml version="1.0" encoding="utf-8"?>
+<p1510:revInfo xmlns:a="http://schemas.openxmlformats.org/drawingml/2006/main" xmlns:r="http://schemas.openxmlformats.org/officeDocument/2006/relationships" xmlns:p1510="http://schemas.microsoft.com/office/powerpoint/2015/10/main"/>
 </file>
 
 <file path=ppt/notesMasters/notesMaster1.xml><?xml version="1.0" encoding="utf-8"?>
@@ -1521,47 +1530,7 @@
               <a:buFont typeface="Arial"/>
               <a:buNone/>
             </a:pPr>
-            <a:r>
-              <a:rPr lang="en-US" sz="1000"/>
-              <a:t>Hi everyone, I’m Raj (Camilo) and this is Camilo (Raj). Thanks for joining us to today’s workshop.</a:t>
-            </a:r>
-            <a:endParaRPr sz="1000"/>
-          </a:p>
-          <a:p>
-            <a:pPr marL="0" lvl="0" indent="0" rtl="0">
-              <a:spcBef>
-                <a:spcPts val="0"/>
-              </a:spcBef>
-              <a:spcAft>
-                <a:spcPts val="0"/>
-              </a:spcAft>
-              <a:buClr>
-                <a:schemeClr val="dk1"/>
-              </a:buClr>
-              <a:buFont typeface="Arial"/>
-              <a:buNone/>
-            </a:pPr>
-            <a:endParaRPr sz="1000"/>
-          </a:p>
-          <a:p>
-            <a:pPr marL="0" lvl="0" indent="0" rtl="0">
-              <a:spcBef>
-                <a:spcPts val="0"/>
-              </a:spcBef>
-              <a:spcAft>
-                <a:spcPts val="0"/>
-              </a:spcAft>
-              <a:buClr>
-                <a:schemeClr val="dk1"/>
-              </a:buClr>
-              <a:buFont typeface="Arial"/>
-              <a:buNone/>
-            </a:pPr>
-            <a:r>
-              <a:rPr lang="en-US" sz="1000"/>
-              <a:t>At the Booth Analytics Club one of our missions is to provide functional trainings in data analytics tools. Because so many of us will be using SQL in our summer internships and full time jobs, we decided to have SQL workshops this Spring. Thanks to all of you who filled the survey saying which workshops and activities you’d like to see this year.</a:t>
-            </a:r>
-            <a:endParaRPr/>
+            <a:endParaRPr dirty="0"/>
           </a:p>
         </p:txBody>
       </p:sp>
@@ -8796,11 +8765,7 @@
               </a:spcAft>
               <a:buNone/>
             </a:pPr>
-            <a:r>
-              <a:rPr lang="en-US" sz="1000"/>
-              <a:t>In this example, you have different tables - one containing the course listing, another one containing information on the classes and a third with instructor information. Notice how there are columns that are common between the tables which allow you to pull in related information across tables.</a:t>
-            </a:r>
-            <a:endParaRPr sz="1000" b="0" i="0" u="none" strike="noStrike" cap="none">
+            <a:endParaRPr sz="1000" b="0" i="0" u="none" strike="noStrike" cap="none" dirty="0">
               <a:solidFill>
                 <a:schemeClr val="dk1"/>
               </a:solidFill>

--- a/zzz MEDIA/Intermediate SQL.pptx
+++ b/zzz MEDIA/Intermediate SQL.pptx
@@ -5,7 +5,7 @@
     <p:sldMasterId id="2147483663" r:id="rId1"/>
   </p:sldMasterIdLst>
   <p:notesMasterIdLst>
-    <p:notesMasterId r:id="rId40"/>
+    <p:notesMasterId r:id="rId41"/>
   </p:notesMasterIdLst>
   <p:sldIdLst>
     <p:sldId id="256" r:id="rId2"/>
@@ -37,15 +37,16 @@
     <p:sldId id="282" r:id="rId28"/>
     <p:sldId id="283" r:id="rId29"/>
     <p:sldId id="284" r:id="rId30"/>
-    <p:sldId id="285" r:id="rId31"/>
-    <p:sldId id="286" r:id="rId32"/>
-    <p:sldId id="287" r:id="rId33"/>
-    <p:sldId id="288" r:id="rId34"/>
-    <p:sldId id="289" r:id="rId35"/>
-    <p:sldId id="290" r:id="rId36"/>
-    <p:sldId id="291" r:id="rId37"/>
-    <p:sldId id="292" r:id="rId38"/>
-    <p:sldId id="293" r:id="rId39"/>
+    <p:sldId id="294" r:id="rId31"/>
+    <p:sldId id="285" r:id="rId32"/>
+    <p:sldId id="286" r:id="rId33"/>
+    <p:sldId id="287" r:id="rId34"/>
+    <p:sldId id="288" r:id="rId35"/>
+    <p:sldId id="289" r:id="rId36"/>
+    <p:sldId id="290" r:id="rId37"/>
+    <p:sldId id="291" r:id="rId38"/>
+    <p:sldId id="292" r:id="rId39"/>
+    <p:sldId id="293" r:id="rId40"/>
   </p:sldIdLst>
   <p:sldSz cx="9144000" cy="6858000" type="screen4x3"/>
   <p:notesSz cx="6950075" cy="9236075"/>
@@ -284,10 +285,6 @@
     </p:ext>
   </p:extLst>
 </p:presentation>
-</file>
-
-<file path=ppt/revisionInfo.xml><?xml version="1.0" encoding="utf-8"?>
-<p1510:revInfo xmlns:a="http://schemas.openxmlformats.org/drawingml/2006/main" xmlns:r="http://schemas.openxmlformats.org/officeDocument/2006/relationships" xmlns:p1510="http://schemas.microsoft.com/office/powerpoint/2015/10/main"/>
 </file>
 
 <file path=ppt/notesMasters/notesMaster1.xml><?xml version="1.0" encoding="utf-8"?>
@@ -8790,6 +8787,403 @@
   <p:cSld>
     <p:spTree>
       <p:nvGrpSpPr>
+        <p:cNvPr id="1" name="Shape 326"/>
+        <p:cNvGrpSpPr/>
+        <p:nvPr/>
+      </p:nvGrpSpPr>
+      <p:grpSpPr>
+        <a:xfrm>
+          <a:off x="0" y="0"/>
+          <a:ext cx="0" cy="0"/>
+          <a:chOff x="0" y="0"/>
+          <a:chExt cx="0" cy="0"/>
+        </a:xfrm>
+      </p:grpSpPr>
+      <p:sp>
+        <p:nvSpPr>
+          <p:cNvPr id="327" name="Shape 327"/>
+          <p:cNvSpPr>
+            <a:spLocks noGrp="1" noRot="1" noChangeAspect="1"/>
+          </p:cNvSpPr>
+          <p:nvPr>
+            <p:ph type="sldImg" idx="2"/>
+          </p:nvPr>
+        </p:nvSpPr>
+        <p:spPr>
+          <a:xfrm>
+            <a:off x="1165225" y="692150"/>
+            <a:ext cx="4619625" cy="3463925"/>
+          </a:xfrm>
+          <a:custGeom>
+            <a:avLst/>
+            <a:gdLst/>
+            <a:ahLst/>
+            <a:cxnLst/>
+            <a:rect l="0" t="0" r="0" b="0"/>
+            <a:pathLst>
+              <a:path w="120000" h="120000" extrusionOk="0">
+                <a:moveTo>
+                  <a:pt x="0" y="0"/>
+                </a:moveTo>
+                <a:lnTo>
+                  <a:pt x="120000" y="0"/>
+                </a:lnTo>
+                <a:lnTo>
+                  <a:pt x="120000" y="120000"/>
+                </a:lnTo>
+                <a:lnTo>
+                  <a:pt x="0" y="120000"/>
+                </a:lnTo>
+                <a:close/>
+              </a:path>
+            </a:pathLst>
+          </a:custGeom>
+          <a:noFill/>
+          <a:ln w="9525" cap="flat" cmpd="sng">
+            <a:solidFill>
+              <a:srgbClr val="000000"/>
+            </a:solidFill>
+            <a:prstDash val="solid"/>
+            <a:miter lim="8000"/>
+            <a:headEnd type="none" w="sm" len="sm"/>
+            <a:tailEnd type="none" w="sm" len="sm"/>
+          </a:ln>
+        </p:spPr>
+      </p:sp>
+      <p:sp>
+        <p:nvSpPr>
+          <p:cNvPr id="328" name="Shape 328"/>
+          <p:cNvSpPr txBox="1">
+            <a:spLocks noGrp="1"/>
+          </p:cNvSpPr>
+          <p:nvPr>
+            <p:ph type="body" idx="1"/>
+          </p:nvPr>
+        </p:nvSpPr>
+        <p:spPr>
+          <a:xfrm>
+            <a:off x="695325" y="4387850"/>
+            <a:ext cx="5559300" cy="4156200"/>
+          </a:xfrm>
+          <a:prstGeom prst="rect">
+            <a:avLst/>
+          </a:prstGeom>
+          <a:noFill/>
+          <a:ln>
+            <a:noFill/>
+          </a:ln>
+        </p:spPr>
+        <p:txBody>
+          <a:bodyPr spcFirstLastPara="1" wrap="square" lIns="91375" tIns="45675" rIns="91375" bIns="45675" anchor="t" anchorCtr="0">
+            <a:noAutofit/>
+          </a:bodyPr>
+          <a:lstStyle/>
+          <a:p>
+            <a:pPr marL="0" marR="0" lvl="0" indent="0" algn="l" rtl="0">
+              <a:spcBef>
+                <a:spcPts val="360"/>
+              </a:spcBef>
+              <a:spcAft>
+                <a:spcPts val="0"/>
+              </a:spcAft>
+              <a:buClr>
+                <a:schemeClr val="dk1"/>
+              </a:buClr>
+              <a:buSzPts val="1100"/>
+              <a:buFont typeface="Arial"/>
+              <a:buNone/>
+            </a:pPr>
+            <a:r>
+              <a:rPr lang="en-US" b="1">
+                <a:solidFill>
+                  <a:srgbClr val="FF9F49"/>
+                </a:solidFill>
+              </a:rPr>
+              <a:t>select *, weekly-prev_weekly as weekly_change from tutorial.global_weekly_charts_2013_2014 as curr</a:t>
+            </a:r>
+            <a:endParaRPr b="1">
+              <a:solidFill>
+                <a:srgbClr val="FF9F49"/>
+              </a:solidFill>
+            </a:endParaRPr>
+          </a:p>
+          <a:p>
+            <a:pPr marL="0" marR="0" lvl="0" indent="0" algn="l" rtl="0">
+              <a:spcBef>
+                <a:spcPts val="360"/>
+              </a:spcBef>
+              <a:spcAft>
+                <a:spcPts val="0"/>
+              </a:spcAft>
+              <a:buClr>
+                <a:schemeClr val="dk1"/>
+              </a:buClr>
+              <a:buSzPts val="1100"/>
+              <a:buFont typeface="Arial"/>
+              <a:buNone/>
+            </a:pPr>
+            <a:r>
+              <a:rPr lang="en-US" b="1">
+                <a:solidFill>
+                  <a:srgbClr val="FF9F49"/>
+                </a:solidFill>
+              </a:rPr>
+              <a:t>inner join </a:t>
+            </a:r>
+            <a:endParaRPr b="1">
+              <a:solidFill>
+                <a:srgbClr val="FF9F49"/>
+              </a:solidFill>
+            </a:endParaRPr>
+          </a:p>
+          <a:p>
+            <a:pPr marL="0" marR="0" lvl="0" indent="0" algn="l" rtl="0">
+              <a:spcBef>
+                <a:spcPts val="360"/>
+              </a:spcBef>
+              <a:spcAft>
+                <a:spcPts val="0"/>
+              </a:spcAft>
+              <a:buClr>
+                <a:schemeClr val="dk1"/>
+              </a:buClr>
+              <a:buSzPts val="1100"/>
+              <a:buFont typeface="Arial"/>
+              <a:buNone/>
+            </a:pPr>
+            <a:r>
+              <a:rPr lang="en-US" b="1">
+                <a:solidFill>
+                  <a:srgbClr val="FF9F49"/>
+                </a:solidFill>
+              </a:rPr>
+              <a:t>  (select week,weekly from tutorial.global_weekly_charts_2013_2014</a:t>
+            </a:r>
+            <a:endParaRPr b="1">
+              <a:solidFill>
+                <a:srgbClr val="FF9F49"/>
+              </a:solidFill>
+            </a:endParaRPr>
+          </a:p>
+          <a:p>
+            <a:pPr marL="0" marR="0" lvl="0" indent="0" algn="l" rtl="0">
+              <a:spcBef>
+                <a:spcPts val="360"/>
+              </a:spcBef>
+              <a:spcAft>
+                <a:spcPts val="0"/>
+              </a:spcAft>
+              <a:buClr>
+                <a:schemeClr val="dk1"/>
+              </a:buClr>
+              <a:buSzPts val="1100"/>
+              <a:buFont typeface="Arial"/>
+              <a:buNone/>
+            </a:pPr>
+            <a:r>
+              <a:rPr lang="en-US" b="1">
+                <a:solidFill>
+                  <a:srgbClr val="FF9F49"/>
+                </a:solidFill>
+              </a:rPr>
+              <a:t>  where game = 'Pokemon X/Y') as shifted (week, prev_weekly) </a:t>
+            </a:r>
+            <a:endParaRPr b="1">
+              <a:solidFill>
+                <a:srgbClr val="FF9F49"/>
+              </a:solidFill>
+            </a:endParaRPr>
+          </a:p>
+          <a:p>
+            <a:pPr marL="0" marR="0" lvl="0" indent="0" algn="l" rtl="0">
+              <a:spcBef>
+                <a:spcPts val="360"/>
+              </a:spcBef>
+              <a:spcAft>
+                <a:spcPts val="0"/>
+              </a:spcAft>
+              <a:buClr>
+                <a:schemeClr val="dk1"/>
+              </a:buClr>
+              <a:buSzPts val="1100"/>
+              <a:buFont typeface="Arial"/>
+              <a:buNone/>
+            </a:pPr>
+            <a:r>
+              <a:rPr lang="en-US" b="1">
+                <a:solidFill>
+                  <a:srgbClr val="FF9F49"/>
+                </a:solidFill>
+              </a:rPr>
+              <a:t>on curr.week-1=shifted.week</a:t>
+            </a:r>
+            <a:endParaRPr b="1">
+              <a:solidFill>
+                <a:srgbClr val="FF9F49"/>
+              </a:solidFill>
+            </a:endParaRPr>
+          </a:p>
+          <a:p>
+            <a:pPr marL="0" marR="0" lvl="0" indent="0" algn="l" rtl="0">
+              <a:spcBef>
+                <a:spcPts val="360"/>
+              </a:spcBef>
+              <a:spcAft>
+                <a:spcPts val="0"/>
+              </a:spcAft>
+              <a:buClr>
+                <a:schemeClr val="dk1"/>
+              </a:buClr>
+              <a:buSzPts val="1100"/>
+              <a:buFont typeface="Arial"/>
+              <a:buNone/>
+            </a:pPr>
+            <a:r>
+              <a:rPr lang="en-US" b="1">
+                <a:solidFill>
+                  <a:srgbClr val="FF9F49"/>
+                </a:solidFill>
+              </a:rPr>
+              <a:t>where curr.game = 'Pokemon X/Y'</a:t>
+            </a:r>
+            <a:endParaRPr b="1">
+              <a:solidFill>
+                <a:srgbClr val="FF9F49"/>
+              </a:solidFill>
+            </a:endParaRPr>
+          </a:p>
+        </p:txBody>
+      </p:sp>
+      <p:sp>
+        <p:nvSpPr>
+          <p:cNvPr id="329" name="Shape 329"/>
+          <p:cNvSpPr txBox="1">
+            <a:spLocks noGrp="1"/>
+          </p:cNvSpPr>
+          <p:nvPr>
+            <p:ph type="ftr" idx="11"/>
+          </p:nvPr>
+        </p:nvSpPr>
+        <p:spPr>
+          <a:xfrm>
+            <a:off x="0" y="8774113"/>
+            <a:ext cx="3011400" cy="462000"/>
+          </a:xfrm>
+          <a:prstGeom prst="rect">
+            <a:avLst/>
+          </a:prstGeom>
+          <a:noFill/>
+          <a:ln>
+            <a:noFill/>
+          </a:ln>
+        </p:spPr>
+        <p:txBody>
+          <a:bodyPr spcFirstLastPara="1" wrap="square" lIns="91375" tIns="45675" rIns="91375" bIns="45675" anchor="b" anchorCtr="0">
+            <a:noAutofit/>
+          </a:bodyPr>
+          <a:lstStyle/>
+          <a:p>
+            <a:pPr marL="0" marR="0" lvl="0" indent="0" algn="l" rtl="0">
+              <a:spcBef>
+                <a:spcPts val="0"/>
+              </a:spcBef>
+              <a:spcAft>
+                <a:spcPts val="0"/>
+              </a:spcAft>
+              <a:buNone/>
+            </a:pPr>
+            <a:endParaRPr sz="900" i="1">
+              <a:solidFill>
+                <a:schemeClr val="dk1"/>
+              </a:solidFill>
+              <a:latin typeface="Arial"/>
+              <a:ea typeface="Arial"/>
+              <a:cs typeface="Arial"/>
+              <a:sym typeface="Arial"/>
+            </a:endParaRPr>
+          </a:p>
+        </p:txBody>
+      </p:sp>
+      <p:sp>
+        <p:nvSpPr>
+          <p:cNvPr id="330" name="Shape 330"/>
+          <p:cNvSpPr txBox="1">
+            <a:spLocks noGrp="1"/>
+          </p:cNvSpPr>
+          <p:nvPr>
+            <p:ph type="sldNum" idx="12"/>
+          </p:nvPr>
+        </p:nvSpPr>
+        <p:spPr>
+          <a:xfrm>
+            <a:off x="3937000" y="8772525"/>
+            <a:ext cx="3011400" cy="462000"/>
+          </a:xfrm>
+          <a:prstGeom prst="rect">
+            <a:avLst/>
+          </a:prstGeom>
+          <a:noFill/>
+          <a:ln>
+            <a:noFill/>
+          </a:ln>
+        </p:spPr>
+        <p:txBody>
+          <a:bodyPr spcFirstLastPara="1" wrap="square" lIns="91375" tIns="45675" rIns="91375" bIns="45675" anchor="b" anchorCtr="0">
+            <a:noAutofit/>
+          </a:bodyPr>
+          <a:lstStyle/>
+          <a:p>
+            <a:pPr marL="0" marR="0" lvl="0" indent="0" algn="r" rtl="0">
+              <a:spcBef>
+                <a:spcPts val="0"/>
+              </a:spcBef>
+              <a:spcAft>
+                <a:spcPts val="0"/>
+              </a:spcAft>
+              <a:buNone/>
+            </a:pPr>
+            <a:fld id="{00000000-1234-1234-1234-123412341234}" type="slidenum">
+              <a:rPr lang="en-US" sz="1200">
+                <a:solidFill>
+                  <a:schemeClr val="dk1"/>
+                </a:solidFill>
+                <a:latin typeface="Arial"/>
+                <a:ea typeface="Arial"/>
+                <a:cs typeface="Arial"/>
+                <a:sym typeface="Arial"/>
+              </a:rPr>
+              <a:t>30</a:t>
+            </a:fld>
+            <a:endParaRPr sz="1200">
+              <a:solidFill>
+                <a:schemeClr val="dk1"/>
+              </a:solidFill>
+              <a:latin typeface="Arial"/>
+              <a:ea typeface="Arial"/>
+              <a:cs typeface="Arial"/>
+              <a:sym typeface="Arial"/>
+            </a:endParaRPr>
+          </a:p>
+        </p:txBody>
+      </p:sp>
+    </p:spTree>
+    <p:extLst>
+      <p:ext uri="{BB962C8B-B14F-4D97-AF65-F5344CB8AC3E}">
+        <p14:creationId xmlns:p14="http://schemas.microsoft.com/office/powerpoint/2010/main" val="3399840779"/>
+      </p:ext>
+    </p:extLst>
+  </p:cSld>
+  <p:clrMapOvr>
+    <a:masterClrMapping/>
+  </p:clrMapOvr>
+</p:notes>
+</file>
+
+<file path=ppt/notesSlides/notesSlide31.xml><?xml version="1.0" encoding="utf-8"?>
+<p:notes xmlns:a="http://schemas.openxmlformats.org/drawingml/2006/main" xmlns:r="http://schemas.openxmlformats.org/officeDocument/2006/relationships" xmlns:p="http://schemas.openxmlformats.org/presentationml/2006/main" showMasterSp="0" showMasterPhAnim="0">
+  <p:cSld>
+    <p:spTree>
+      <p:nvGrpSpPr>
         <p:cNvPr id="1" name="Shape 334"/>
         <p:cNvGrpSpPr/>
         <p:nvPr/>
@@ -8889,7 +9283,7 @@
 </p:notes>
 </file>
 
-<file path=ppt/notesSlides/notesSlide31.xml><?xml version="1.0" encoding="utf-8"?>
+<file path=ppt/notesSlides/notesSlide32.xml><?xml version="1.0" encoding="utf-8"?>
 <p:notes xmlns:a="http://schemas.openxmlformats.org/drawingml/2006/main" xmlns:r="http://schemas.openxmlformats.org/officeDocument/2006/relationships" xmlns:p="http://schemas.openxmlformats.org/presentationml/2006/main" showMasterSp="0" showMasterPhAnim="0">
   <p:cSld>
     <p:spTree>
@@ -8993,7 +9387,7 @@
 </p:notes>
 </file>
 
-<file path=ppt/notesSlides/notesSlide32.xml><?xml version="1.0" encoding="utf-8"?>
+<file path=ppt/notesSlides/notesSlide33.xml><?xml version="1.0" encoding="utf-8"?>
 <p:notes xmlns:a="http://schemas.openxmlformats.org/drawingml/2006/main" xmlns:r="http://schemas.openxmlformats.org/officeDocument/2006/relationships" xmlns:p="http://schemas.openxmlformats.org/presentationml/2006/main" showMasterSp="0" showMasterPhAnim="0">
   <p:cSld>
     <p:spTree>
@@ -9054,7 +9448,7 @@
                 <a:cs typeface="Arial"/>
                 <a:sym typeface="Arial"/>
               </a:rPr>
-              <a:t>32</a:t>
+              <a:t>33</a:t>
             </a:fld>
             <a:endParaRPr sz="1200">
               <a:solidFill>
@@ -9171,7 +9565,7 @@
 </p:notes>
 </file>
 
-<file path=ppt/notesSlides/notesSlide33.xml><?xml version="1.0" encoding="utf-8"?>
+<file path=ppt/notesSlides/notesSlide34.xml><?xml version="1.0" encoding="utf-8"?>
 <p:notes xmlns:a="http://schemas.openxmlformats.org/drawingml/2006/main" xmlns:r="http://schemas.openxmlformats.org/officeDocument/2006/relationships" xmlns:p="http://schemas.openxmlformats.org/presentationml/2006/main" showMasterSp="0" showMasterPhAnim="0">
   <p:cSld>
     <p:spTree>
@@ -9232,7 +9626,7 @@
                 <a:cs typeface="Arial"/>
                 <a:sym typeface="Arial"/>
               </a:rPr>
-              <a:t>33</a:t>
+              <a:t>34</a:t>
             </a:fld>
             <a:endParaRPr sz="1200">
               <a:solidFill>
@@ -9349,7 +9743,7 @@
 </p:notes>
 </file>
 
-<file path=ppt/notesSlides/notesSlide34.xml><?xml version="1.0" encoding="utf-8"?>
+<file path=ppt/notesSlides/notesSlide35.xml><?xml version="1.0" encoding="utf-8"?>
 <p:notes xmlns:a="http://schemas.openxmlformats.org/drawingml/2006/main" xmlns:r="http://schemas.openxmlformats.org/officeDocument/2006/relationships" xmlns:p="http://schemas.openxmlformats.org/presentationml/2006/main" showMasterSp="0" showMasterPhAnim="0">
   <p:cSld>
     <p:spTree>
@@ -9565,7 +9959,7 @@
                 <a:cs typeface="Arial"/>
                 <a:sym typeface="Arial"/>
               </a:rPr>
-              <a:t>34</a:t>
+              <a:t>35</a:t>
             </a:fld>
             <a:endParaRPr sz="1200">
               <a:solidFill>
@@ -9587,7 +9981,7 @@
 </p:notes>
 </file>
 
-<file path=ppt/notesSlides/notesSlide35.xml><?xml version="1.0" encoding="utf-8"?>
+<file path=ppt/notesSlides/notesSlide36.xml><?xml version="1.0" encoding="utf-8"?>
 <p:notes xmlns:a="http://schemas.openxmlformats.org/drawingml/2006/main" xmlns:r="http://schemas.openxmlformats.org/officeDocument/2006/relationships" xmlns:p="http://schemas.openxmlformats.org/presentationml/2006/main" showMasterSp="0" showMasterPhAnim="0">
   <p:cSld>
     <p:spTree>
@@ -9803,7 +10197,7 @@
                 <a:cs typeface="Arial"/>
                 <a:sym typeface="Arial"/>
               </a:rPr>
-              <a:t>35</a:t>
+              <a:t>36</a:t>
             </a:fld>
             <a:endParaRPr sz="1200">
               <a:solidFill>
@@ -9825,7 +10219,7 @@
 </p:notes>
 </file>
 
-<file path=ppt/notesSlides/notesSlide36.xml><?xml version="1.0" encoding="utf-8"?>
+<file path=ppt/notesSlides/notesSlide37.xml><?xml version="1.0" encoding="utf-8"?>
 <p:notes xmlns:a="http://schemas.openxmlformats.org/drawingml/2006/main" xmlns:r="http://schemas.openxmlformats.org/officeDocument/2006/relationships" xmlns:p="http://schemas.openxmlformats.org/presentationml/2006/main" showMasterSp="0" showMasterPhAnim="0">
   <p:cSld>
     <p:spTree>
@@ -10041,7 +10435,7 @@
                 <a:cs typeface="Arial"/>
                 <a:sym typeface="Arial"/>
               </a:rPr>
-              <a:t>36</a:t>
+              <a:t>37</a:t>
             </a:fld>
             <a:endParaRPr sz="1200">
               <a:solidFill>
@@ -10063,7 +10457,7 @@
 </p:notes>
 </file>
 
-<file path=ppt/notesSlides/notesSlide37.xml><?xml version="1.0" encoding="utf-8"?>
+<file path=ppt/notesSlides/notesSlide38.xml><?xml version="1.0" encoding="utf-8"?>
 <p:notes xmlns:a="http://schemas.openxmlformats.org/drawingml/2006/main" xmlns:r="http://schemas.openxmlformats.org/officeDocument/2006/relationships" xmlns:p="http://schemas.openxmlformats.org/presentationml/2006/main" showMasterSp="0" showMasterPhAnim="0">
   <p:cSld>
     <p:spTree>
@@ -10124,7 +10518,7 @@
                 <a:cs typeface="Arial"/>
                 <a:sym typeface="Arial"/>
               </a:rPr>
-              <a:t>37</a:t>
+              <a:t>38</a:t>
             </a:fld>
             <a:endParaRPr sz="1200">
               <a:solidFill>
@@ -10241,7 +10635,7 @@
 </p:notes>
 </file>
 
-<file path=ppt/notesSlides/notesSlide38.xml><?xml version="1.0" encoding="utf-8"?>
+<file path=ppt/notesSlides/notesSlide39.xml><?xml version="1.0" encoding="utf-8"?>
 <p:notes xmlns:a="http://schemas.openxmlformats.org/drawingml/2006/main" xmlns:r="http://schemas.openxmlformats.org/officeDocument/2006/relationships" xmlns:p="http://schemas.openxmlformats.org/presentationml/2006/main" showMasterSp="0" showMasterPhAnim="0">
   <p:cSld>
     <p:spTree>
@@ -23919,18 +24313,93 @@
               <a:buNone/>
             </a:pPr>
             <a:r>
-              <a:rPr lang="en-US" sz="2800" b="0" i="0" u="none" strike="noStrike" cap="none">
-                <a:solidFill>
-                  <a:schemeClr val="dk1"/>
-                </a:solidFill>
-                <a:latin typeface="Arial"/>
-                <a:ea typeface="Arial"/>
-                <a:cs typeface="Arial"/>
-                <a:sym typeface="Arial"/>
-              </a:rPr>
-              <a:t>SELECT &lt;fields&gt; FROM &lt;tablename&gt; </a:t>
-            </a:r>
-            <a:endParaRPr sz="2800" b="0" i="0" u="none" strike="noStrike" cap="none">
+              <a:rPr lang="en-US" sz="2800" b="1" i="0" u="none" strike="noStrike" cap="none" dirty="0">
+                <a:solidFill>
+                  <a:srgbClr val="FFC000"/>
+                </a:solidFill>
+                <a:latin typeface="Arial"/>
+                <a:ea typeface="Arial"/>
+                <a:cs typeface="Arial"/>
+                <a:sym typeface="Arial"/>
+              </a:rPr>
+              <a:t>SELECT</a:t>
+            </a:r>
+            <a:r>
+              <a:rPr lang="en-US" sz="2800" b="0" i="0" u="none" strike="noStrike" cap="none" dirty="0">
+                <a:solidFill>
+                  <a:schemeClr val="dk1"/>
+                </a:solidFill>
+                <a:latin typeface="Arial"/>
+                <a:ea typeface="Arial"/>
+                <a:cs typeface="Arial"/>
+                <a:sym typeface="Arial"/>
+              </a:rPr>
+              <a:t> &lt;fields&gt;</a:t>
+            </a:r>
+          </a:p>
+          <a:p>
+            <a:pPr marL="0" marR="0" lvl="0" indent="0" algn="l" rtl="0">
+              <a:spcBef>
+                <a:spcPts val="0"/>
+              </a:spcBef>
+              <a:spcAft>
+                <a:spcPts val="0"/>
+              </a:spcAft>
+              <a:buClr>
+                <a:schemeClr val="dk1"/>
+              </a:buClr>
+              <a:buFont typeface="Arial"/>
+              <a:buNone/>
+            </a:pPr>
+            <a:r>
+              <a:rPr lang="en-US" sz="2800" b="1" i="0" u="none" strike="noStrike" cap="none" dirty="0">
+                <a:solidFill>
+                  <a:srgbClr val="0070C0"/>
+                </a:solidFill>
+                <a:latin typeface="Arial"/>
+                <a:ea typeface="Arial"/>
+                <a:cs typeface="Arial"/>
+                <a:sym typeface="Arial"/>
+              </a:rPr>
+              <a:t>FROM </a:t>
+            </a:r>
+            <a:r>
+              <a:rPr lang="en-US" sz="2800" b="0" i="0" u="none" strike="noStrike" cap="none" dirty="0">
+                <a:solidFill>
+                  <a:schemeClr val="dk1"/>
+                </a:solidFill>
+                <a:latin typeface="Arial"/>
+                <a:ea typeface="Arial"/>
+                <a:cs typeface="Arial"/>
+                <a:sym typeface="Arial"/>
+              </a:rPr>
+              <a:t>&lt;</a:t>
+            </a:r>
+            <a:r>
+              <a:rPr lang="en-US" sz="2800" b="0" i="0" u="none" strike="noStrike" cap="none" dirty="0" err="1">
+                <a:solidFill>
+                  <a:schemeClr val="dk1"/>
+                </a:solidFill>
+                <a:latin typeface="Arial"/>
+                <a:ea typeface="Arial"/>
+                <a:cs typeface="Arial"/>
+                <a:sym typeface="Arial"/>
+              </a:rPr>
+              <a:t>tablename</a:t>
+            </a:r>
+            <a:r>
+              <a:rPr lang="en-US" sz="2800" b="0" i="0" u="none" strike="noStrike" cap="none" dirty="0">
+                <a:solidFill>
+                  <a:schemeClr val="dk1"/>
+                </a:solidFill>
+                <a:latin typeface="Arial"/>
+                <a:ea typeface="Arial"/>
+                <a:cs typeface="Arial"/>
+                <a:sym typeface="Arial"/>
+              </a:rPr>
+              <a:t>&gt; </a:t>
+            </a:r>
+            <a:endParaRPr sz="2800" b="0" i="0" u="none" strike="noStrike" cap="none" dirty="0">
               <a:solidFill>
                 <a:schemeClr val="dk1"/>
               </a:solidFill>
@@ -23955,18 +24424,30 @@
               <a:buNone/>
             </a:pPr>
             <a:r>
-              <a:rPr lang="en-US" sz="2800" b="0" i="0" u="none" strike="noStrike" cap="none">
-                <a:solidFill>
-                  <a:schemeClr val="dk1"/>
-                </a:solidFill>
-                <a:latin typeface="Arial"/>
-                <a:ea typeface="Arial"/>
-                <a:cs typeface="Arial"/>
-                <a:sym typeface="Arial"/>
-              </a:rPr>
-              <a:t>ORDER BY &lt;field&gt; &lt;order&gt;;</a:t>
-            </a:r>
-            <a:endParaRPr/>
+              <a:rPr lang="en-US" sz="2800" b="1" i="0" u="none" strike="noStrike" cap="none" dirty="0">
+                <a:solidFill>
+                  <a:srgbClr val="7030A0"/>
+                </a:solidFill>
+                <a:latin typeface="Arial"/>
+                <a:ea typeface="Arial"/>
+                <a:cs typeface="Arial"/>
+                <a:sym typeface="Arial"/>
+              </a:rPr>
+              <a:t>ORDER BY</a:t>
+            </a:r>
+            <a:r>
+              <a:rPr lang="en-US" sz="2800" b="0" i="0" u="none" strike="noStrike" cap="none" dirty="0">
+                <a:solidFill>
+                  <a:schemeClr val="dk1"/>
+                </a:solidFill>
+                <a:latin typeface="Arial"/>
+                <a:ea typeface="Arial"/>
+                <a:cs typeface="Arial"/>
+                <a:sym typeface="Arial"/>
+              </a:rPr>
+              <a:t> &lt;field&gt; &lt;order&gt;;</a:t>
+            </a:r>
+            <a:endParaRPr dirty="0"/>
           </a:p>
           <a:p>
             <a:pPr marL="0" marR="0" lvl="0" indent="0" algn="l" rtl="0">
@@ -23982,7 +24463,7 @@
               <a:buFont typeface="Arial"/>
               <a:buNone/>
             </a:pPr>
-            <a:endParaRPr sz="2800" b="0" i="0" u="none" strike="noStrike" cap="none">
+            <a:endParaRPr sz="2800" b="0" i="0" u="none" strike="noStrike" cap="none" dirty="0">
               <a:solidFill>
                 <a:schemeClr val="dk1"/>
               </a:solidFill>
@@ -24007,7 +24488,7 @@
               <a:buNone/>
             </a:pPr>
             <a:r>
-              <a:rPr lang="en-US" sz="2800" b="1" i="0" u="none" strike="noStrike" cap="none">
+              <a:rPr lang="en-US" sz="2800" b="1" i="0" u="none" strike="noStrike" cap="none" dirty="0">
                 <a:solidFill>
                   <a:srgbClr val="FF9F49"/>
                 </a:solidFill>
@@ -24019,7 +24500,7 @@
               <a:t>SELECT</a:t>
             </a:r>
             <a:r>
-              <a:rPr lang="en-US" sz="2800" b="0" i="0" u="none" strike="noStrike" cap="none">
+              <a:rPr lang="en-US" sz="2800" b="0" i="0" u="none" strike="noStrike" cap="none" dirty="0">
                 <a:solidFill>
                   <a:srgbClr val="FF9F49"/>
                 </a:solidFill>
@@ -24031,19 +24512,34 @@
               <a:t> </a:t>
             </a:r>
             <a:r>
-              <a:rPr lang="en-US" sz="2800" b="0" i="0" u="none" strike="noStrike" cap="none">
-                <a:solidFill>
-                  <a:schemeClr val="dk1"/>
-                </a:solidFill>
-                <a:latin typeface="Arial"/>
-                <a:ea typeface="Arial"/>
-                <a:cs typeface="Arial"/>
-                <a:sym typeface="Arial"/>
-              </a:rPr>
-              <a:t>*                            	                            </a:t>
-            </a:r>
-            <a:r>
-              <a:rPr lang="en-US" sz="2800" b="1" i="0" u="none" strike="noStrike" cap="none">
+              <a:rPr lang="en-US" sz="2800" b="0" i="0" u="none" strike="noStrike" cap="none" dirty="0">
+                <a:solidFill>
+                  <a:schemeClr val="dk1"/>
+                </a:solidFill>
+                <a:latin typeface="Arial"/>
+                <a:ea typeface="Arial"/>
+                <a:cs typeface="Arial"/>
+                <a:sym typeface="Arial"/>
+              </a:rPr>
+              <a:t>*</a:t>
+            </a:r>
+          </a:p>
+          <a:p>
+            <a:pPr marL="0" marR="0" lvl="0" indent="0" algn="l" rtl="0">
+              <a:spcBef>
+                <a:spcPts val="560"/>
+              </a:spcBef>
+              <a:spcAft>
+                <a:spcPts val="0"/>
+              </a:spcAft>
+              <a:buClr>
+                <a:srgbClr val="FF9F49"/>
+              </a:buClr>
+              <a:buFont typeface="Arial"/>
+              <a:buNone/>
+            </a:pPr>
+            <a:r>
+              <a:rPr lang="en-US" sz="2800" b="1" i="0" u="none" strike="noStrike" cap="none" dirty="0">
                 <a:solidFill>
                   <a:srgbClr val="0070C0"/>
                 </a:solidFill>
@@ -24055,7 +24551,7 @@
               <a:t>FROM</a:t>
             </a:r>
             <a:r>
-              <a:rPr lang="en-US" sz="2800" b="0" i="0" u="none" strike="noStrike" cap="none">
+              <a:rPr lang="en-US" sz="2800" b="0" i="0" u="none" strike="noStrike" cap="none" dirty="0">
                 <a:solidFill>
                   <a:srgbClr val="0070C0"/>
                 </a:solidFill>
@@ -24067,18 +24563,18 @@
               <a:t> </a:t>
             </a:r>
             <a:r>
-              <a:rPr lang="en-US" sz="2800" b="0" i="0" u="none" strike="noStrike" cap="none">
-                <a:solidFill>
-                  <a:schemeClr val="dk1"/>
-                </a:solidFill>
-                <a:latin typeface="Arial"/>
-                <a:ea typeface="Arial"/>
-                <a:cs typeface="Arial"/>
-                <a:sym typeface="Arial"/>
-              </a:rPr>
-              <a:t>tutorial.city_populations	       	     </a:t>
-            </a:r>
-            <a:endParaRPr sz="2800" b="0" i="0" u="none" strike="noStrike" cap="none">
+              <a:rPr lang="en-US" sz="2800" b="0" i="0" u="none" strike="noStrike" cap="none" dirty="0" err="1">
+                <a:solidFill>
+                  <a:schemeClr val="dk1"/>
+                </a:solidFill>
+                <a:latin typeface="Arial"/>
+                <a:ea typeface="Arial"/>
+                <a:cs typeface="Arial"/>
+                <a:sym typeface="Arial"/>
+              </a:rPr>
+              <a:t>tutorial.city_populations</a:t>
+            </a:r>
+            <a:endParaRPr sz="2800" b="0" i="0" u="none" strike="noStrike" cap="none" dirty="0">
               <a:solidFill>
                 <a:schemeClr val="dk1"/>
               </a:solidFill>
@@ -24103,9 +24599,9 @@
               <a:buNone/>
             </a:pPr>
             <a:r>
-              <a:rPr lang="en-US" sz="2800" b="1" i="0" u="none" strike="noStrike" cap="none">
-                <a:solidFill>
-                  <a:srgbClr val="0070C0"/>
+              <a:rPr lang="en-US" sz="2800" b="1" i="0" u="none" strike="noStrike" cap="none" dirty="0">
+                <a:solidFill>
+                  <a:srgbClr val="7030A0"/>
                 </a:solidFill>
                 <a:latin typeface="Arial"/>
                 <a:ea typeface="Arial"/>
@@ -24115,18 +24611,42 @@
               <a:t>ORDER BY </a:t>
             </a:r>
             <a:r>
-              <a:rPr lang="en-US" sz="2800" b="0" i="0" u="none" strike="noStrike" cap="none">
-                <a:solidFill>
-                  <a:schemeClr val="dk1"/>
-                </a:solidFill>
-                <a:latin typeface="Arial"/>
-                <a:ea typeface="Arial"/>
-                <a:cs typeface="Arial"/>
-                <a:sym typeface="Arial"/>
-              </a:rPr>
-              <a:t>population_estimate_2012 DESC;</a:t>
-            </a:r>
-            <a:endParaRPr sz="2800" b="0" i="0" u="none" strike="noStrike" cap="none">
+              <a:rPr lang="en-US" sz="2800" b="0" i="0" u="none" strike="noStrike" cap="none" dirty="0">
+                <a:solidFill>
+                  <a:schemeClr val="dk1"/>
+                </a:solidFill>
+                <a:latin typeface="Arial"/>
+                <a:ea typeface="Arial"/>
+                <a:cs typeface="Arial"/>
+                <a:sym typeface="Arial"/>
+              </a:rPr>
+              <a:t>population_estimate_2012 </a:t>
+            </a:r>
+            <a:r>
+              <a:rPr lang="en-US" sz="2800" b="1" i="0" u="none" strike="noStrike" cap="none" dirty="0">
+                <a:solidFill>
+                  <a:schemeClr val="dk1"/>
+                </a:solidFill>
+                <a:latin typeface="Arial"/>
+                <a:ea typeface="Arial"/>
+                <a:cs typeface="Arial"/>
+                <a:sym typeface="Arial"/>
+              </a:rPr>
+              <a:t>DESC</a:t>
+            </a:r>
+            <a:r>
+              <a:rPr lang="en-US" sz="2800" b="0" i="0" u="none" strike="noStrike" cap="none" dirty="0">
+                <a:solidFill>
+                  <a:schemeClr val="dk1"/>
+                </a:solidFill>
+                <a:latin typeface="Arial"/>
+                <a:ea typeface="Arial"/>
+                <a:cs typeface="Arial"/>
+                <a:sym typeface="Arial"/>
+              </a:rPr>
+              <a:t>;</a:t>
+            </a:r>
+            <a:endParaRPr sz="2800" b="0" i="0" u="none" strike="noStrike" cap="none" dirty="0">
               <a:solidFill>
                 <a:schemeClr val="dk1"/>
               </a:solidFill>
@@ -24150,7 +24670,7 @@
               <a:buFont typeface="Arial"/>
               <a:buNone/>
             </a:pPr>
-            <a:endParaRPr sz="2800" b="0" i="0" u="none" strike="noStrike" cap="none">
+            <a:endParaRPr sz="2800" b="0" i="0" u="none" strike="noStrike" cap="none" dirty="0">
               <a:solidFill>
                 <a:schemeClr val="dk1"/>
               </a:solidFill>
@@ -24350,7 +24870,7 @@
                                         <p:tgtEl>
                                           <p:spTgt spid="168">
                                             <p:txEl>
-                                              <p:pRg st="3" end="3"/>
+                                              <p:pRg st="4" end="4"/>
                                             </p:txEl>
                                           </p:spTgt>
                                         </p:tgtEl>
@@ -24399,7 +24919,7 @@
                                         <p:tgtEl>
                                           <p:spTgt spid="168">
                                             <p:txEl>
-                                              <p:pRg st="4" end="4"/>
+                                              <p:pRg st="5" end="5"/>
                                             </p:txEl>
                                           </p:spTgt>
                                         </p:tgtEl>
@@ -24448,7 +24968,7 @@
                                         <p:tgtEl>
                                           <p:spTgt spid="168">
                                             <p:txEl>
-                                              <p:pRg st="5" end="5"/>
+                                              <p:pRg st="6" end="6"/>
                                             </p:txEl>
                                           </p:spTgt>
                                         </p:tgtEl>
@@ -24616,7 +25136,7 @@
               <a:buNone/>
             </a:pPr>
             <a:r>
-              <a:rPr lang="en-US" sz="2800" b="0" i="0" u="none" strike="noStrike" cap="none">
+              <a:rPr lang="en-US" sz="2800" b="0" i="0" u="none" strike="noStrike" cap="none" dirty="0">
                 <a:solidFill>
                   <a:schemeClr val="dk1"/>
                 </a:solidFill>
@@ -24627,7 +25147,7 @@
               </a:rPr>
               <a:t>Aggregate functions (see worksheet) are used to gather information about data</a:t>
             </a:r>
-            <a:endParaRPr/>
+            <a:endParaRPr dirty="0"/>
           </a:p>
           <a:p>
             <a:pPr marL="0" marR="0" lvl="0" indent="0" algn="l" rtl="0">
@@ -24643,7 +25163,7 @@
               <a:buFont typeface="Arial"/>
               <a:buNone/>
             </a:pPr>
-            <a:endParaRPr sz="2800" b="0" i="0" u="none" strike="noStrike" cap="none">
+            <a:endParaRPr sz="2800" b="0" i="0" u="none" strike="noStrike" cap="none" dirty="0">
               <a:solidFill>
                 <a:schemeClr val="dk1"/>
               </a:solidFill>
@@ -24668,7 +25188,7 @@
               <a:buNone/>
             </a:pPr>
             <a:r>
-              <a:rPr lang="en-US" sz="2800" b="0" i="0" u="none" strike="noStrike" cap="none">
+              <a:rPr lang="en-US" sz="2800" b="0" i="0" u="none" strike="noStrike" cap="none" dirty="0">
                 <a:solidFill>
                   <a:schemeClr val="dk1"/>
                 </a:solidFill>
@@ -24679,7 +25199,7 @@
               </a:rPr>
               <a:t>Commonly used functions: COUNT(), COUNT(DISTINCT), SUM(), AVG(), MAX(), MIN() </a:t>
             </a:r>
-            <a:endParaRPr/>
+            <a:endParaRPr dirty="0"/>
           </a:p>
           <a:p>
             <a:pPr marL="0" marR="0" lvl="0" indent="0" algn="l" rtl="0">
@@ -24695,7 +25215,7 @@
               <a:buFont typeface="Arial"/>
               <a:buNone/>
             </a:pPr>
-            <a:endParaRPr sz="2800" b="0" i="0" u="none" strike="noStrike" cap="none">
+            <a:endParaRPr sz="2800" b="0" i="0" u="none" strike="noStrike" cap="none" dirty="0">
               <a:solidFill>
                 <a:schemeClr val="dk1"/>
               </a:solidFill>
@@ -24720,7 +25240,7 @@
               <a:buNone/>
             </a:pPr>
             <a:r>
-              <a:rPr lang="en-US" sz="2800" b="1" i="0" u="none" strike="noStrike" cap="none">
+              <a:rPr lang="en-US" sz="2800" b="1" i="0" u="none" strike="noStrike" cap="none" dirty="0">
                 <a:solidFill>
                   <a:srgbClr val="FF9F49"/>
                 </a:solidFill>
@@ -24732,7 +25252,7 @@
               <a:t>SELECT</a:t>
             </a:r>
             <a:r>
-              <a:rPr lang="en-US" sz="2800" b="0" i="0" u="none" strike="noStrike" cap="none">
+              <a:rPr lang="en-US" sz="2800" b="0" i="0" u="none" strike="noStrike" cap="none" dirty="0">
                 <a:solidFill>
                   <a:srgbClr val="FF9F49"/>
                 </a:solidFill>
@@ -24744,19 +25264,58 @@
               <a:t> </a:t>
             </a:r>
             <a:r>
-              <a:rPr lang="en-US" sz="2800" b="0" i="0" u="none" strike="noStrike" cap="none">
-                <a:solidFill>
-                  <a:schemeClr val="dk1"/>
-                </a:solidFill>
-                <a:latin typeface="Arial"/>
-                <a:ea typeface="Arial"/>
-                <a:cs typeface="Arial"/>
-                <a:sym typeface="Arial"/>
-              </a:rPr>
-              <a:t>state, AVG(population_estimate_2012) </a:t>
-            </a:r>
-            <a:r>
-              <a:rPr lang="en-US" sz="2800" b="1" i="0" u="none" strike="noStrike" cap="none">
+              <a:rPr lang="en-US" sz="2800" b="0" i="0" u="none" strike="noStrike" cap="none" dirty="0">
+                <a:solidFill>
+                  <a:schemeClr val="dk1"/>
+                </a:solidFill>
+                <a:latin typeface="Arial"/>
+                <a:ea typeface="Arial"/>
+                <a:cs typeface="Arial"/>
+                <a:sym typeface="Arial"/>
+              </a:rPr>
+              <a:t>state, </a:t>
+            </a:r>
+            <a:r>
+              <a:rPr lang="en-US" sz="2800" b="1" i="0" u="none" strike="noStrike" cap="none" dirty="0">
+                <a:solidFill>
+                  <a:schemeClr val="dk1"/>
+                </a:solidFill>
+                <a:latin typeface="Arial"/>
+                <a:ea typeface="Arial"/>
+                <a:cs typeface="Arial"/>
+                <a:sym typeface="Arial"/>
+              </a:rPr>
+              <a:t>AVG</a:t>
+            </a:r>
+            <a:r>
+              <a:rPr lang="en-US" sz="2800" b="0" i="0" u="none" strike="noStrike" cap="none" dirty="0">
+                <a:solidFill>
+                  <a:schemeClr val="dk1"/>
+                </a:solidFill>
+                <a:latin typeface="Arial"/>
+                <a:ea typeface="Arial"/>
+                <a:cs typeface="Arial"/>
+                <a:sym typeface="Arial"/>
+              </a:rPr>
+              <a:t>(population_estimate_2012</a:t>
+            </a:r>
+          </a:p>
+          <a:p>
+            <a:pPr marL="0" marR="0" lvl="0" indent="0" algn="l" rtl="0">
+              <a:spcBef>
+                <a:spcPts val="560"/>
+              </a:spcBef>
+              <a:spcAft>
+                <a:spcPts val="0"/>
+              </a:spcAft>
+              <a:buClr>
+                <a:srgbClr val="FF9F49"/>
+              </a:buClr>
+              <a:buFont typeface="Arial"/>
+              <a:buNone/>
+            </a:pPr>
+            <a:r>
+              <a:rPr lang="en-US" sz="2800" b="1" i="0" u="none" strike="noStrike" cap="none" dirty="0">
                 <a:solidFill>
                   <a:srgbClr val="0070C0"/>
                 </a:solidFill>
@@ -24768,7 +25327,7 @@
               <a:t>FROM</a:t>
             </a:r>
             <a:r>
-              <a:rPr lang="en-US" sz="2800" b="0" i="0" u="none" strike="noStrike" cap="none">
+              <a:rPr lang="en-US" sz="2800" b="0" i="0" u="none" strike="noStrike" cap="none" dirty="0">
                 <a:solidFill>
                   <a:srgbClr val="0070C0"/>
                 </a:solidFill>
@@ -24780,18 +25339,30 @@
               <a:t> </a:t>
             </a:r>
             <a:r>
-              <a:rPr lang="en-US" sz="2800" b="0" i="0" u="none" strike="noStrike" cap="none">
-                <a:solidFill>
-                  <a:schemeClr val="dk1"/>
-                </a:solidFill>
-                <a:latin typeface="Arial"/>
-                <a:ea typeface="Arial"/>
-                <a:cs typeface="Arial"/>
-                <a:sym typeface="Arial"/>
-              </a:rPr>
-              <a:t>tutorial.city_populations		         </a:t>
-            </a:r>
-            <a:endParaRPr sz="2800" b="0" i="0" u="none" strike="noStrike" cap="none">
+              <a:rPr lang="en-US" sz="2800" b="0" i="0" u="none" strike="noStrike" cap="none" dirty="0" err="1">
+                <a:solidFill>
+                  <a:schemeClr val="dk1"/>
+                </a:solidFill>
+                <a:latin typeface="Arial"/>
+                <a:ea typeface="Arial"/>
+                <a:cs typeface="Arial"/>
+                <a:sym typeface="Arial"/>
+              </a:rPr>
+              <a:t>tutorial.city_populations</a:t>
+            </a:r>
+            <a:r>
+              <a:rPr lang="en-US" sz="2800" b="0" i="0" u="none" strike="noStrike" cap="none" dirty="0">
+                <a:solidFill>
+                  <a:schemeClr val="dk1"/>
+                </a:solidFill>
+                <a:latin typeface="Arial"/>
+                <a:ea typeface="Arial"/>
+                <a:cs typeface="Arial"/>
+                <a:sym typeface="Arial"/>
+              </a:rPr>
+              <a:t>		         </a:t>
+            </a:r>
+            <a:endParaRPr sz="2800" b="0" i="0" u="none" strike="noStrike" cap="none" dirty="0">
               <a:solidFill>
                 <a:schemeClr val="dk1"/>
               </a:solidFill>
@@ -24816,7 +25387,19 @@
               <a:buNone/>
             </a:pPr>
             <a:r>
-              <a:rPr lang="en-US" sz="2800" b="1" i="0" u="none" strike="noStrike" cap="none">
+              <a:rPr lang="en-US" sz="2800" b="1" i="0" u="none" strike="noStrike" cap="none" dirty="0">
+                <a:solidFill>
+                  <a:srgbClr val="7030A0"/>
+                </a:solidFill>
+                <a:latin typeface="Arial"/>
+                <a:ea typeface="Arial"/>
+                <a:cs typeface="Arial"/>
+                <a:sym typeface="Arial"/>
+              </a:rPr>
+              <a:t>GROUP BY</a:t>
+            </a:r>
+            <a:r>
+              <a:rPr lang="en-US" sz="2800" b="0" i="0" u="none" strike="noStrike" cap="none" dirty="0">
                 <a:solidFill>
                   <a:srgbClr val="0070C0"/>
                 </a:solidFill>
@@ -24825,22 +25408,10 @@
                 <a:cs typeface="Arial"/>
                 <a:sym typeface="Arial"/>
               </a:rPr>
-              <a:t>GROUP BY</a:t>
-            </a:r>
-            <a:r>
-              <a:rPr lang="en-US" sz="2800" b="0" i="0" u="none" strike="noStrike" cap="none">
-                <a:solidFill>
-                  <a:srgbClr val="0070C0"/>
-                </a:solidFill>
-                <a:latin typeface="Arial"/>
-                <a:ea typeface="Arial"/>
-                <a:cs typeface="Arial"/>
-                <a:sym typeface="Arial"/>
-              </a:rPr>
               <a:t> </a:t>
             </a:r>
             <a:r>
-              <a:rPr lang="en-US" sz="2800" b="0" i="0" u="none" strike="noStrike" cap="none">
+              <a:rPr lang="en-US" sz="2800" b="0" i="0" u="none" strike="noStrike" cap="none" dirty="0">
                 <a:solidFill>
                   <a:schemeClr val="dk1"/>
                 </a:solidFill>
@@ -24851,7 +25422,7 @@
               </a:rPr>
               <a:t>state; </a:t>
             </a:r>
-            <a:endParaRPr sz="2800" b="0" i="0" u="none" strike="noStrike" cap="none">
+            <a:endParaRPr sz="2800" b="0" i="0" u="none" strike="noStrike" cap="none" dirty="0">
               <a:solidFill>
                 <a:schemeClr val="dk1"/>
               </a:solidFill>
@@ -24875,7 +25446,7 @@
               <a:buFont typeface="Arial"/>
               <a:buNone/>
             </a:pPr>
-            <a:endParaRPr sz="2800" b="0" i="0" u="none" strike="noStrike" cap="none">
+            <a:endParaRPr sz="2800" b="0" i="0" u="none" strike="noStrike" cap="none" dirty="0">
               <a:solidFill>
                 <a:schemeClr val="dk1"/>
               </a:solidFill>
@@ -24977,7 +25548,7 @@
                                         <p:tgtEl>
                                           <p:spTgt spid="176">
                                             <p:txEl>
-                                              <p:pRg st="1" end="1"/>
+                                              <p:pRg st="2" end="2"/>
                                             </p:txEl>
                                           </p:spTgt>
                                         </p:tgtEl>
@@ -25026,7 +25597,7 @@
                                         <p:tgtEl>
                                           <p:spTgt spid="176">
                                             <p:txEl>
-                                              <p:pRg st="2" end="2"/>
+                                              <p:pRg st="4" end="4"/>
                                             </p:txEl>
                                           </p:spTgt>
                                         </p:tgtEl>
@@ -25075,7 +25646,7 @@
                                         <p:tgtEl>
                                           <p:spTgt spid="176">
                                             <p:txEl>
-                                              <p:pRg st="3" end="3"/>
+                                              <p:pRg st="5" end="5"/>
                                             </p:txEl>
                                           </p:spTgt>
                                         </p:tgtEl>
@@ -25117,104 +25688,6 @@
                                     <p:set>
                                       <p:cBhvr>
                                         <p:cTn id="22" dur="1" fill="hold">
-                                          <p:stCondLst>
-                                            <p:cond delay="0"/>
-                                          </p:stCondLst>
-                                        </p:cTn>
-                                        <p:tgtEl>
-                                          <p:spTgt spid="176">
-                                            <p:txEl>
-                                              <p:pRg st="4" end="4"/>
-                                            </p:txEl>
-                                          </p:spTgt>
-                                        </p:tgtEl>
-                                        <p:attrNameLst>
-                                          <p:attrName>style.visibility</p:attrName>
-                                        </p:attrNameLst>
-                                      </p:cBhvr>
-                                      <p:to>
-                                        <p:strVal val="visible"/>
-                                      </p:to>
-                                    </p:set>
-                                  </p:childTnLst>
-                                </p:cTn>
-                              </p:par>
-                            </p:childTnLst>
-                          </p:cTn>
-                        </p:par>
-                      </p:childTnLst>
-                    </p:cTn>
-                  </p:par>
-                  <p:par>
-                    <p:cTn id="23" fill="hold">
-                      <p:stCondLst>
-                        <p:cond delay="indefinite"/>
-                      </p:stCondLst>
-                      <p:childTnLst>
-                        <p:par>
-                          <p:cTn id="24" fill="hold">
-                            <p:stCondLst>
-                              <p:cond delay="0"/>
-                            </p:stCondLst>
-                            <p:childTnLst>
-                              <p:par>
-                                <p:cTn id="25" presetID="1" presetClass="entr" presetSubtype="0" fill="hold" nodeType="clickEffect">
-                                  <p:stCondLst>
-                                    <p:cond delay="0"/>
-                                  </p:stCondLst>
-                                  <p:childTnLst>
-                                    <p:set>
-                                      <p:cBhvr>
-                                        <p:cTn id="26" dur="1" fill="hold">
-                                          <p:stCondLst>
-                                            <p:cond delay="0"/>
-                                          </p:stCondLst>
-                                        </p:cTn>
-                                        <p:tgtEl>
-                                          <p:spTgt spid="176">
-                                            <p:txEl>
-                                              <p:pRg st="5" end="5"/>
-                                            </p:txEl>
-                                          </p:spTgt>
-                                        </p:tgtEl>
-                                        <p:attrNameLst>
-                                          <p:attrName>style.visibility</p:attrName>
-                                        </p:attrNameLst>
-                                      </p:cBhvr>
-                                      <p:to>
-                                        <p:strVal val="visible"/>
-                                      </p:to>
-                                    </p:set>
-                                  </p:childTnLst>
-                                </p:cTn>
-                              </p:par>
-                            </p:childTnLst>
-                          </p:cTn>
-                        </p:par>
-                      </p:childTnLst>
-                    </p:cTn>
-                  </p:par>
-                  <p:par>
-                    <p:cTn id="27" fill="hold">
-                      <p:stCondLst>
-                        <p:cond delay="indefinite"/>
-                      </p:stCondLst>
-                      <p:childTnLst>
-                        <p:par>
-                          <p:cTn id="28" fill="hold">
-                            <p:stCondLst>
-                              <p:cond delay="0"/>
-                            </p:stCondLst>
-                            <p:childTnLst>
-                              <p:par>
-                                <p:cTn id="29" presetID="1" presetClass="entr" presetSubtype="0" fill="hold" nodeType="clickEffect">
-                                  <p:stCondLst>
-                                    <p:cond delay="0"/>
-                                  </p:stCondLst>
-                                  <p:childTnLst>
-                                    <p:set>
-                                      <p:cBhvr>
-                                        <p:cTn id="30" dur="1" fill="hold">
                                           <p:stCondLst>
                                             <p:cond delay="0"/>
                                           </p:stCondLst>
@@ -25390,7 +25863,7 @@
               <a:buNone/>
             </a:pPr>
             <a:r>
-              <a:rPr lang="en-US" sz="2400" b="0" i="0" u="none" strike="noStrike" cap="none">
+              <a:rPr lang="en-US" sz="2400" b="0" i="0" u="none" strike="noStrike" cap="none" dirty="0">
                 <a:solidFill>
                   <a:schemeClr val="dk1"/>
                 </a:solidFill>
@@ -25401,7 +25874,7 @@
               </a:rPr>
               <a:t>In the sandbox, try more complicated SELECTs.</a:t>
             </a:r>
-            <a:endParaRPr/>
+            <a:endParaRPr dirty="0"/>
           </a:p>
           <a:p>
             <a:pPr marL="0" marR="0" lvl="0" indent="0" algn="l" rtl="0">
@@ -25417,7 +25890,7 @@
               <a:buFont typeface="Arial"/>
               <a:buNone/>
             </a:pPr>
-            <a:endParaRPr sz="2400" b="0" i="0" u="none" strike="noStrike" cap="none">
+            <a:endParaRPr sz="2400" b="0" i="0" u="none" strike="noStrike" cap="none" dirty="0">
               <a:solidFill>
                 <a:schemeClr val="dk1"/>
               </a:solidFill>
@@ -25442,7 +25915,7 @@
               <a:buNone/>
             </a:pPr>
             <a:r>
-              <a:rPr lang="en-US" sz="2400" b="1" i="0" u="none" strike="noStrike" cap="none">
+              <a:rPr lang="en-US" sz="2400" b="1" i="0" u="none" strike="noStrike" cap="none" dirty="0">
                 <a:solidFill>
                   <a:srgbClr val="FF9F49"/>
                 </a:solidFill>
@@ -25454,18 +25927,66 @@
               <a:t>SELECT</a:t>
             </a:r>
             <a:r>
-              <a:rPr lang="en-US" sz="2400" b="0" i="0" u="none" strike="noStrike" cap="none">
-                <a:solidFill>
-                  <a:schemeClr val="dk1"/>
-                </a:solidFill>
-                <a:latin typeface="Arial"/>
-                <a:ea typeface="Arial"/>
-                <a:cs typeface="Arial"/>
-                <a:sym typeface="Arial"/>
-              </a:rPr>
-              <a:t> teacher, AVG(sat_writing) </a:t>
-            </a:r>
-            <a:endParaRPr/>
+              <a:rPr lang="en-US" sz="2400" b="0" i="0" u="none" strike="noStrike" cap="none" dirty="0">
+                <a:solidFill>
+                  <a:schemeClr val="dk1"/>
+                </a:solidFill>
+                <a:latin typeface="Arial"/>
+                <a:ea typeface="Arial"/>
+                <a:cs typeface="Arial"/>
+                <a:sym typeface="Arial"/>
+              </a:rPr>
+              <a:t> teacher, </a:t>
+            </a:r>
+            <a:r>
+              <a:rPr lang="en-US" sz="2400" b="1" i="0" u="none" strike="noStrike" cap="none" dirty="0">
+                <a:solidFill>
+                  <a:schemeClr val="dk1"/>
+                </a:solidFill>
+                <a:latin typeface="Arial"/>
+                <a:ea typeface="Arial"/>
+                <a:cs typeface="Arial"/>
+                <a:sym typeface="Arial"/>
+              </a:rPr>
+              <a:t>AVG</a:t>
+            </a:r>
+            <a:r>
+              <a:rPr lang="en-US" sz="2400" b="0" i="0" u="none" strike="noStrike" cap="none" dirty="0">
+                <a:solidFill>
+                  <a:schemeClr val="dk1"/>
+                </a:solidFill>
+                <a:latin typeface="Arial"/>
+                <a:ea typeface="Arial"/>
+                <a:cs typeface="Arial"/>
+                <a:sym typeface="Arial"/>
+              </a:rPr>
+              <a:t>(</a:t>
+            </a:r>
+            <a:r>
+              <a:rPr lang="en-US" sz="2400" b="0" i="0" u="none" strike="noStrike" cap="none" dirty="0" err="1">
+                <a:solidFill>
+                  <a:schemeClr val="dk1"/>
+                </a:solidFill>
+                <a:latin typeface="Arial"/>
+                <a:ea typeface="Arial"/>
+                <a:cs typeface="Arial"/>
+                <a:sym typeface="Arial"/>
+              </a:rPr>
+              <a:t>sat_writing</a:t>
+            </a:r>
+            <a:r>
+              <a:rPr lang="en-US" sz="2400" b="0" i="0" u="none" strike="noStrike" cap="none" dirty="0">
+                <a:solidFill>
+                  <a:schemeClr val="dk1"/>
+                </a:solidFill>
+                <a:latin typeface="Arial"/>
+                <a:ea typeface="Arial"/>
+                <a:cs typeface="Arial"/>
+                <a:sym typeface="Arial"/>
+              </a:rPr>
+              <a:t>) </a:t>
+            </a:r>
+            <a:endParaRPr dirty="0"/>
           </a:p>
           <a:p>
             <a:pPr marL="0" marR="0" lvl="0" indent="0" algn="l" rtl="0">
@@ -25482,7 +26003,7 @@
               <a:buNone/>
             </a:pPr>
             <a:r>
-              <a:rPr lang="en-US" sz="2400" b="1" i="0" u="none" strike="noStrike" cap="none">
+              <a:rPr lang="en-US" sz="2400" b="1" i="0" u="none" strike="noStrike" cap="none" dirty="0">
                 <a:solidFill>
                   <a:srgbClr val="0070C0"/>
                 </a:solidFill>
@@ -25494,18 +26015,30 @@
               <a:t>FROM</a:t>
             </a:r>
             <a:r>
-              <a:rPr lang="en-US" sz="2400" b="0" i="0" u="none" strike="noStrike" cap="none">
-                <a:solidFill>
-                  <a:schemeClr val="dk1"/>
-                </a:solidFill>
-                <a:latin typeface="Arial"/>
-                <a:ea typeface="Arial"/>
-                <a:cs typeface="Arial"/>
-                <a:sym typeface="Arial"/>
-              </a:rPr>
-              <a:t> tutorial.sat_scores</a:t>
-            </a:r>
-            <a:endParaRPr sz="2400" b="0" i="0" u="none" strike="noStrike" cap="none">
+              <a:rPr lang="en-US" sz="2400" b="0" i="0" u="none" strike="noStrike" cap="none" dirty="0">
+                <a:solidFill>
+                  <a:schemeClr val="dk1"/>
+                </a:solidFill>
+                <a:latin typeface="Arial"/>
+                <a:ea typeface="Arial"/>
+                <a:cs typeface="Arial"/>
+                <a:sym typeface="Arial"/>
+              </a:rPr>
+              <a:t> </a:t>
+            </a:r>
+            <a:r>
+              <a:rPr lang="en-US" sz="2400" b="0" i="0" u="none" strike="noStrike" cap="none" dirty="0" err="1">
+                <a:solidFill>
+                  <a:schemeClr val="dk1"/>
+                </a:solidFill>
+                <a:latin typeface="Arial"/>
+                <a:ea typeface="Arial"/>
+                <a:cs typeface="Arial"/>
+                <a:sym typeface="Arial"/>
+              </a:rPr>
+              <a:t>tutorial.sat_scores</a:t>
+            </a:r>
+            <a:endParaRPr sz="2400" b="0" i="0" u="none" strike="noStrike" cap="none" dirty="0">
               <a:solidFill>
                 <a:schemeClr val="dk1"/>
               </a:solidFill>
@@ -25530,9 +26063,9 @@
               <a:buNone/>
             </a:pPr>
             <a:r>
-              <a:rPr lang="en-US" sz="2400" b="1" i="0" u="none" strike="noStrike" cap="none">
-                <a:solidFill>
-                  <a:srgbClr val="0070C0"/>
+              <a:rPr lang="en-US" sz="2400" b="1" i="0" u="none" strike="noStrike" cap="none" dirty="0">
+                <a:solidFill>
+                  <a:srgbClr val="7030A0"/>
                 </a:solidFill>
                 <a:latin typeface="Arial"/>
                 <a:ea typeface="Arial"/>
@@ -25542,18 +26075,30 @@
               <a:t>GROUP BY</a:t>
             </a:r>
             <a:r>
-              <a:rPr lang="en-US" sz="2400" b="0" i="0" u="none" strike="noStrike" cap="none">
-                <a:solidFill>
-                  <a:schemeClr val="dk1"/>
-                </a:solidFill>
-                <a:latin typeface="Arial"/>
-                <a:ea typeface="Arial"/>
-                <a:cs typeface="Arial"/>
-                <a:sym typeface="Arial"/>
-              </a:rPr>
-              <a:t> teacher</a:t>
-            </a:r>
-            <a:endParaRPr/>
+              <a:rPr lang="en-US" sz="2400" b="0" i="0" u="none" strike="noStrike" cap="none" dirty="0">
+                <a:solidFill>
+                  <a:srgbClr val="7030A0"/>
+                </a:solidFill>
+                <a:latin typeface="Arial"/>
+                <a:ea typeface="Arial"/>
+                <a:cs typeface="Arial"/>
+                <a:sym typeface="Arial"/>
+              </a:rPr>
+              <a:t> </a:t>
+            </a:r>
+            <a:r>
+              <a:rPr lang="en-US" sz="2400" b="0" i="0" u="none" strike="noStrike" cap="none" dirty="0">
+                <a:solidFill>
+                  <a:schemeClr val="dk1"/>
+                </a:solidFill>
+                <a:latin typeface="Arial"/>
+                <a:ea typeface="Arial"/>
+                <a:cs typeface="Arial"/>
+                <a:sym typeface="Arial"/>
+              </a:rPr>
+              <a:t>teacher</a:t>
+            </a:r>
+            <a:endParaRPr dirty="0"/>
           </a:p>
           <a:p>
             <a:pPr marL="0" marR="0" lvl="0" indent="0" algn="l" rtl="0">
@@ -25570,9 +26115,9 @@
               <a:buNone/>
             </a:pPr>
             <a:r>
-              <a:rPr lang="en-US" sz="2400" b="1" i="0" u="none" strike="noStrike" cap="none">
-                <a:solidFill>
-                  <a:srgbClr val="0070C0"/>
+              <a:rPr lang="en-US" sz="2400" b="1" i="0" u="none" strike="noStrike" cap="none" dirty="0">
+                <a:solidFill>
+                  <a:srgbClr val="7030A0"/>
                 </a:solidFill>
                 <a:latin typeface="Arial"/>
                 <a:ea typeface="Arial"/>
@@ -25582,18 +26127,90 @@
               <a:t>ORDER BY</a:t>
             </a:r>
             <a:r>
-              <a:rPr lang="en-US" sz="2400" b="0" i="0" u="none" strike="noStrike" cap="none">
-                <a:solidFill>
-                  <a:schemeClr val="dk1"/>
-                </a:solidFill>
-                <a:latin typeface="Arial"/>
-                <a:ea typeface="Arial"/>
-                <a:cs typeface="Arial"/>
-                <a:sym typeface="Arial"/>
-              </a:rPr>
-              <a:t> AVG (sat_writing) DESC;</a:t>
-            </a:r>
-            <a:endParaRPr/>
+              <a:rPr lang="en-US" sz="2400" b="0" i="0" u="none" strike="noStrike" cap="none" dirty="0">
+                <a:solidFill>
+                  <a:srgbClr val="7030A0"/>
+                </a:solidFill>
+                <a:latin typeface="Arial"/>
+                <a:ea typeface="Arial"/>
+                <a:cs typeface="Arial"/>
+                <a:sym typeface="Arial"/>
+              </a:rPr>
+              <a:t> </a:t>
+            </a:r>
+            <a:r>
+              <a:rPr lang="en-US" sz="2400" b="1" i="0" u="none" strike="noStrike" cap="none" dirty="0">
+                <a:solidFill>
+                  <a:schemeClr val="dk1"/>
+                </a:solidFill>
+                <a:latin typeface="Arial"/>
+                <a:ea typeface="Arial"/>
+                <a:cs typeface="Arial"/>
+                <a:sym typeface="Arial"/>
+              </a:rPr>
+              <a:t>AVG</a:t>
+            </a:r>
+            <a:r>
+              <a:rPr lang="en-US" sz="2400" b="0" i="0" u="none" strike="noStrike" cap="none" dirty="0">
+                <a:solidFill>
+                  <a:schemeClr val="dk1"/>
+                </a:solidFill>
+                <a:latin typeface="Arial"/>
+                <a:ea typeface="Arial"/>
+                <a:cs typeface="Arial"/>
+                <a:sym typeface="Arial"/>
+              </a:rPr>
+              <a:t>(</a:t>
+            </a:r>
+            <a:r>
+              <a:rPr lang="en-US" sz="2400" b="0" i="0" u="none" strike="noStrike" cap="none" dirty="0" err="1">
+                <a:solidFill>
+                  <a:schemeClr val="dk1"/>
+                </a:solidFill>
+                <a:latin typeface="Arial"/>
+                <a:ea typeface="Arial"/>
+                <a:cs typeface="Arial"/>
+                <a:sym typeface="Arial"/>
+              </a:rPr>
+              <a:t>sat_writing</a:t>
+            </a:r>
+            <a:r>
+              <a:rPr lang="en-US" sz="2400" b="0" i="0" u="none" strike="noStrike" cap="none" dirty="0">
+                <a:solidFill>
+                  <a:schemeClr val="dk1"/>
+                </a:solidFill>
+                <a:latin typeface="Arial"/>
+                <a:ea typeface="Arial"/>
+                <a:cs typeface="Arial"/>
+                <a:sym typeface="Arial"/>
+              </a:rPr>
+              <a:t>) </a:t>
+            </a:r>
+            <a:r>
+              <a:rPr lang="en-US" sz="2400" b="1" i="0" u="none" strike="noStrike" cap="none" dirty="0">
+                <a:solidFill>
+                  <a:schemeClr val="dk1"/>
+                </a:solidFill>
+                <a:latin typeface="Arial"/>
+                <a:ea typeface="Arial"/>
+                <a:cs typeface="Arial"/>
+                <a:sym typeface="Arial"/>
+              </a:rPr>
+              <a:t>DESC</a:t>
+            </a:r>
+            <a:r>
+              <a:rPr lang="en-US" sz="2400" b="0" i="0" u="none" strike="noStrike" cap="none" dirty="0">
+                <a:solidFill>
+                  <a:schemeClr val="dk1"/>
+                </a:solidFill>
+                <a:latin typeface="Arial"/>
+                <a:ea typeface="Arial"/>
+                <a:cs typeface="Arial"/>
+                <a:sym typeface="Arial"/>
+              </a:rPr>
+              <a:t>;</a:t>
+            </a:r>
+            <a:endParaRPr dirty="0"/>
           </a:p>
           <a:p>
             <a:pPr marL="0" marR="0" lvl="0" indent="0" algn="l" rtl="0">
@@ -25609,7 +26226,7 @@
               <a:buFont typeface="Arial"/>
               <a:buNone/>
             </a:pPr>
-            <a:endParaRPr sz="2400" b="0" i="0" u="none" strike="noStrike" cap="none">
+            <a:endParaRPr sz="2400" b="0" i="0" u="none" strike="noStrike" cap="none" dirty="0">
               <a:solidFill>
                 <a:schemeClr val="dk1"/>
               </a:solidFill>
@@ -25634,18 +26251,42 @@
               <a:buNone/>
             </a:pPr>
             <a:r>
-              <a:rPr lang="en-US" sz="2400" b="1" i="0" u="none" strike="noStrike" cap="none">
-                <a:solidFill>
-                  <a:schemeClr val="dk1"/>
-                </a:solidFill>
-                <a:latin typeface="Arial"/>
-                <a:ea typeface="Arial"/>
-                <a:cs typeface="Arial"/>
-                <a:sym typeface="Arial"/>
-              </a:rPr>
-              <a:t>Which school has the highest sat_math scores?</a:t>
-            </a:r>
-            <a:endParaRPr/>
+              <a:rPr lang="en-US" sz="2400" b="1" i="0" u="none" strike="noStrike" cap="none" dirty="0">
+                <a:solidFill>
+                  <a:schemeClr val="dk1"/>
+                </a:solidFill>
+                <a:latin typeface="Arial"/>
+                <a:ea typeface="Arial"/>
+                <a:cs typeface="Arial"/>
+                <a:sym typeface="Arial"/>
+              </a:rPr>
+              <a:t>Which school has the highest </a:t>
+            </a:r>
+            <a:r>
+              <a:rPr lang="en-US" sz="2400" b="1" i="0" u="none" strike="noStrike" cap="none" dirty="0" err="1">
+                <a:solidFill>
+                  <a:schemeClr val="dk1"/>
+                </a:solidFill>
+                <a:latin typeface="Arial"/>
+                <a:ea typeface="Arial"/>
+                <a:cs typeface="Arial"/>
+                <a:sym typeface="Arial"/>
+              </a:rPr>
+              <a:t>sat_math</a:t>
+            </a:r>
+            <a:r>
+              <a:rPr lang="en-US" sz="2400" b="1" i="0" u="none" strike="noStrike" cap="none" dirty="0">
+                <a:solidFill>
+                  <a:schemeClr val="dk1"/>
+                </a:solidFill>
+                <a:latin typeface="Arial"/>
+                <a:ea typeface="Arial"/>
+                <a:cs typeface="Arial"/>
+                <a:sym typeface="Arial"/>
+              </a:rPr>
+              <a:t> scores?</a:t>
+            </a:r>
+            <a:endParaRPr dirty="0"/>
           </a:p>
           <a:p>
             <a:pPr marL="0" marR="0" lvl="0" indent="0" algn="l" rtl="0">
@@ -25661,7 +26302,7 @@
               <a:buFont typeface="Arial"/>
               <a:buNone/>
             </a:pPr>
-            <a:endParaRPr sz="2400" b="1" i="0" u="none" strike="noStrike" cap="none">
+            <a:endParaRPr sz="2400" b="1" i="0" u="none" strike="noStrike" cap="none" dirty="0">
               <a:solidFill>
                 <a:schemeClr val="dk1"/>
               </a:solidFill>
@@ -25686,18 +26327,42 @@
               <a:buNone/>
             </a:pPr>
             <a:r>
-              <a:rPr lang="en-US" sz="2400" b="1" i="0" u="none" strike="noStrike" cap="none">
-                <a:solidFill>
-                  <a:schemeClr val="dk1"/>
-                </a:solidFill>
-                <a:latin typeface="Arial"/>
-                <a:ea typeface="Arial"/>
-                <a:cs typeface="Arial"/>
-                <a:sym typeface="Arial"/>
-              </a:rPr>
-              <a:t>(Bonus) Which school has the highest total sat_scores? </a:t>
-            </a:r>
-            <a:endParaRPr/>
+              <a:rPr lang="en-US" sz="2400" b="1" i="0" u="none" strike="noStrike" cap="none" dirty="0">
+                <a:solidFill>
+                  <a:schemeClr val="dk1"/>
+                </a:solidFill>
+                <a:latin typeface="Arial"/>
+                <a:ea typeface="Arial"/>
+                <a:cs typeface="Arial"/>
+                <a:sym typeface="Arial"/>
+              </a:rPr>
+              <a:t>(Bonus) Which school has the highest total </a:t>
+            </a:r>
+            <a:r>
+              <a:rPr lang="en-US" sz="2400" b="1" i="0" u="none" strike="noStrike" cap="none" dirty="0" err="1">
+                <a:solidFill>
+                  <a:schemeClr val="dk1"/>
+                </a:solidFill>
+                <a:latin typeface="Arial"/>
+                <a:ea typeface="Arial"/>
+                <a:cs typeface="Arial"/>
+                <a:sym typeface="Arial"/>
+              </a:rPr>
+              <a:t>sat_scores</a:t>
+            </a:r>
+            <a:r>
+              <a:rPr lang="en-US" sz="2400" b="1" i="0" u="none" strike="noStrike" cap="none" dirty="0">
+                <a:solidFill>
+                  <a:schemeClr val="dk1"/>
+                </a:solidFill>
+                <a:latin typeface="Arial"/>
+                <a:ea typeface="Arial"/>
+                <a:cs typeface="Arial"/>
+                <a:sym typeface="Arial"/>
+              </a:rPr>
+              <a:t>? </a:t>
+            </a:r>
+            <a:endParaRPr dirty="0"/>
           </a:p>
         </p:txBody>
       </p:sp>
@@ -25910,7 +26575,7 @@
               <a:buNone/>
             </a:pPr>
             <a:r>
-              <a:rPr lang="en-US" sz="3600" b="1" i="0" u="none" strike="noStrike" cap="none">
+              <a:rPr lang="en-US" sz="3600" b="1" i="0" u="none" strike="noStrike" cap="none" dirty="0">
                 <a:solidFill>
                   <a:srgbClr val="820000"/>
                 </a:solidFill>
@@ -25921,7 +26586,7 @@
               </a:rPr>
               <a:t>Aliasing</a:t>
             </a:r>
-            <a:endParaRPr sz="3600" b="1" i="0" u="none" strike="noStrike" cap="none">
+            <a:endParaRPr sz="3600" b="1" i="0" u="none" strike="noStrike" cap="none" dirty="0">
               <a:solidFill>
                 <a:srgbClr val="820000"/>
               </a:solidFill>
@@ -25976,7 +26641,7 @@
               <a:buNone/>
             </a:pPr>
             <a:r>
-              <a:rPr lang="en-US" sz="2800" b="0" i="0" u="none" strike="noStrike" cap="none">
+              <a:rPr lang="en-US" sz="2800" b="0" i="0" u="none" strike="noStrike" cap="none" dirty="0">
                 <a:solidFill>
                   <a:schemeClr val="dk1"/>
                 </a:solidFill>
@@ -25987,7 +26652,7 @@
               </a:rPr>
               <a:t>Using the AS command, you can alias any column as any other name</a:t>
             </a:r>
-            <a:endParaRPr/>
+            <a:endParaRPr dirty="0"/>
           </a:p>
           <a:p>
             <a:pPr marL="0" marR="0" lvl="0" indent="0" algn="l" rtl="0">
@@ -26003,7 +26668,7 @@
               <a:buFont typeface="Arial"/>
               <a:buNone/>
             </a:pPr>
-            <a:endParaRPr sz="2800" b="0" i="0" u="none" strike="noStrike" cap="none">
+            <a:endParaRPr sz="2800" b="0" i="0" u="none" strike="noStrike" cap="none" dirty="0">
               <a:solidFill>
                 <a:schemeClr val="dk1"/>
               </a:solidFill>
@@ -26028,7 +26693,7 @@
               <a:buNone/>
             </a:pPr>
             <a:r>
-              <a:rPr lang="en-US" sz="2800" b="1" i="0" u="none" strike="noStrike" cap="none">
+              <a:rPr lang="en-US" sz="2800" b="1" i="0" u="none" strike="noStrike" cap="none" dirty="0">
                 <a:solidFill>
                   <a:srgbClr val="FF9F49"/>
                 </a:solidFill>
@@ -26040,7 +26705,7 @@
               <a:t>SELECT</a:t>
             </a:r>
             <a:r>
-              <a:rPr lang="en-US" sz="2800" b="0" i="0" u="none" strike="noStrike" cap="none">
+              <a:rPr lang="en-US" sz="2800" b="0" i="0" u="none" strike="noStrike" cap="none" dirty="0">
                 <a:solidFill>
                   <a:srgbClr val="FF9F49"/>
                 </a:solidFill>
@@ -26052,19 +26717,55 @@
               <a:t> </a:t>
             </a:r>
             <a:r>
-              <a:rPr lang="en-US" sz="2800" b="0" i="0" u="none" strike="noStrike" cap="none">
-                <a:solidFill>
-                  <a:schemeClr val="dk1"/>
-                </a:solidFill>
-                <a:latin typeface="Arial"/>
-                <a:ea typeface="Arial"/>
-                <a:cs typeface="Arial"/>
-                <a:sym typeface="Arial"/>
-              </a:rPr>
-              <a:t>school, COUNT(*) </a:t>
-            </a:r>
-            <a:r>
-              <a:rPr lang="en-US" sz="2800" b="1" i="0" u="none" strike="noStrike" cap="none">
+              <a:rPr lang="en-US" sz="2800" b="0" i="0" u="none" strike="noStrike" cap="none" dirty="0">
+                <a:solidFill>
+                  <a:schemeClr val="dk1"/>
+                </a:solidFill>
+                <a:latin typeface="Arial"/>
+                <a:ea typeface="Arial"/>
+                <a:cs typeface="Arial"/>
+                <a:sym typeface="Arial"/>
+              </a:rPr>
+              <a:t>school, </a:t>
+            </a:r>
+            <a:r>
+              <a:rPr lang="en-US" sz="2800" b="1" i="0" u="none" strike="noStrike" cap="none" dirty="0">
+                <a:solidFill>
+                  <a:schemeClr val="dk1"/>
+                </a:solidFill>
+                <a:latin typeface="Arial"/>
+                <a:ea typeface="Arial"/>
+                <a:cs typeface="Arial"/>
+                <a:sym typeface="Arial"/>
+              </a:rPr>
+              <a:t>COUNT</a:t>
+            </a:r>
+            <a:r>
+              <a:rPr lang="en-US" sz="2800" b="0" i="0" u="none" strike="noStrike" cap="none" dirty="0">
+                <a:solidFill>
+                  <a:schemeClr val="dk1"/>
+                </a:solidFill>
+                <a:latin typeface="Arial"/>
+                <a:ea typeface="Arial"/>
+                <a:cs typeface="Arial"/>
+                <a:sym typeface="Arial"/>
+              </a:rPr>
+              <a:t>(*) </a:t>
+            </a:r>
+            <a:r>
+              <a:rPr lang="en-US" sz="2800" b="1" i="0" u="none" strike="noStrike" cap="none" dirty="0">
+                <a:solidFill>
+                  <a:schemeClr val="tx1"/>
+                </a:solidFill>
+                <a:latin typeface="Arial"/>
+                <a:ea typeface="Arial"/>
+                <a:cs typeface="Arial"/>
+                <a:sym typeface="Arial"/>
+              </a:rPr>
+              <a:t>AS</a:t>
+            </a:r>
+            <a:r>
+              <a:rPr lang="en-US" sz="2800" b="0" i="0" u="none" strike="noStrike" cap="none" dirty="0">
                 <a:solidFill>
                   <a:srgbClr val="0070C0"/>
                 </a:solidFill>
@@ -26073,10 +26774,37 @@
                 <a:cs typeface="Arial"/>
                 <a:sym typeface="Arial"/>
               </a:rPr>
-              <a:t>AS</a:t>
-            </a:r>
-            <a:r>
-              <a:rPr lang="en-US" sz="2800" b="0" i="0" u="none" strike="noStrike" cap="none">
+              <a:t> </a:t>
+            </a:r>
+            <a:r>
+              <a:rPr lang="en-US" sz="2800" b="0" i="0" u="none" strike="noStrike" cap="none" dirty="0">
+                <a:solidFill>
+                  <a:schemeClr val="dk1"/>
+                </a:solidFill>
+                <a:latin typeface="Arial"/>
+                <a:ea typeface="Arial"/>
+                <a:cs typeface="Arial"/>
+                <a:sym typeface="Arial"/>
+              </a:rPr>
+              <a:t>students</a:t>
+            </a:r>
+          </a:p>
+          <a:p>
+            <a:pPr marL="0" marR="0" lvl="0" indent="0" algn="l" rtl="0">
+              <a:spcBef>
+                <a:spcPts val="560"/>
+              </a:spcBef>
+              <a:spcAft>
+                <a:spcPts val="0"/>
+              </a:spcAft>
+              <a:buClr>
+                <a:srgbClr val="FF9F49"/>
+              </a:buClr>
+              <a:buFont typeface="Arial"/>
+              <a:buNone/>
+            </a:pPr>
+            <a:r>
+              <a:rPr lang="en-US" sz="2800" b="1" i="0" u="none" strike="noStrike" cap="none" dirty="0">
                 <a:solidFill>
                   <a:srgbClr val="0070C0"/>
                 </a:solidFill>
@@ -26085,57 +26813,45 @@
                 <a:cs typeface="Arial"/>
                 <a:sym typeface="Arial"/>
               </a:rPr>
+              <a:t>FROM</a:t>
+            </a:r>
+            <a:r>
+              <a:rPr lang="en-US" sz="2800" b="0" i="0" u="none" strike="noStrike" cap="none" dirty="0">
+                <a:solidFill>
+                  <a:srgbClr val="0070C0"/>
+                </a:solidFill>
+                <a:latin typeface="Arial"/>
+                <a:ea typeface="Arial"/>
+                <a:cs typeface="Arial"/>
+                <a:sym typeface="Arial"/>
+              </a:rPr>
               <a:t> </a:t>
             </a:r>
             <a:r>
-              <a:rPr lang="en-US" sz="2800" b="0" i="0" u="none" strike="noStrike" cap="none">
-                <a:solidFill>
-                  <a:schemeClr val="dk1"/>
-                </a:solidFill>
-                <a:latin typeface="Arial"/>
-                <a:ea typeface="Arial"/>
-                <a:cs typeface="Arial"/>
-                <a:sym typeface="Arial"/>
-              </a:rPr>
-              <a:t>students         </a:t>
-            </a:r>
-            <a:r>
-              <a:rPr lang="en-US" sz="2800" b="1" i="0" u="none" strike="noStrike" cap="none">
-                <a:solidFill>
-                  <a:srgbClr val="0070C0"/>
-                </a:solidFill>
-                <a:latin typeface="Arial"/>
-                <a:ea typeface="Arial"/>
-                <a:cs typeface="Arial"/>
-                <a:sym typeface="Arial"/>
-              </a:rPr>
-              <a:t>FROM</a:t>
-            </a:r>
-            <a:r>
-              <a:rPr lang="en-US" sz="2800" b="0" i="0" u="none" strike="noStrike" cap="none">
-                <a:solidFill>
-                  <a:srgbClr val="0070C0"/>
-                </a:solidFill>
-                <a:latin typeface="Arial"/>
-                <a:ea typeface="Arial"/>
-                <a:cs typeface="Arial"/>
-                <a:sym typeface="Arial"/>
-              </a:rPr>
-              <a:t> </a:t>
-            </a:r>
-            <a:r>
-              <a:rPr lang="en-US" sz="2800" b="0" i="0" u="none" strike="noStrike" cap="none">
-                <a:solidFill>
-                  <a:schemeClr val="dk1"/>
-                </a:solidFill>
-                <a:latin typeface="Arial"/>
-                <a:ea typeface="Arial"/>
-                <a:cs typeface="Arial"/>
-                <a:sym typeface="Arial"/>
-              </a:rPr>
-              <a:t>tutorial.sat_scores			                </a:t>
-            </a:r>
-            <a:endParaRPr sz="2800" b="0" i="0" u="none" strike="noStrike" cap="none">
+              <a:rPr lang="en-US" sz="2800" b="0" i="0" u="none" strike="noStrike" cap="none" dirty="0" err="1">
+                <a:solidFill>
+                  <a:schemeClr val="dk1"/>
+                </a:solidFill>
+                <a:latin typeface="Arial"/>
+                <a:ea typeface="Arial"/>
+                <a:cs typeface="Arial"/>
+                <a:sym typeface="Arial"/>
+              </a:rPr>
+              <a:t>tutorial.sat_scores</a:t>
+            </a:r>
+            <a:r>
+              <a:rPr lang="en-US" sz="2800" b="0" i="0" u="none" strike="noStrike" cap="none" dirty="0">
+                <a:solidFill>
+                  <a:schemeClr val="dk1"/>
+                </a:solidFill>
+                <a:latin typeface="Arial"/>
+                <a:ea typeface="Arial"/>
+                <a:cs typeface="Arial"/>
+                <a:sym typeface="Arial"/>
+              </a:rPr>
+              <a:t>			                </a:t>
+            </a:r>
+            <a:endParaRPr sz="2800" b="0" i="0" u="none" strike="noStrike" cap="none" dirty="0">
               <a:solidFill>
                 <a:schemeClr val="dk1"/>
               </a:solidFill>
@@ -26160,7 +26876,19 @@
               <a:buNone/>
             </a:pPr>
             <a:r>
-              <a:rPr lang="en-US" sz="2800" b="1" i="0" u="none" strike="noStrike" cap="none">
+              <a:rPr lang="en-US" sz="2800" b="1" i="0" u="none" strike="noStrike" cap="none" dirty="0">
+                <a:solidFill>
+                  <a:srgbClr val="7030A0"/>
+                </a:solidFill>
+                <a:latin typeface="Arial"/>
+                <a:ea typeface="Arial"/>
+                <a:cs typeface="Arial"/>
+                <a:sym typeface="Arial"/>
+              </a:rPr>
+              <a:t>GROUP BY</a:t>
+            </a:r>
+            <a:r>
+              <a:rPr lang="en-US" sz="2800" b="1" i="0" u="none" strike="noStrike" cap="none" dirty="0">
                 <a:solidFill>
                   <a:srgbClr val="0070C0"/>
                 </a:solidFill>
@@ -26169,10 +26897,10 @@
                 <a:cs typeface="Arial"/>
                 <a:sym typeface="Arial"/>
               </a:rPr>
-              <a:t>GROUP BY </a:t>
-            </a:r>
-            <a:r>
-              <a:rPr lang="en-US" sz="2800" b="0" i="0" u="none" strike="noStrike" cap="none">
+              <a:t> </a:t>
+            </a:r>
+            <a:r>
+              <a:rPr lang="en-US" sz="2800" b="0" i="0" u="none" strike="noStrike" cap="none" dirty="0">
                 <a:solidFill>
                   <a:schemeClr val="dk1"/>
                 </a:solidFill>
@@ -26183,7 +26911,7 @@
               </a:rPr>
               <a:t>school;</a:t>
             </a:r>
-            <a:endParaRPr/>
+            <a:endParaRPr dirty="0"/>
           </a:p>
           <a:p>
             <a:pPr marL="0" marR="0" lvl="0" indent="0" algn="l" rtl="0">
@@ -26199,7 +26927,7 @@
               <a:buFont typeface="Arial"/>
               <a:buNone/>
             </a:pPr>
-            <a:endParaRPr sz="2800" b="0" i="0" u="none" strike="noStrike" cap="none">
+            <a:endParaRPr sz="2800" b="0" i="0" u="none" strike="noStrike" cap="none" dirty="0">
               <a:solidFill>
                 <a:schemeClr val="dk1"/>
               </a:solidFill>
@@ -26224,7 +26952,7 @@
               <a:buNone/>
             </a:pPr>
             <a:r>
-              <a:rPr lang="en-US" sz="2800" b="0" i="0" u="none" strike="noStrike" cap="none">
+              <a:rPr lang="en-US" sz="2800" b="0" i="0" u="none" strike="noStrike" cap="none" dirty="0">
                 <a:solidFill>
                   <a:schemeClr val="dk1"/>
                 </a:solidFill>
@@ -26235,7 +26963,7 @@
               </a:rPr>
               <a:t>You can use this alias in your ORDER BY statement</a:t>
             </a:r>
-            <a:endParaRPr/>
+            <a:endParaRPr dirty="0"/>
           </a:p>
           <a:p>
             <a:pPr marL="0" marR="0" lvl="0" indent="0" algn="l" rtl="0">
@@ -26251,7 +26979,7 @@
               <a:buFont typeface="Arial"/>
               <a:buNone/>
             </a:pPr>
-            <a:endParaRPr sz="2800" b="0" i="0" u="none" strike="noStrike" cap="none">
+            <a:endParaRPr sz="2800" b="0" i="0" u="none" strike="noStrike" cap="none" dirty="0">
               <a:solidFill>
                 <a:schemeClr val="dk1"/>
               </a:solidFill>
@@ -26275,7 +27003,7 @@
               <a:buFont typeface="Arial"/>
               <a:buNone/>
             </a:pPr>
-            <a:endParaRPr sz="2800" b="0" i="0" u="none" strike="noStrike" cap="none">
+            <a:endParaRPr sz="2800" b="0" i="0" u="none" strike="noStrike" cap="none" dirty="0">
               <a:solidFill>
                 <a:schemeClr val="dk1"/>
               </a:solidFill>
@@ -26377,7 +27105,7 @@
                                         <p:tgtEl>
                                           <p:spTgt spid="198">
                                             <p:txEl>
-                                              <p:pRg st="1" end="1"/>
+                                              <p:pRg st="2" end="2"/>
                                             </p:txEl>
                                           </p:spTgt>
                                         </p:tgtEl>
@@ -26426,7 +27154,7 @@
                                         <p:tgtEl>
                                           <p:spTgt spid="198">
                                             <p:txEl>
-                                              <p:pRg st="2" end="2"/>
+                                              <p:pRg st="3" end="3"/>
                                             </p:txEl>
                                           </p:spTgt>
                                         </p:tgtEl>
@@ -26475,7 +27203,7 @@
                                         <p:tgtEl>
                                           <p:spTgt spid="198">
                                             <p:txEl>
-                                              <p:pRg st="3" end="3"/>
+                                              <p:pRg st="4" end="4"/>
                                             </p:txEl>
                                           </p:spTgt>
                                         </p:tgtEl>
@@ -26524,154 +27252,7 @@
                                         <p:tgtEl>
                                           <p:spTgt spid="198">
                                             <p:txEl>
-                                              <p:pRg st="4" end="4"/>
-                                            </p:txEl>
-                                          </p:spTgt>
-                                        </p:tgtEl>
-                                        <p:attrNameLst>
-                                          <p:attrName>style.visibility</p:attrName>
-                                        </p:attrNameLst>
-                                      </p:cBhvr>
-                                      <p:to>
-                                        <p:strVal val="visible"/>
-                                      </p:to>
-                                    </p:set>
-                                  </p:childTnLst>
-                                </p:cTn>
-                              </p:par>
-                            </p:childTnLst>
-                          </p:cTn>
-                        </p:par>
-                      </p:childTnLst>
-                    </p:cTn>
-                  </p:par>
-                  <p:par>
-                    <p:cTn id="23" fill="hold">
-                      <p:stCondLst>
-                        <p:cond delay="indefinite"/>
-                      </p:stCondLst>
-                      <p:childTnLst>
-                        <p:par>
-                          <p:cTn id="24" fill="hold">
-                            <p:stCondLst>
-                              <p:cond delay="0"/>
-                            </p:stCondLst>
-                            <p:childTnLst>
-                              <p:par>
-                                <p:cTn id="25" presetID="1" presetClass="entr" presetSubtype="0" fill="hold" nodeType="clickEffect">
-                                  <p:stCondLst>
-                                    <p:cond delay="0"/>
-                                  </p:stCondLst>
-                                  <p:childTnLst>
-                                    <p:set>
-                                      <p:cBhvr>
-                                        <p:cTn id="26" dur="1" fill="hold">
-                                          <p:stCondLst>
-                                            <p:cond delay="0"/>
-                                          </p:stCondLst>
-                                        </p:cTn>
-                                        <p:tgtEl>
-                                          <p:spTgt spid="198">
-                                            <p:txEl>
-                                              <p:pRg st="5" end="5"/>
-                                            </p:txEl>
-                                          </p:spTgt>
-                                        </p:tgtEl>
-                                        <p:attrNameLst>
-                                          <p:attrName>style.visibility</p:attrName>
-                                        </p:attrNameLst>
-                                      </p:cBhvr>
-                                      <p:to>
-                                        <p:strVal val="visible"/>
-                                      </p:to>
-                                    </p:set>
-                                  </p:childTnLst>
-                                </p:cTn>
-                              </p:par>
-                            </p:childTnLst>
-                          </p:cTn>
-                        </p:par>
-                      </p:childTnLst>
-                    </p:cTn>
-                  </p:par>
-                  <p:par>
-                    <p:cTn id="27" fill="hold">
-                      <p:stCondLst>
-                        <p:cond delay="indefinite"/>
-                      </p:stCondLst>
-                      <p:childTnLst>
-                        <p:par>
-                          <p:cTn id="28" fill="hold">
-                            <p:stCondLst>
-                              <p:cond delay="0"/>
-                            </p:stCondLst>
-                            <p:childTnLst>
-                              <p:par>
-                                <p:cTn id="29" presetID="1" presetClass="entr" presetSubtype="0" fill="hold" nodeType="clickEffect">
-                                  <p:stCondLst>
-                                    <p:cond delay="0"/>
-                                  </p:stCondLst>
-                                  <p:childTnLst>
-                                    <p:set>
-                                      <p:cBhvr>
-                                        <p:cTn id="30" dur="1" fill="hold">
-                                          <p:stCondLst>
-                                            <p:cond delay="0"/>
-                                          </p:stCondLst>
-                                        </p:cTn>
-                                        <p:tgtEl>
-                                          <p:spTgt spid="198">
-                                            <p:txEl>
                                               <p:pRg st="6" end="6"/>
-                                            </p:txEl>
-                                          </p:spTgt>
-                                        </p:tgtEl>
-                                        <p:attrNameLst>
-                                          <p:attrName>style.visibility</p:attrName>
-                                        </p:attrNameLst>
-                                      </p:cBhvr>
-                                      <p:to>
-                                        <p:strVal val="visible"/>
-                                      </p:to>
-                                    </p:set>
-                                  </p:childTnLst>
-                                </p:cTn>
-                              </p:par>
-                            </p:childTnLst>
-                          </p:cTn>
-                        </p:par>
-                      </p:childTnLst>
-                    </p:cTn>
-                  </p:par>
-                  <p:par>
-                    <p:cTn id="31" fill="hold">
-                      <p:stCondLst>
-                        <p:cond delay="indefinite"/>
-                      </p:stCondLst>
-                      <p:childTnLst>
-                        <p:par>
-                          <p:cTn id="32" fill="hold">
-                            <p:stCondLst>
-                              <p:cond delay="0"/>
-                            </p:stCondLst>
-                            <p:childTnLst>
-                              <p:par>
-                                <p:cTn id="33" presetID="1" presetClass="entr" presetSubtype="0" fill="hold" nodeType="clickEffect">
-                                  <p:stCondLst>
-                                    <p:cond delay="0"/>
-                                  </p:stCondLst>
-                                  <p:childTnLst>
-                                    <p:set>
-                                      <p:cBhvr>
-                                        <p:cTn id="34" dur="1" fill="hold">
-                                          <p:stCondLst>
-                                            <p:cond delay="0"/>
-                                          </p:stCondLst>
-                                        </p:cTn>
-                                        <p:tgtEl>
-                                          <p:spTgt spid="198">
-                                            <p:txEl>
-                                              <p:pRg st="7" end="7"/>
                                             </p:txEl>
                                           </p:spTgt>
                                         </p:tgtEl>
@@ -26900,7 +27481,15 @@
             </a:r>
             <a:r>
               <a:rPr lang="en-US" dirty="0"/>
-              <a:t> origin, count(*) 			                                           </a:t>
+              <a:t> origin, </a:t>
+            </a:r>
+            <a:r>
+              <a:rPr lang="en-US" b="1" dirty="0"/>
+              <a:t>COUNT</a:t>
+            </a:r>
+            <a:r>
+              <a:rPr lang="en-US" dirty="0"/>
+              <a:t>(*) 			                                           </a:t>
             </a:r>
             <a:endParaRPr dirty="0"/>
           </a:p>
@@ -26963,43 +27552,61 @@
             <a:r>
               <a:rPr lang="en-US" b="1" dirty="0">
                 <a:solidFill>
-                  <a:srgbClr val="0070C0"/>
+                  <a:srgbClr val="7030A0"/>
                 </a:solidFill>
               </a:rPr>
               <a:t>GROUP BY</a:t>
             </a:r>
             <a:r>
+              <a:rPr lang="en-US" dirty="0">
+                <a:solidFill>
+                  <a:srgbClr val="7030A0"/>
+                </a:solidFill>
+              </a:rPr>
+              <a:t> </a:t>
+            </a:r>
+            <a:r>
               <a:rPr lang="en-US" dirty="0"/>
-              <a:t> origin</a:t>
+              <a:t>origin</a:t>
             </a:r>
             <a:endParaRPr dirty="0"/>
           </a:p>
           <a:p>
-            <a:pPr marL="0" marR="0" lvl="0" indent="0" algn="l" rtl="0">
-              <a:spcBef>
-                <a:spcPts val="560"/>
-              </a:spcBef>
-              <a:spcAft>
-                <a:spcPts val="0"/>
-              </a:spcAft>
-              <a:buClr>
-                <a:schemeClr val="dk1"/>
-              </a:buClr>
+            <a:pPr marL="0" lvl="0" indent="0">
               <a:buSzPts val="1100"/>
-              <a:buFont typeface="Arial"/>
               <a:buNone/>
             </a:pPr>
             <a:r>
               <a:rPr lang="en-US" b="1" dirty="0">
                 <a:solidFill>
+                  <a:srgbClr val="7030A0"/>
+                </a:solidFill>
+              </a:rPr>
+              <a:t>HAVING</a:t>
+            </a:r>
+            <a:r>
+              <a:rPr lang="en-US" b="1" dirty="0">
+                <a:solidFill>
                   <a:srgbClr val="0070C0"/>
                 </a:solidFill>
               </a:rPr>
-              <a:t>HAVING </a:t>
+              <a:t> </a:t>
             </a:r>
             <a:r>
               <a:rPr lang="en-US" dirty="0"/>
-              <a:t>origin='ORD' or origin = 'JFK';</a:t>
+              <a:t>origin='ORD' </a:t>
+            </a:r>
+            <a:r>
+              <a:rPr lang="en-US" b="1" dirty="0">
+                <a:solidFill>
+                  <a:srgbClr val="7030A0"/>
+                </a:solidFill>
+              </a:rPr>
+              <a:t>OR</a:t>
+            </a:r>
+            <a:r>
+              <a:rPr lang="en-US" dirty="0"/>
+              <a:t> origin = 'JFK';</a:t>
             </a:r>
             <a:endParaRPr dirty="0"/>
           </a:p>
@@ -27383,154 +27990,7 @@
                                         <p:tgtEl>
                                           <p:spTgt spid="206">
                                             <p:txEl>
-                                              <p:pRg st="5" end="5"/>
-                                            </p:txEl>
-                                          </p:spTgt>
-                                        </p:tgtEl>
-                                        <p:attrNameLst>
-                                          <p:attrName>style.visibility</p:attrName>
-                                        </p:attrNameLst>
-                                      </p:cBhvr>
-                                      <p:to>
-                                        <p:strVal val="visible"/>
-                                      </p:to>
-                                    </p:set>
-                                  </p:childTnLst>
-                                </p:cTn>
-                              </p:par>
-                            </p:childTnLst>
-                          </p:cTn>
-                        </p:par>
-                      </p:childTnLst>
-                    </p:cTn>
-                  </p:par>
-                  <p:par>
-                    <p:cTn id="27" fill="hold">
-                      <p:stCondLst>
-                        <p:cond delay="indefinite"/>
-                      </p:stCondLst>
-                      <p:childTnLst>
-                        <p:par>
-                          <p:cTn id="28" fill="hold">
-                            <p:stCondLst>
-                              <p:cond delay="0"/>
-                            </p:stCondLst>
-                            <p:childTnLst>
-                              <p:par>
-                                <p:cTn id="29" presetID="1" presetClass="entr" presetSubtype="0" fill="hold" nodeType="clickEffect">
-                                  <p:stCondLst>
-                                    <p:cond delay="0"/>
-                                  </p:stCondLst>
-                                  <p:childTnLst>
-                                    <p:set>
-                                      <p:cBhvr>
-                                        <p:cTn id="30" dur="1" fill="hold">
-                                          <p:stCondLst>
-                                            <p:cond delay="0"/>
-                                          </p:stCondLst>
-                                        </p:cTn>
-                                        <p:tgtEl>
-                                          <p:spTgt spid="206">
-                                            <p:txEl>
                                               <p:pRg st="6" end="6"/>
-                                            </p:txEl>
-                                          </p:spTgt>
-                                        </p:tgtEl>
-                                        <p:attrNameLst>
-                                          <p:attrName>style.visibility</p:attrName>
-                                        </p:attrNameLst>
-                                      </p:cBhvr>
-                                      <p:to>
-                                        <p:strVal val="visible"/>
-                                      </p:to>
-                                    </p:set>
-                                  </p:childTnLst>
-                                </p:cTn>
-                              </p:par>
-                            </p:childTnLst>
-                          </p:cTn>
-                        </p:par>
-                      </p:childTnLst>
-                    </p:cTn>
-                  </p:par>
-                  <p:par>
-                    <p:cTn id="31" fill="hold">
-                      <p:stCondLst>
-                        <p:cond delay="indefinite"/>
-                      </p:stCondLst>
-                      <p:childTnLst>
-                        <p:par>
-                          <p:cTn id="32" fill="hold">
-                            <p:stCondLst>
-                              <p:cond delay="0"/>
-                            </p:stCondLst>
-                            <p:childTnLst>
-                              <p:par>
-                                <p:cTn id="33" presetID="1" presetClass="entr" presetSubtype="0" fill="hold" nodeType="clickEffect">
-                                  <p:stCondLst>
-                                    <p:cond delay="0"/>
-                                  </p:stCondLst>
-                                  <p:childTnLst>
-                                    <p:set>
-                                      <p:cBhvr>
-                                        <p:cTn id="34" dur="1" fill="hold">
-                                          <p:stCondLst>
-                                            <p:cond delay="0"/>
-                                          </p:stCondLst>
-                                        </p:cTn>
-                                        <p:tgtEl>
-                                          <p:spTgt spid="206">
-                                            <p:txEl>
-                                              <p:pRg st="7" end="7"/>
-                                            </p:txEl>
-                                          </p:spTgt>
-                                        </p:tgtEl>
-                                        <p:attrNameLst>
-                                          <p:attrName>style.visibility</p:attrName>
-                                        </p:attrNameLst>
-                                      </p:cBhvr>
-                                      <p:to>
-                                        <p:strVal val="visible"/>
-                                      </p:to>
-                                    </p:set>
-                                  </p:childTnLst>
-                                </p:cTn>
-                              </p:par>
-                            </p:childTnLst>
-                          </p:cTn>
-                        </p:par>
-                      </p:childTnLst>
-                    </p:cTn>
-                  </p:par>
-                  <p:par>
-                    <p:cTn id="35" fill="hold">
-                      <p:stCondLst>
-                        <p:cond delay="indefinite"/>
-                      </p:stCondLst>
-                      <p:childTnLst>
-                        <p:par>
-                          <p:cTn id="36" fill="hold">
-                            <p:stCondLst>
-                              <p:cond delay="0"/>
-                            </p:stCondLst>
-                            <p:childTnLst>
-                              <p:par>
-                                <p:cTn id="37" presetID="1" presetClass="entr" presetSubtype="0" fill="hold" nodeType="clickEffect">
-                                  <p:stCondLst>
-                                    <p:cond delay="0"/>
-                                  </p:stCondLst>
-                                  <p:childTnLst>
-                                    <p:set>
-                                      <p:cBhvr>
-                                        <p:cTn id="38" dur="1" fill="hold">
-                                          <p:stCondLst>
-                                            <p:cond delay="0"/>
-                                          </p:stCondLst>
-                                        </p:cTn>
-                                        <p:tgtEl>
-                                          <p:spTgt spid="206">
-                                            <p:txEl>
-                                              <p:pRg st="8" end="8"/>
                                             </p:txEl>
                                           </p:spTgt>
                                         </p:tgtEl>
@@ -27795,7 +28255,31 @@
                 <a:cs typeface="Arial"/>
                 <a:sym typeface="Arial"/>
               </a:rPr>
-              <a:t>, COUNT(*)			 </a:t>
+              <a:t>, </a:t>
+            </a:r>
+            <a:r>
+              <a:rPr lang="en-US" sz="2800" b="1" i="0" u="none" strike="noStrike" cap="none" dirty="0">
+                <a:solidFill>
+                  <a:schemeClr val="dk1"/>
+                </a:solidFill>
+                <a:latin typeface="Arial"/>
+                <a:ea typeface="Arial"/>
+                <a:cs typeface="Arial"/>
+                <a:sym typeface="Arial"/>
+              </a:rPr>
+              <a:t>COUNT</a:t>
+            </a:r>
+            <a:r>
+              <a:rPr lang="en-US" sz="2800" b="0" i="0" u="none" strike="noStrike" cap="none" dirty="0">
+                <a:solidFill>
+                  <a:schemeClr val="dk1"/>
+                </a:solidFill>
+                <a:latin typeface="Arial"/>
+                <a:ea typeface="Arial"/>
+                <a:cs typeface="Arial"/>
+                <a:sym typeface="Arial"/>
+              </a:rPr>
+              <a:t>(*)			 </a:t>
             </a:r>
             <a:endParaRPr sz="2800" b="0" i="0" u="none" strike="noStrike" cap="none" dirty="0">
               <a:solidFill>
@@ -27896,6 +28380,18 @@
             <a:r>
               <a:rPr lang="en-US" sz="2800" b="1" i="0" u="none" strike="noStrike" cap="none" dirty="0">
                 <a:solidFill>
+                  <a:srgbClr val="7030A0"/>
+                </a:solidFill>
+                <a:latin typeface="Arial"/>
+                <a:ea typeface="Arial"/>
+                <a:cs typeface="Arial"/>
+                <a:sym typeface="Arial"/>
+              </a:rPr>
+              <a:t>GROUP BY</a:t>
+            </a:r>
+            <a:r>
+              <a:rPr lang="en-US" sz="2800" b="1" i="0" u="none" strike="noStrike" cap="none" dirty="0">
+                <a:solidFill>
                   <a:srgbClr val="0070C0"/>
                 </a:solidFill>
                 <a:latin typeface="Arial"/>
@@ -27903,7 +28399,7 @@
                 <a:cs typeface="Arial"/>
                 <a:sym typeface="Arial"/>
               </a:rPr>
-              <a:t>GROUP BY </a:t>
+              <a:t> </a:t>
             </a:r>
             <a:r>
               <a:rPr lang="en-US" sz="2800" b="0" i="0" u="none" strike="noStrike" cap="none" dirty="0" err="1">
@@ -27956,7 +28452,7 @@
             <a:r>
               <a:rPr lang="en-US" sz="2800" b="1" i="0" u="none" strike="noStrike" cap="none" dirty="0">
                 <a:solidFill>
-                  <a:srgbClr val="0070C0"/>
+                  <a:srgbClr val="7030A0"/>
                 </a:solidFill>
                 <a:latin typeface="Arial"/>
                 <a:ea typeface="Arial"/>
@@ -27975,7 +28471,31 @@
                 <a:cs typeface="Arial"/>
                 <a:sym typeface="Arial"/>
               </a:rPr>
-              <a:t> COUNT(*)&gt;10000;</a:t>
+              <a:t> </a:t>
+            </a:r>
+            <a:r>
+              <a:rPr lang="en-US" sz="2800" b="1" i="0" u="none" strike="noStrike" cap="none" dirty="0">
+                <a:solidFill>
+                  <a:schemeClr val="dk1"/>
+                </a:solidFill>
+                <a:latin typeface="Arial"/>
+                <a:ea typeface="Arial"/>
+                <a:cs typeface="Arial"/>
+                <a:sym typeface="Arial"/>
+              </a:rPr>
+              <a:t>COUNT</a:t>
+            </a:r>
+            <a:r>
+              <a:rPr lang="en-US" sz="2800" b="0" i="0" u="none" strike="noStrike" cap="none" dirty="0">
+                <a:solidFill>
+                  <a:schemeClr val="dk1"/>
+                </a:solidFill>
+                <a:latin typeface="Arial"/>
+                <a:ea typeface="Arial"/>
+                <a:cs typeface="Arial"/>
+                <a:sym typeface="Arial"/>
+              </a:rPr>
+              <a:t>(*)&gt;10000;</a:t>
             </a:r>
             <a:endParaRPr sz="2800" b="0" i="0" u="none" strike="noStrike" cap="none" dirty="0">
               <a:solidFill>
@@ -28666,7 +29186,7 @@
               <a:buNone/>
             </a:pPr>
             <a:r>
-              <a:rPr lang="en-US" sz="2000" b="1" i="0" u="none" strike="noStrike" cap="none">
+              <a:rPr lang="en-US" sz="2000" b="1" i="0" u="none" strike="noStrike" cap="none" dirty="0">
                 <a:solidFill>
                   <a:srgbClr val="FF9F49"/>
                 </a:solidFill>
@@ -28678,18 +29198,66 @@
               <a:t>SELECT</a:t>
             </a:r>
             <a:r>
-              <a:rPr lang="en-US" sz="2000" b="0" i="0" u="none" strike="noStrike" cap="none">
-                <a:solidFill>
-                  <a:schemeClr val="dk1"/>
-                </a:solidFill>
-                <a:latin typeface="Arial"/>
-                <a:ea typeface="Arial"/>
-                <a:cs typeface="Arial"/>
-                <a:sym typeface="Arial"/>
-              </a:rPr>
-              <a:t> origin, AVG(arr_delay)</a:t>
-            </a:r>
-            <a:endParaRPr sz="2000" b="1" i="0" u="none" strike="noStrike" cap="none">
+              <a:rPr lang="en-US" sz="2000" b="0" i="0" u="none" strike="noStrike" cap="none" dirty="0">
+                <a:solidFill>
+                  <a:schemeClr val="dk1"/>
+                </a:solidFill>
+                <a:latin typeface="Arial"/>
+                <a:ea typeface="Arial"/>
+                <a:cs typeface="Arial"/>
+                <a:sym typeface="Arial"/>
+              </a:rPr>
+              <a:t> origin, </a:t>
+            </a:r>
+            <a:r>
+              <a:rPr lang="en-US" sz="2000" b="1" i="0" u="none" strike="noStrike" cap="none" dirty="0">
+                <a:solidFill>
+                  <a:schemeClr val="dk1"/>
+                </a:solidFill>
+                <a:latin typeface="Arial"/>
+                <a:ea typeface="Arial"/>
+                <a:cs typeface="Arial"/>
+                <a:sym typeface="Arial"/>
+              </a:rPr>
+              <a:t>AVG</a:t>
+            </a:r>
+            <a:r>
+              <a:rPr lang="en-US" sz="2000" b="0" i="0" u="none" strike="noStrike" cap="none" dirty="0">
+                <a:solidFill>
+                  <a:schemeClr val="dk1"/>
+                </a:solidFill>
+                <a:latin typeface="Arial"/>
+                <a:ea typeface="Arial"/>
+                <a:cs typeface="Arial"/>
+                <a:sym typeface="Arial"/>
+              </a:rPr>
+              <a:t>(</a:t>
+            </a:r>
+            <a:r>
+              <a:rPr lang="en-US" sz="2000" b="0" i="0" u="none" strike="noStrike" cap="none" dirty="0" err="1">
+                <a:solidFill>
+                  <a:schemeClr val="dk1"/>
+                </a:solidFill>
+                <a:latin typeface="Arial"/>
+                <a:ea typeface="Arial"/>
+                <a:cs typeface="Arial"/>
+                <a:sym typeface="Arial"/>
+              </a:rPr>
+              <a:t>arr_delay</a:t>
+            </a:r>
+            <a:r>
+              <a:rPr lang="en-US" sz="2000" b="0" i="0" u="none" strike="noStrike" cap="none" dirty="0">
+                <a:solidFill>
+                  <a:schemeClr val="dk1"/>
+                </a:solidFill>
+                <a:latin typeface="Arial"/>
+                <a:ea typeface="Arial"/>
+                <a:cs typeface="Arial"/>
+                <a:sym typeface="Arial"/>
+              </a:rPr>
+              <a:t>)</a:t>
+            </a:r>
+            <a:endParaRPr sz="2000" b="1" i="0" u="none" strike="noStrike" cap="none" dirty="0">
               <a:solidFill>
                 <a:srgbClr val="0070C0"/>
               </a:solidFill>
@@ -28714,7 +29282,7 @@
               <a:buNone/>
             </a:pPr>
             <a:r>
-              <a:rPr lang="en-US" sz="2000" b="1" i="0" u="none" strike="noStrike" cap="none">
+              <a:rPr lang="en-US" sz="2000" b="1" i="0" u="none" strike="noStrike" cap="none" dirty="0">
                 <a:solidFill>
                   <a:srgbClr val="0070C0"/>
                 </a:solidFill>
@@ -28726,18 +29294,30 @@
               <a:t>FROM</a:t>
             </a:r>
             <a:r>
-              <a:rPr lang="en-US" sz="2000" b="0" i="0" u="none" strike="noStrike" cap="none">
-                <a:solidFill>
-                  <a:schemeClr val="dk1"/>
-                </a:solidFill>
-                <a:latin typeface="Arial"/>
-                <a:ea typeface="Arial"/>
-                <a:cs typeface="Arial"/>
-                <a:sym typeface="Arial"/>
-              </a:rPr>
-              <a:t> tutorial.us_flights</a:t>
-            </a:r>
-            <a:endParaRPr sz="2000" b="0" i="0" u="none" strike="noStrike" cap="none">
+              <a:rPr lang="en-US" sz="2000" b="0" i="0" u="none" strike="noStrike" cap="none" dirty="0">
+                <a:solidFill>
+                  <a:schemeClr val="dk1"/>
+                </a:solidFill>
+                <a:latin typeface="Arial"/>
+                <a:ea typeface="Arial"/>
+                <a:cs typeface="Arial"/>
+                <a:sym typeface="Arial"/>
+              </a:rPr>
+              <a:t> </a:t>
+            </a:r>
+            <a:r>
+              <a:rPr lang="en-US" sz="2000" b="0" i="0" u="none" strike="noStrike" cap="none" dirty="0" err="1">
+                <a:solidFill>
+                  <a:schemeClr val="dk1"/>
+                </a:solidFill>
+                <a:latin typeface="Arial"/>
+                <a:ea typeface="Arial"/>
+                <a:cs typeface="Arial"/>
+                <a:sym typeface="Arial"/>
+              </a:rPr>
+              <a:t>tutorial.us_flights</a:t>
+            </a:r>
+            <a:endParaRPr sz="2000" b="0" i="0" u="none" strike="noStrike" cap="none" dirty="0">
               <a:solidFill>
                 <a:schemeClr val="dk1"/>
               </a:solidFill>
@@ -28762,9 +29342,9 @@
               <a:buNone/>
             </a:pPr>
             <a:r>
-              <a:rPr lang="en-US" sz="2000" b="1" i="0" u="none" strike="noStrike" cap="none">
-                <a:solidFill>
-                  <a:srgbClr val="0070C0"/>
+              <a:rPr lang="en-US" sz="2000" b="1" i="0" u="none" strike="noStrike" cap="none" dirty="0">
+                <a:solidFill>
+                  <a:srgbClr val="7030A0"/>
                 </a:solidFill>
                 <a:latin typeface="Arial"/>
                 <a:ea typeface="Arial"/>
@@ -28774,18 +29354,30 @@
               <a:t>GROUP BY</a:t>
             </a:r>
             <a:r>
-              <a:rPr lang="en-US" sz="2000" b="0" i="0" u="none" strike="noStrike" cap="none">
-                <a:solidFill>
-                  <a:schemeClr val="dk1"/>
-                </a:solidFill>
-                <a:latin typeface="Arial"/>
-                <a:ea typeface="Arial"/>
-                <a:cs typeface="Arial"/>
-                <a:sym typeface="Arial"/>
-              </a:rPr>
-              <a:t> origin</a:t>
-            </a:r>
-            <a:endParaRPr/>
+              <a:rPr lang="en-US" sz="2000" b="0" i="0" u="none" strike="noStrike" cap="none" dirty="0">
+                <a:solidFill>
+                  <a:srgbClr val="7030A0"/>
+                </a:solidFill>
+                <a:latin typeface="Arial"/>
+                <a:ea typeface="Arial"/>
+                <a:cs typeface="Arial"/>
+                <a:sym typeface="Arial"/>
+              </a:rPr>
+              <a:t> </a:t>
+            </a:r>
+            <a:r>
+              <a:rPr lang="en-US" sz="2000" b="0" i="0" u="none" strike="noStrike" cap="none" dirty="0">
+                <a:solidFill>
+                  <a:schemeClr val="dk1"/>
+                </a:solidFill>
+                <a:latin typeface="Arial"/>
+                <a:ea typeface="Arial"/>
+                <a:cs typeface="Arial"/>
+                <a:sym typeface="Arial"/>
+              </a:rPr>
+              <a:t>origin</a:t>
+            </a:r>
+            <a:endParaRPr dirty="0"/>
           </a:p>
           <a:p>
             <a:pPr marL="0" marR="0" lvl="0" indent="0" algn="l" rtl="0">
@@ -28802,9 +29394,9 @@
               <a:buNone/>
             </a:pPr>
             <a:r>
-              <a:rPr lang="en-US" sz="2000" b="1" i="0" u="none" strike="noStrike" cap="none">
-                <a:solidFill>
-                  <a:srgbClr val="0070C0"/>
+              <a:rPr lang="en-US" sz="2000" b="1" i="0" u="none" strike="noStrike" cap="none" dirty="0">
+                <a:solidFill>
+                  <a:srgbClr val="7030A0"/>
                 </a:solidFill>
                 <a:latin typeface="Arial"/>
                 <a:ea typeface="Arial"/>
@@ -28814,18 +29406,66 @@
               <a:t>HAVING</a:t>
             </a:r>
             <a:r>
-              <a:rPr lang="en-US" sz="2000" b="0" i="0" u="none" strike="noStrike" cap="none">
-                <a:solidFill>
-                  <a:schemeClr val="dk1"/>
-                </a:solidFill>
-                <a:latin typeface="Arial"/>
-                <a:ea typeface="Arial"/>
-                <a:cs typeface="Arial"/>
-                <a:sym typeface="Arial"/>
-              </a:rPr>
-              <a:t> AVG(arr_delay) &gt;20;</a:t>
-            </a:r>
-            <a:endParaRPr sz="2000" b="0" i="0" u="none" strike="noStrike" cap="none">
+              <a:rPr lang="en-US" sz="2000" b="0" i="0" u="none" strike="noStrike" cap="none" dirty="0">
+                <a:solidFill>
+                  <a:schemeClr val="dk1"/>
+                </a:solidFill>
+                <a:latin typeface="Arial"/>
+                <a:ea typeface="Arial"/>
+                <a:cs typeface="Arial"/>
+                <a:sym typeface="Arial"/>
+              </a:rPr>
+              <a:t> </a:t>
+            </a:r>
+            <a:r>
+              <a:rPr lang="en-US" sz="2000" b="1" i="0" u="none" strike="noStrike" cap="none" dirty="0">
+                <a:solidFill>
+                  <a:schemeClr val="dk1"/>
+                </a:solidFill>
+                <a:latin typeface="Arial"/>
+                <a:ea typeface="Arial"/>
+                <a:cs typeface="Arial"/>
+                <a:sym typeface="Arial"/>
+              </a:rPr>
+              <a:t>AVG</a:t>
+            </a:r>
+            <a:r>
+              <a:rPr lang="en-US" sz="2000" b="0" i="0" u="none" strike="noStrike" cap="none" dirty="0">
+                <a:solidFill>
+                  <a:schemeClr val="dk1"/>
+                </a:solidFill>
+                <a:latin typeface="Arial"/>
+                <a:ea typeface="Arial"/>
+                <a:cs typeface="Arial"/>
+                <a:sym typeface="Arial"/>
+              </a:rPr>
+              <a:t>(</a:t>
+            </a:r>
+            <a:r>
+              <a:rPr lang="en-US" sz="2000" b="0" i="0" u="none" strike="noStrike" cap="none" dirty="0" err="1">
+                <a:solidFill>
+                  <a:schemeClr val="dk1"/>
+                </a:solidFill>
+                <a:latin typeface="Arial"/>
+                <a:ea typeface="Arial"/>
+                <a:cs typeface="Arial"/>
+                <a:sym typeface="Arial"/>
+              </a:rPr>
+              <a:t>arr_delay</a:t>
+            </a:r>
+            <a:r>
+              <a:rPr lang="en-US" sz="2000" b="0" i="0" u="none" strike="noStrike" cap="none" dirty="0">
+                <a:solidFill>
+                  <a:schemeClr val="dk1"/>
+                </a:solidFill>
+                <a:latin typeface="Arial"/>
+                <a:ea typeface="Arial"/>
+                <a:cs typeface="Arial"/>
+                <a:sym typeface="Arial"/>
+              </a:rPr>
+              <a:t>) &gt;20;</a:t>
+            </a:r>
+            <a:endParaRPr sz="2000" b="0" i="0" u="none" strike="noStrike" cap="none" dirty="0">
               <a:solidFill>
                 <a:schemeClr val="dk1"/>
               </a:solidFill>
@@ -28849,7 +29489,7 @@
               <a:buFont typeface="Arial"/>
               <a:buNone/>
             </a:pPr>
-            <a:endParaRPr sz="2000" b="0" i="0" u="none" strike="noStrike" cap="none">
+            <a:endParaRPr sz="2000" b="0" i="0" u="none" strike="noStrike" cap="none" dirty="0">
               <a:solidFill>
                 <a:schemeClr val="dk1"/>
               </a:solidFill>
@@ -28874,7 +29514,7 @@
               <a:buNone/>
             </a:pPr>
             <a:r>
-              <a:rPr lang="en-US" sz="2000" b="1" i="0" u="none" strike="noStrike" cap="none">
+              <a:rPr lang="en-US" sz="2000" b="1" i="0" u="none" strike="noStrike" cap="none" dirty="0">
                 <a:solidFill>
                   <a:schemeClr val="dk1"/>
                 </a:solidFill>
@@ -28885,7 +29525,7 @@
               </a:rPr>
               <a:t>Which origins have more than 2000 flights? </a:t>
             </a:r>
-            <a:endParaRPr/>
+            <a:endParaRPr dirty="0"/>
           </a:p>
           <a:p>
             <a:pPr marL="0" marR="0" lvl="0" indent="0" algn="l" rtl="0">
@@ -28901,7 +29541,7 @@
               <a:buFont typeface="Arial"/>
               <a:buNone/>
             </a:pPr>
-            <a:endParaRPr sz="2000" b="1" i="0" u="none" strike="noStrike" cap="none">
+            <a:endParaRPr sz="2000" b="1" i="0" u="none" strike="noStrike" cap="none" dirty="0">
               <a:solidFill>
                 <a:schemeClr val="dk1"/>
               </a:solidFill>
@@ -28926,7 +29566,7 @@
               <a:buNone/>
             </a:pPr>
             <a:r>
-              <a:rPr lang="en-US" sz="2000" b="1" i="0" u="none" strike="noStrike" cap="none">
+              <a:rPr lang="en-US" sz="2000" b="1" i="0" u="none" strike="noStrike" cap="none" dirty="0">
                 <a:solidFill>
                   <a:schemeClr val="dk1"/>
                 </a:solidFill>
@@ -28937,7 +29577,7 @@
               </a:rPr>
               <a:t>(Bonus) Which airlines have more than 100 flights that were cancelled?</a:t>
             </a:r>
-            <a:endParaRPr sz="2000" b="1" i="0" u="none" strike="noStrike" cap="none">
+            <a:endParaRPr sz="2000" b="1" i="0" u="none" strike="noStrike" cap="none" dirty="0">
               <a:solidFill>
                 <a:schemeClr val="dk1"/>
               </a:solidFill>
@@ -28961,7 +29601,7 @@
               <a:buFont typeface="Arial"/>
               <a:buNone/>
             </a:pPr>
-            <a:endParaRPr sz="2000" b="1" i="0" u="none" strike="noStrike" cap="none">
+            <a:endParaRPr sz="2000" b="1" i="0" u="none" strike="noStrike" cap="none" dirty="0">
               <a:solidFill>
                 <a:schemeClr val="dk1"/>
               </a:solidFill>
@@ -28986,7 +29626,7 @@
               <a:buNone/>
             </a:pPr>
             <a:r>
-              <a:rPr lang="en-US" sz="2000" b="1" i="0" u="none" strike="noStrike" cap="none">
+              <a:rPr lang="en-US" sz="2000" b="1" i="0" u="none" strike="noStrike" cap="none" dirty="0">
                 <a:solidFill>
                   <a:srgbClr val="FF0000"/>
                 </a:solidFill>
@@ -28997,7 +29637,7 @@
               </a:rPr>
               <a:t>(Double Bonus) If I am flying from ORD what airlines have more than 10% of flights cancelled?</a:t>
             </a:r>
-            <a:endParaRPr/>
+            <a:endParaRPr dirty="0"/>
           </a:p>
         </p:txBody>
       </p:sp>
@@ -31768,7 +32408,7 @@
               <a:buNone/>
             </a:pPr>
             <a:r>
-              <a:rPr lang="en-US" sz="1800" b="1">
+              <a:rPr lang="en-US" sz="1800" b="1" dirty="0">
                 <a:solidFill>
                   <a:srgbClr val="FFC000"/>
                 </a:solidFill>
@@ -31780,7 +32420,7 @@
               <a:t>SELECT</a:t>
             </a:r>
             <a:r>
-              <a:rPr lang="en-US" sz="1800">
+              <a:rPr lang="en-US" sz="1800" dirty="0">
                 <a:solidFill>
                   <a:srgbClr val="FFC000"/>
                 </a:solidFill>
@@ -31792,7 +32432,7 @@
               <a:t> </a:t>
             </a:r>
             <a:r>
-              <a:rPr lang="en-US" sz="1800">
+              <a:rPr lang="en-US" sz="1800" dirty="0">
                 <a:solidFill>
                   <a:schemeClr val="dk1"/>
                 </a:solidFill>
@@ -31803,7 +32443,103 @@
               </a:rPr>
               <a:t>*</a:t>
             </a:r>
-            <a:endParaRPr/>
+            <a:endParaRPr dirty="0"/>
+          </a:p>
+          <a:p>
+            <a:pPr lvl="0"/>
+            <a:r>
+              <a:rPr lang="en-US" sz="1800" b="1" dirty="0">
+                <a:solidFill>
+                  <a:srgbClr val="0070C0"/>
+                </a:solidFill>
+                <a:latin typeface="Arial"/>
+                <a:ea typeface="Arial"/>
+                <a:cs typeface="Arial"/>
+                <a:sym typeface="Arial"/>
+              </a:rPr>
+              <a:t>FROM</a:t>
+            </a:r>
+            <a:r>
+              <a:rPr lang="en-US" sz="1800" dirty="0">
+                <a:solidFill>
+                  <a:srgbClr val="0070C0"/>
+                </a:solidFill>
+                <a:latin typeface="Arial"/>
+                <a:ea typeface="Arial"/>
+                <a:cs typeface="Arial"/>
+                <a:sym typeface="Arial"/>
+              </a:rPr>
+              <a:t> </a:t>
+            </a:r>
+            <a:r>
+              <a:rPr lang="en-US" sz="1800" b="1" dirty="0">
+                <a:solidFill>
+                  <a:schemeClr val="dk1"/>
+                </a:solidFill>
+              </a:rPr>
+              <a:t>AS </a:t>
+            </a:r>
+            <a:r>
+              <a:rPr lang="en-US" sz="1800" dirty="0">
+                <a:solidFill>
+                  <a:schemeClr val="dk1"/>
+                </a:solidFill>
+                <a:latin typeface="Arial"/>
+                <a:ea typeface="Arial"/>
+                <a:cs typeface="Arial"/>
+                <a:sym typeface="Arial"/>
+              </a:rPr>
+              <a:t>A</a:t>
+            </a:r>
+            <a:endParaRPr dirty="0"/>
+          </a:p>
+          <a:p>
+            <a:pPr lvl="0"/>
+            <a:r>
+              <a:rPr lang="en-US" sz="1800" b="1" dirty="0">
+                <a:solidFill>
+                  <a:srgbClr val="0070C0"/>
+                </a:solidFill>
+                <a:latin typeface="Arial"/>
+                <a:ea typeface="Arial"/>
+                <a:cs typeface="Arial"/>
+                <a:sym typeface="Arial"/>
+              </a:rPr>
+              <a:t>INNER JOIN</a:t>
+            </a:r>
+            <a:r>
+              <a:rPr lang="en-US" sz="1800" dirty="0">
+                <a:solidFill>
+                  <a:schemeClr val="dk1"/>
+                </a:solidFill>
+                <a:latin typeface="Arial"/>
+                <a:ea typeface="Arial"/>
+                <a:cs typeface="Arial"/>
+                <a:sym typeface="Arial"/>
+              </a:rPr>
+              <a:t> </a:t>
+            </a:r>
+            <a:r>
+              <a:rPr lang="en-US" sz="1800" b="1" dirty="0">
+                <a:solidFill>
+                  <a:schemeClr val="dk1"/>
+                </a:solidFill>
+              </a:rPr>
+              <a:t>AS </a:t>
+            </a:r>
+            <a:r>
+              <a:rPr lang="en-US" sz="1800" dirty="0">
+                <a:solidFill>
+                  <a:schemeClr val="dk1"/>
+                </a:solidFill>
+                <a:latin typeface="Arial"/>
+                <a:ea typeface="Arial"/>
+                <a:cs typeface="Arial"/>
+                <a:sym typeface="Arial"/>
+              </a:rPr>
+              <a:t>B</a:t>
+            </a:r>
+            <a:endParaRPr dirty="0"/>
           </a:p>
           <a:p>
             <a:pPr marL="0" marR="0" lvl="0" indent="0" algn="l" rtl="0">
@@ -31816,7 +32552,7 @@
               <a:buNone/>
             </a:pPr>
             <a:r>
-              <a:rPr lang="en-US" sz="1800" b="1">
+              <a:rPr lang="en-US" sz="1800" b="1" dirty="0">
                 <a:solidFill>
                   <a:srgbClr val="0070C0"/>
                 </a:solidFill>
@@ -31825,12 +32561,12 @@
                 <a:cs typeface="Arial"/>
                 <a:sym typeface="Arial"/>
               </a:rPr>
-              <a:t>FROM</a:t>
-            </a:r>
-            <a:r>
-              <a:rPr lang="en-US" sz="1800">
-                <a:solidFill>
-                  <a:srgbClr val="0070C0"/>
+              <a:t>ON</a:t>
+            </a:r>
+            <a:r>
+              <a:rPr lang="en-US" sz="1800" dirty="0">
+                <a:solidFill>
+                  <a:schemeClr val="dk1"/>
                 </a:solidFill>
                 <a:latin typeface="Arial"/>
                 <a:ea typeface="Arial"/>
@@ -31840,90 +32576,42 @@
               <a:t> </a:t>
             </a:r>
             <a:r>
-              <a:rPr lang="en-US" sz="1800">
-                <a:solidFill>
-                  <a:schemeClr val="dk1"/>
-                </a:solidFill>
-                <a:latin typeface="Arial"/>
-                <a:ea typeface="Arial"/>
-                <a:cs typeface="Arial"/>
-                <a:sym typeface="Arial"/>
-              </a:rPr>
-              <a:t>A</a:t>
-            </a:r>
-            <a:endParaRPr/>
-          </a:p>
-          <a:p>
-            <a:pPr marL="0" marR="0" lvl="0" indent="0" algn="l" rtl="0">
-              <a:spcBef>
-                <a:spcPts val="0"/>
-              </a:spcBef>
-              <a:spcAft>
-                <a:spcPts val="0"/>
-              </a:spcAft>
-              <a:buNone/>
-            </a:pPr>
-            <a:r>
-              <a:rPr lang="en-US" sz="1800" b="1">
-                <a:solidFill>
-                  <a:srgbClr val="0070C0"/>
-                </a:solidFill>
-                <a:latin typeface="Arial"/>
-                <a:ea typeface="Arial"/>
-                <a:cs typeface="Arial"/>
-                <a:sym typeface="Arial"/>
-              </a:rPr>
-              <a:t>INNER JOIN</a:t>
-            </a:r>
-            <a:r>
-              <a:rPr lang="en-US" sz="1800">
-                <a:solidFill>
-                  <a:schemeClr val="dk1"/>
-                </a:solidFill>
-                <a:latin typeface="Arial"/>
-                <a:ea typeface="Arial"/>
-                <a:cs typeface="Arial"/>
-                <a:sym typeface="Arial"/>
-              </a:rPr>
-              <a:t> B</a:t>
-            </a:r>
-            <a:endParaRPr/>
-          </a:p>
-          <a:p>
-            <a:pPr marL="0" marR="0" lvl="0" indent="0" algn="l" rtl="0">
-              <a:spcBef>
-                <a:spcPts val="0"/>
-              </a:spcBef>
-              <a:spcAft>
-                <a:spcPts val="0"/>
-              </a:spcAft>
-              <a:buNone/>
-            </a:pPr>
-            <a:r>
-              <a:rPr lang="en-US" sz="1800" b="1">
-                <a:solidFill>
-                  <a:srgbClr val="0070C0"/>
-                </a:solidFill>
-                <a:latin typeface="Arial"/>
-                <a:ea typeface="Arial"/>
-                <a:cs typeface="Arial"/>
-                <a:sym typeface="Arial"/>
-              </a:rPr>
-              <a:t>ON</a:t>
-            </a:r>
-            <a:r>
-              <a:rPr lang="en-US" sz="1800">
-                <a:solidFill>
-                  <a:schemeClr val="dk1"/>
-                </a:solidFill>
-                <a:latin typeface="Arial"/>
-                <a:ea typeface="Arial"/>
-                <a:cs typeface="Arial"/>
-                <a:sym typeface="Arial"/>
-              </a:rPr>
-              <a:t> A.order_id=B.order_id</a:t>
-            </a:r>
-            <a:endParaRPr sz="1800">
+              <a:rPr lang="en-US" sz="1800" dirty="0" err="1">
+                <a:solidFill>
+                  <a:schemeClr val="dk1"/>
+                </a:solidFill>
+                <a:latin typeface="Arial"/>
+                <a:ea typeface="Arial"/>
+                <a:cs typeface="Arial"/>
+                <a:sym typeface="Arial"/>
+              </a:rPr>
+              <a:t>A.order_id</a:t>
+            </a:r>
+            <a:r>
+              <a:rPr lang="en-US" sz="1800" dirty="0">
+                <a:solidFill>
+                  <a:schemeClr val="dk1"/>
+                </a:solidFill>
+                <a:latin typeface="Arial"/>
+                <a:ea typeface="Arial"/>
+                <a:cs typeface="Arial"/>
+                <a:sym typeface="Arial"/>
+              </a:rPr>
+              <a:t>=</a:t>
+            </a:r>
+            <a:r>
+              <a:rPr lang="en-US" sz="1800" dirty="0" err="1">
+                <a:solidFill>
+                  <a:schemeClr val="dk1"/>
+                </a:solidFill>
+                <a:latin typeface="Arial"/>
+                <a:ea typeface="Arial"/>
+                <a:cs typeface="Arial"/>
+                <a:sym typeface="Arial"/>
+              </a:rPr>
+              <a:t>B.order_id</a:t>
+            </a:r>
+            <a:endParaRPr sz="1800" dirty="0">
               <a:solidFill>
                 <a:schemeClr val="dk1"/>
               </a:solidFill>
@@ -32311,7 +32999,7 @@
               <a:buNone/>
             </a:pPr>
             <a:r>
-              <a:rPr lang="en-US" sz="2800" b="0" i="0" u="none" strike="noStrike" cap="none">
+              <a:rPr lang="en-US" sz="2800" b="0" i="0" u="none" strike="noStrike" cap="none" dirty="0">
                 <a:solidFill>
                   <a:schemeClr val="dk1"/>
                 </a:solidFill>
@@ -32322,7 +33010,7 @@
               </a:rPr>
               <a:t>Merges two tables based on some defined matching of fields</a:t>
             </a:r>
-            <a:endParaRPr/>
+            <a:endParaRPr dirty="0"/>
           </a:p>
           <a:p>
             <a:pPr marL="0" marR="0" lvl="0" indent="0" algn="l" rtl="0">
@@ -32338,7 +33026,7 @@
               <a:buFont typeface="Arial"/>
               <a:buNone/>
             </a:pPr>
-            <a:endParaRPr sz="2800" b="0" i="0" u="none" strike="noStrike" cap="none">
+            <a:endParaRPr sz="2800" b="0" i="0" u="none" strike="noStrike" cap="none" dirty="0">
               <a:solidFill>
                 <a:schemeClr val="dk1"/>
               </a:solidFill>
@@ -32363,7 +33051,7 @@
               <a:buNone/>
             </a:pPr>
             <a:r>
-              <a:rPr lang="en-US" sz="2800" b="1" i="0" u="none" strike="noStrike" cap="none">
+              <a:rPr lang="en-US" sz="2800" b="1" i="0" u="none" strike="noStrike" cap="none" dirty="0">
                 <a:solidFill>
                   <a:srgbClr val="FF9F49"/>
                 </a:solidFill>
@@ -32375,7 +33063,7 @@
               <a:t>SELECT</a:t>
             </a:r>
             <a:r>
-              <a:rPr lang="en-US" sz="2800" b="0" i="0" u="none" strike="noStrike" cap="none">
+              <a:rPr lang="en-US" sz="2800" b="0" i="0" u="none" strike="noStrike" cap="none" dirty="0">
                 <a:solidFill>
                   <a:srgbClr val="FF9F49"/>
                 </a:solidFill>
@@ -32387,18 +33075,265 @@
               <a:t> </a:t>
             </a:r>
             <a:r>
-              <a:rPr lang="en-US" sz="2800" b="0" i="0" u="none" strike="noStrike" cap="none">
-                <a:solidFill>
-                  <a:schemeClr val="dk1"/>
-                </a:solidFill>
-                <a:latin typeface="Arial"/>
-                <a:ea typeface="Arial"/>
-                <a:cs typeface="Arial"/>
-                <a:sym typeface="Arial"/>
-              </a:rPr>
-              <a:t>* 			                                            </a:t>
-            </a:r>
-            <a:endParaRPr sz="2800" b="0" i="0" u="none" strike="noStrike" cap="none">
+              <a:rPr lang="en-US" sz="2800" b="0" i="0" u="none" strike="noStrike" cap="none" dirty="0">
+                <a:solidFill>
+                  <a:schemeClr val="dk1"/>
+                </a:solidFill>
+                <a:latin typeface="Arial"/>
+                <a:ea typeface="Arial"/>
+                <a:cs typeface="Arial"/>
+                <a:sym typeface="Arial"/>
+              </a:rPr>
+              <a:t>*</a:t>
+            </a:r>
+          </a:p>
+          <a:p>
+            <a:pPr marL="0" marR="0" lvl="0" indent="0" algn="l" rtl="0">
+              <a:spcBef>
+                <a:spcPts val="560"/>
+              </a:spcBef>
+              <a:spcAft>
+                <a:spcPts val="0"/>
+              </a:spcAft>
+              <a:buClr>
+                <a:srgbClr val="FF9F49"/>
+              </a:buClr>
+              <a:buFont typeface="Arial"/>
+              <a:buNone/>
+            </a:pPr>
+            <a:r>
+              <a:rPr lang="en-US" sz="2800" b="1" i="0" u="none" strike="noStrike" cap="none" dirty="0">
+                <a:solidFill>
+                  <a:srgbClr val="0070C0"/>
+                </a:solidFill>
+                <a:latin typeface="Arial"/>
+                <a:ea typeface="Arial"/>
+                <a:cs typeface="Arial"/>
+                <a:sym typeface="Arial"/>
+              </a:rPr>
+              <a:t>FROM</a:t>
+            </a:r>
+            <a:r>
+              <a:rPr lang="en-US" sz="2800" b="0" i="0" u="none" strike="noStrike" cap="none" dirty="0">
+                <a:solidFill>
+                  <a:srgbClr val="0070C0"/>
+                </a:solidFill>
+                <a:latin typeface="Arial"/>
+                <a:ea typeface="Arial"/>
+                <a:cs typeface="Arial"/>
+                <a:sym typeface="Arial"/>
+              </a:rPr>
+              <a:t> </a:t>
+            </a:r>
+            <a:r>
+              <a:rPr lang="en-US" sz="2800" b="0" i="0" u="none" strike="noStrike" cap="none" dirty="0" err="1">
+                <a:solidFill>
+                  <a:schemeClr val="dk1"/>
+                </a:solidFill>
+                <a:latin typeface="Arial"/>
+                <a:ea typeface="Arial"/>
+                <a:cs typeface="Arial"/>
+                <a:sym typeface="Arial"/>
+              </a:rPr>
+              <a:t>tutorial.oscar_nominees</a:t>
+            </a:r>
+            <a:r>
+              <a:rPr lang="en-US" sz="2800" b="0" i="0" u="none" strike="noStrike" cap="none" dirty="0">
+                <a:solidFill>
+                  <a:schemeClr val="dk1"/>
+                </a:solidFill>
+                <a:latin typeface="Arial"/>
+                <a:ea typeface="Arial"/>
+                <a:cs typeface="Arial"/>
+                <a:sym typeface="Arial"/>
+              </a:rPr>
+              <a:t> </a:t>
+            </a:r>
+            <a:r>
+              <a:rPr lang="en-US" sz="2800" b="1" i="0" u="none" strike="noStrike" cap="none" dirty="0">
+                <a:solidFill>
+                  <a:schemeClr val="dk1"/>
+                </a:solidFill>
+                <a:latin typeface="Arial"/>
+                <a:ea typeface="Arial"/>
+                <a:cs typeface="Arial"/>
+                <a:sym typeface="Arial"/>
+              </a:rPr>
+              <a:t>AS</a:t>
+            </a:r>
+            <a:r>
+              <a:rPr lang="en-US" sz="2800" b="0" i="0" u="none" strike="noStrike" cap="none" dirty="0">
+                <a:solidFill>
+                  <a:schemeClr val="dk1"/>
+                </a:solidFill>
+                <a:latin typeface="Arial"/>
+                <a:ea typeface="Arial"/>
+                <a:cs typeface="Arial"/>
+                <a:sym typeface="Arial"/>
+              </a:rPr>
+              <a:t> </a:t>
+            </a:r>
+            <a:r>
+              <a:rPr lang="en-US" sz="2800" b="0" i="0" u="none" strike="noStrike" cap="none" dirty="0" err="1">
+                <a:solidFill>
+                  <a:schemeClr val="dk1"/>
+                </a:solidFill>
+                <a:latin typeface="Arial"/>
+                <a:ea typeface="Arial"/>
+                <a:cs typeface="Arial"/>
+                <a:sym typeface="Arial"/>
+              </a:rPr>
+              <a:t>noms</a:t>
+            </a:r>
+            <a:endParaRPr lang="en-US" sz="2800" b="0" i="0" u="none" strike="noStrike" cap="none" dirty="0">
+              <a:solidFill>
+                <a:schemeClr val="dk1"/>
+              </a:solidFill>
+              <a:latin typeface="Arial"/>
+              <a:ea typeface="Arial"/>
+              <a:cs typeface="Arial"/>
+              <a:sym typeface="Arial"/>
+            </a:endParaRPr>
+          </a:p>
+          <a:p>
+            <a:pPr marL="0" lvl="0" indent="0">
+              <a:buClr>
+                <a:srgbClr val="FF9F49"/>
+              </a:buClr>
+              <a:buNone/>
+            </a:pPr>
+            <a:r>
+              <a:rPr lang="en-US" sz="2800" b="1" i="0" u="none" strike="noStrike" cap="none" dirty="0">
+                <a:solidFill>
+                  <a:srgbClr val="0070C0"/>
+                </a:solidFill>
+                <a:latin typeface="Arial"/>
+                <a:ea typeface="Arial"/>
+                <a:cs typeface="Arial"/>
+                <a:sym typeface="Arial"/>
+              </a:rPr>
+              <a:t>INNER JOIN </a:t>
+            </a:r>
+            <a:r>
+              <a:rPr lang="en-US" sz="2800" b="0" i="0" u="none" strike="noStrike" cap="none" dirty="0" err="1">
+                <a:solidFill>
+                  <a:schemeClr val="dk1"/>
+                </a:solidFill>
+                <a:latin typeface="Arial"/>
+                <a:ea typeface="Arial"/>
+                <a:cs typeface="Arial"/>
+                <a:sym typeface="Arial"/>
+              </a:rPr>
+              <a:t>tutorial.nominee_filmography</a:t>
+            </a:r>
+            <a:r>
+              <a:rPr lang="en-US" sz="2800" b="0" i="0" u="none" strike="noStrike" cap="none" dirty="0">
+                <a:solidFill>
+                  <a:schemeClr val="dk1"/>
+                </a:solidFill>
+                <a:latin typeface="Arial"/>
+                <a:ea typeface="Arial"/>
+                <a:cs typeface="Arial"/>
+                <a:sym typeface="Arial"/>
+              </a:rPr>
+              <a:t> </a:t>
+            </a:r>
+            <a:r>
+              <a:rPr lang="en-US" b="1" dirty="0"/>
+              <a:t>AS </a:t>
+            </a:r>
+            <a:r>
+              <a:rPr lang="en-US" sz="2800" b="0" i="0" u="none" strike="noStrike" cap="none" dirty="0">
+                <a:solidFill>
+                  <a:schemeClr val="dk1"/>
+                </a:solidFill>
+                <a:latin typeface="Arial"/>
+                <a:ea typeface="Arial"/>
+                <a:cs typeface="Arial"/>
+                <a:sym typeface="Arial"/>
+              </a:rPr>
+              <a:t>films</a:t>
+            </a:r>
+          </a:p>
+          <a:p>
+            <a:pPr marL="0" marR="0" lvl="0" indent="0" algn="l" rtl="0">
+              <a:spcBef>
+                <a:spcPts val="560"/>
+              </a:spcBef>
+              <a:spcAft>
+                <a:spcPts val="0"/>
+              </a:spcAft>
+              <a:buClr>
+                <a:srgbClr val="FF9F49"/>
+              </a:buClr>
+              <a:buFont typeface="Arial"/>
+              <a:buNone/>
+            </a:pPr>
+            <a:r>
+              <a:rPr lang="en-US" sz="2800" b="1" i="0" u="none" strike="noStrike" cap="none" dirty="0">
+                <a:solidFill>
+                  <a:srgbClr val="0070C0"/>
+                </a:solidFill>
+                <a:latin typeface="Arial"/>
+                <a:ea typeface="Arial"/>
+                <a:cs typeface="Arial"/>
+                <a:sym typeface="Arial"/>
+              </a:rPr>
+              <a:t>ON</a:t>
+            </a:r>
+            <a:r>
+              <a:rPr lang="en-US" sz="2800" b="0" i="0" u="none" strike="noStrike" cap="none" dirty="0">
+                <a:solidFill>
+                  <a:srgbClr val="0070C0"/>
+                </a:solidFill>
+                <a:latin typeface="Arial"/>
+                <a:ea typeface="Arial"/>
+                <a:cs typeface="Arial"/>
+                <a:sym typeface="Arial"/>
+              </a:rPr>
+              <a:t> </a:t>
+            </a:r>
+            <a:r>
+              <a:rPr lang="en-US" sz="2800" b="0" i="0" u="none" strike="noStrike" cap="none" dirty="0" err="1">
+                <a:solidFill>
+                  <a:schemeClr val="dk1"/>
+                </a:solidFill>
+                <a:latin typeface="Arial"/>
+                <a:ea typeface="Arial"/>
+                <a:cs typeface="Arial"/>
+                <a:sym typeface="Arial"/>
+              </a:rPr>
+              <a:t>noms.nominee</a:t>
+            </a:r>
+            <a:r>
+              <a:rPr lang="en-US" sz="2800" b="0" i="0" u="none" strike="noStrike" cap="none" dirty="0">
+                <a:solidFill>
+                  <a:schemeClr val="dk1"/>
+                </a:solidFill>
+                <a:latin typeface="Arial"/>
+                <a:ea typeface="Arial"/>
+                <a:cs typeface="Arial"/>
+                <a:sym typeface="Arial"/>
+              </a:rPr>
+              <a:t> = films.name;</a:t>
+            </a:r>
+            <a:endParaRPr dirty="0"/>
+          </a:p>
+          <a:p>
+            <a:pPr marL="0" marR="0" lvl="0" indent="0" algn="l" rtl="0">
+              <a:spcBef>
+                <a:spcPts val="560"/>
+              </a:spcBef>
+              <a:spcAft>
+                <a:spcPts val="0"/>
+              </a:spcAft>
+              <a:buClr>
+                <a:schemeClr val="dk1"/>
+              </a:buClr>
+              <a:buFont typeface="Arial"/>
+              <a:buNone/>
+            </a:pPr>
+            <a:endParaRPr sz="2800" b="0" i="0" u="none" strike="noStrike" cap="none" dirty="0">
               <a:solidFill>
                 <a:schemeClr val="dk1"/>
               </a:solidFill>
@@ -32417,173 +33352,13 @@
                 <a:spcPts val="0"/>
               </a:spcAft>
               <a:buClr>
-                <a:srgbClr val="FF9F49"/>
+                <a:schemeClr val="dk1"/>
               </a:buClr>
               <a:buFont typeface="Arial"/>
               <a:buNone/>
             </a:pPr>
             <a:r>
-              <a:rPr lang="en-US" sz="2800" b="1" i="0" u="none" strike="noStrike" cap="none">
-                <a:solidFill>
-                  <a:srgbClr val="0070C0"/>
-                </a:solidFill>
-                <a:latin typeface="Arial"/>
-                <a:ea typeface="Arial"/>
-                <a:cs typeface="Arial"/>
-                <a:sym typeface="Arial"/>
-              </a:rPr>
-              <a:t>FROM</a:t>
-            </a:r>
-            <a:r>
-              <a:rPr lang="en-US" sz="2800" b="0" i="0" u="none" strike="noStrike" cap="none">
-                <a:solidFill>
-                  <a:srgbClr val="0070C0"/>
-                </a:solidFill>
-                <a:latin typeface="Arial"/>
-                <a:ea typeface="Arial"/>
-                <a:cs typeface="Arial"/>
-                <a:sym typeface="Arial"/>
-              </a:rPr>
-              <a:t> </a:t>
-            </a:r>
-            <a:r>
-              <a:rPr lang="en-US" sz="2800" b="0" i="0" u="none" strike="noStrike" cap="none">
-                <a:solidFill>
-                  <a:schemeClr val="dk1"/>
-                </a:solidFill>
-                <a:latin typeface="Arial"/>
-                <a:ea typeface="Arial"/>
-                <a:cs typeface="Arial"/>
-                <a:sym typeface="Arial"/>
-              </a:rPr>
-              <a:t>tutorial.oscar_nominees noms		        	     </a:t>
-            </a:r>
-            <a:r>
-              <a:rPr lang="en-US" sz="2800" b="1" i="0" u="none" strike="noStrike" cap="none">
-                <a:solidFill>
-                  <a:srgbClr val="0070C0"/>
-                </a:solidFill>
-                <a:latin typeface="Arial"/>
-                <a:ea typeface="Arial"/>
-                <a:cs typeface="Arial"/>
-                <a:sym typeface="Arial"/>
-              </a:rPr>
-              <a:t>INNER JOIN </a:t>
-            </a:r>
-            <a:r>
-              <a:rPr lang="en-US" sz="2800" b="0" i="0" u="none" strike="noStrike" cap="none">
-                <a:solidFill>
-                  <a:schemeClr val="dk1"/>
-                </a:solidFill>
-                <a:latin typeface="Arial"/>
-                <a:ea typeface="Arial"/>
-                <a:cs typeface="Arial"/>
-                <a:sym typeface="Arial"/>
-              </a:rPr>
-              <a:t>tutorial.nominee_filmography films	</a:t>
-            </a:r>
-            <a:endParaRPr sz="2800" b="0" i="0" u="none" strike="noStrike" cap="none">
-              <a:solidFill>
-                <a:schemeClr val="dk1"/>
-              </a:solidFill>
-              <a:latin typeface="Arial"/>
-              <a:ea typeface="Arial"/>
-              <a:cs typeface="Arial"/>
-              <a:sym typeface="Arial"/>
-            </a:endParaRPr>
-          </a:p>
-          <a:p>
-            <a:pPr marL="0" marR="0" lvl="0" indent="0" algn="l" rtl="0">
-              <a:spcBef>
-                <a:spcPts val="560"/>
-              </a:spcBef>
-              <a:spcAft>
-                <a:spcPts val="0"/>
-              </a:spcAft>
-              <a:buClr>
-                <a:srgbClr val="0070C0"/>
-              </a:buClr>
-              <a:buFont typeface="Arial"/>
-              <a:buNone/>
-            </a:pPr>
-            <a:r>
-              <a:rPr lang="en-US" sz="2800" b="1" i="0" u="none" strike="noStrike" cap="none">
-                <a:solidFill>
-                  <a:srgbClr val="0070C0"/>
-                </a:solidFill>
-                <a:latin typeface="Arial"/>
-                <a:ea typeface="Arial"/>
-                <a:cs typeface="Arial"/>
-                <a:sym typeface="Arial"/>
-              </a:rPr>
-              <a:t>ON</a:t>
-            </a:r>
-            <a:r>
-              <a:rPr lang="en-US" sz="2800" b="0" i="0" u="none" strike="noStrike" cap="none">
-                <a:solidFill>
-                  <a:srgbClr val="0070C0"/>
-                </a:solidFill>
-                <a:latin typeface="Arial"/>
-                <a:ea typeface="Arial"/>
-                <a:cs typeface="Arial"/>
-                <a:sym typeface="Arial"/>
-              </a:rPr>
-              <a:t> </a:t>
-            </a:r>
-            <a:r>
-              <a:rPr lang="en-US" sz="2800" b="0" i="0" u="none" strike="noStrike" cap="none">
-                <a:solidFill>
-                  <a:schemeClr val="dk1"/>
-                </a:solidFill>
-                <a:latin typeface="Arial"/>
-                <a:ea typeface="Arial"/>
-                <a:cs typeface="Arial"/>
-                <a:sym typeface="Arial"/>
-              </a:rPr>
-              <a:t>noms.nominee=films.name;</a:t>
-            </a:r>
-            <a:endParaRPr/>
-          </a:p>
-          <a:p>
-            <a:pPr marL="0" marR="0" lvl="0" indent="0" algn="l" rtl="0">
-              <a:spcBef>
-                <a:spcPts val="560"/>
-              </a:spcBef>
-              <a:spcAft>
-                <a:spcPts val="0"/>
-              </a:spcAft>
-              <a:buClr>
-                <a:schemeClr val="dk1"/>
-              </a:buClr>
-              <a:buFont typeface="Arial"/>
-              <a:buNone/>
-            </a:pPr>
-            <a:endParaRPr sz="2800" b="0" i="0" u="none" strike="noStrike" cap="none">
-              <a:solidFill>
-                <a:schemeClr val="dk1"/>
-              </a:solidFill>
-              <a:latin typeface="Arial"/>
-              <a:ea typeface="Arial"/>
-              <a:cs typeface="Arial"/>
-              <a:sym typeface="Arial"/>
-            </a:endParaRPr>
-          </a:p>
-          <a:p>
-            <a:pPr marL="0" marR="0" lvl="0" indent="0" algn="l" rtl="0">
-              <a:spcBef>
-                <a:spcPts val="560"/>
-              </a:spcBef>
-              <a:spcAft>
-                <a:spcPts val="0"/>
-              </a:spcAft>
-              <a:buClr>
-                <a:schemeClr val="dk1"/>
-              </a:buClr>
-              <a:buFont typeface="Arial"/>
-              <a:buNone/>
-            </a:pPr>
-            <a:r>
-              <a:rPr lang="en-US" sz="2800" b="0" i="0" u="none" strike="noStrike" cap="none">
+              <a:rPr lang="en-US" sz="2800" b="0" i="0" u="none" strike="noStrike" cap="none" dirty="0">
                 <a:solidFill>
                   <a:schemeClr val="dk1"/>
                 </a:solidFill>
@@ -32594,7 +33369,7 @@
               </a:rPr>
               <a:t>This will output only rows where the values line up</a:t>
             </a:r>
-            <a:endParaRPr sz="2800" b="0" i="0" u="none" strike="noStrike" cap="none">
+            <a:endParaRPr sz="2800" b="0" i="0" u="none" strike="noStrike" cap="none" dirty="0">
               <a:solidFill>
                 <a:schemeClr val="dk1"/>
               </a:solidFill>
@@ -32696,7 +33471,7 @@
                                         <p:tgtEl>
                                           <p:spTgt spid="269">
                                             <p:txEl>
-                                              <p:pRg st="1" end="1"/>
+                                              <p:pRg st="2" end="2"/>
                                             </p:txEl>
                                           </p:spTgt>
                                         </p:tgtEl>
@@ -32745,7 +33520,7 @@
                                         <p:tgtEl>
                                           <p:spTgt spid="269">
                                             <p:txEl>
-                                              <p:pRg st="2" end="2"/>
+                                              <p:pRg st="3" end="3"/>
                                             </p:txEl>
                                           </p:spTgt>
                                         </p:tgtEl>
@@ -32794,7 +33569,7 @@
                                         <p:tgtEl>
                                           <p:spTgt spid="269">
                                             <p:txEl>
-                                              <p:pRg st="3" end="3"/>
+                                              <p:pRg st="4" end="4"/>
                                             </p:txEl>
                                           </p:spTgt>
                                         </p:tgtEl>
@@ -32843,7 +33618,7 @@
                                         <p:tgtEl>
                                           <p:spTgt spid="269">
                                             <p:txEl>
-                                              <p:pRg st="4" end="4"/>
+                                              <p:pRg st="5" end="5"/>
                                             </p:txEl>
                                           </p:spTgt>
                                         </p:tgtEl>
@@ -32892,56 +33667,7 @@
                                         <p:tgtEl>
                                           <p:spTgt spid="269">
                                             <p:txEl>
-                                              <p:pRg st="5" end="5"/>
-                                            </p:txEl>
-                                          </p:spTgt>
-                                        </p:tgtEl>
-                                        <p:attrNameLst>
-                                          <p:attrName>style.visibility</p:attrName>
-                                        </p:attrNameLst>
-                                      </p:cBhvr>
-                                      <p:to>
-                                        <p:strVal val="visible"/>
-                                      </p:to>
-                                    </p:set>
-                                  </p:childTnLst>
-                                </p:cTn>
-                              </p:par>
-                            </p:childTnLst>
-                          </p:cTn>
-                        </p:par>
-                      </p:childTnLst>
-                    </p:cTn>
-                  </p:par>
-                  <p:par>
-                    <p:cTn id="27" fill="hold">
-                      <p:stCondLst>
-                        <p:cond delay="indefinite"/>
-                      </p:stCondLst>
-                      <p:childTnLst>
-                        <p:par>
-                          <p:cTn id="28" fill="hold">
-                            <p:stCondLst>
-                              <p:cond delay="0"/>
-                            </p:stCondLst>
-                            <p:childTnLst>
-                              <p:par>
-                                <p:cTn id="29" presetID="1" presetClass="entr" presetSubtype="0" fill="hold" nodeType="clickEffect">
-                                  <p:stCondLst>
-                                    <p:cond delay="0"/>
-                                  </p:stCondLst>
-                                  <p:childTnLst>
-                                    <p:set>
-                                      <p:cBhvr>
-                                        <p:cTn id="30" dur="1" fill="hold">
-                                          <p:stCondLst>
-                                            <p:cond delay="0"/>
-                                          </p:stCondLst>
-                                        </p:cTn>
-                                        <p:tgtEl>
-                                          <p:spTgt spid="269">
-                                            <p:txEl>
-                                              <p:pRg st="6" end="6"/>
+                                              <p:pRg st="7" end="7"/>
                                             </p:txEl>
                                           </p:spTgt>
                                         </p:tgtEl>
@@ -33109,10 +33835,10 @@
               <a:buNone/>
             </a:pPr>
             <a:r>
-              <a:rPr lang="en-US"/>
+              <a:rPr lang="en-US" dirty="0"/>
               <a:t>Alternately, we can also write:</a:t>
             </a:r>
-            <a:endParaRPr/>
+            <a:endParaRPr dirty="0"/>
           </a:p>
           <a:p>
             <a:pPr marL="0" marR="0" lvl="0" indent="0" algn="l" rtl="0">
@@ -33128,7 +33854,7 @@
               <a:buFont typeface="Arial"/>
               <a:buNone/>
             </a:pPr>
-            <a:endParaRPr sz="2800" b="0" i="0" u="none" strike="noStrike" cap="none">
+            <a:endParaRPr sz="2800" b="0" i="0" u="none" strike="noStrike" cap="none" dirty="0">
               <a:solidFill>
                 <a:schemeClr val="dk1"/>
               </a:solidFill>
@@ -33153,7 +33879,7 @@
               <a:buNone/>
             </a:pPr>
             <a:r>
-              <a:rPr lang="en-US" sz="2800" b="1" i="0" u="none" strike="noStrike" cap="none">
+              <a:rPr lang="en-US" sz="2800" b="1" i="0" u="none" strike="noStrike" cap="none" dirty="0">
                 <a:solidFill>
                   <a:srgbClr val="FF9F49"/>
                 </a:solidFill>
@@ -33165,7 +33891,7 @@
               <a:t>SELECT</a:t>
             </a:r>
             <a:r>
-              <a:rPr lang="en-US" sz="2800" b="0" i="0" u="none" strike="noStrike" cap="none">
+              <a:rPr lang="en-US" sz="2800" b="0" i="0" u="none" strike="noStrike" cap="none" dirty="0">
                 <a:solidFill>
                   <a:srgbClr val="FF9F49"/>
                 </a:solidFill>
@@ -33177,7 +33903,7 @@
               <a:t> </a:t>
             </a:r>
             <a:r>
-              <a:rPr lang="en-US" sz="2800" b="0" i="0" u="none" strike="noStrike" cap="none">
+              <a:rPr lang="en-US" sz="2800" b="0" i="0" u="none" strike="noStrike" cap="none" dirty="0">
                 <a:solidFill>
                   <a:schemeClr val="dk1"/>
                 </a:solidFill>
@@ -33188,7 +33914,144 @@
               </a:rPr>
               <a:t>* 			                                            </a:t>
             </a:r>
-            <a:endParaRPr sz="2800" b="0" i="0" u="none" strike="noStrike" cap="none">
+            <a:endParaRPr sz="2800" b="0" i="0" u="none" strike="noStrike" cap="none" dirty="0">
+              <a:solidFill>
+                <a:schemeClr val="dk1"/>
+              </a:solidFill>
+              <a:latin typeface="Arial"/>
+              <a:ea typeface="Arial"/>
+              <a:cs typeface="Arial"/>
+              <a:sym typeface="Arial"/>
+            </a:endParaRPr>
+          </a:p>
+          <a:p>
+            <a:pPr marL="0" lvl="0" indent="0">
+              <a:buClr>
+                <a:srgbClr val="FF9F49"/>
+              </a:buClr>
+              <a:buNone/>
+            </a:pPr>
+            <a:r>
+              <a:rPr lang="en-US" sz="2800" b="1" i="0" u="none" strike="noStrike" cap="none" dirty="0">
+                <a:solidFill>
+                  <a:srgbClr val="0070C0"/>
+                </a:solidFill>
+                <a:latin typeface="Arial"/>
+                <a:ea typeface="Arial"/>
+                <a:cs typeface="Arial"/>
+                <a:sym typeface="Arial"/>
+              </a:rPr>
+              <a:t>FROM</a:t>
+            </a:r>
+            <a:r>
+              <a:rPr lang="en-US" sz="2800" b="0" i="0" u="none" strike="noStrike" cap="none" dirty="0">
+                <a:solidFill>
+                  <a:srgbClr val="0070C0"/>
+                </a:solidFill>
+                <a:latin typeface="Arial"/>
+                <a:ea typeface="Arial"/>
+                <a:cs typeface="Arial"/>
+                <a:sym typeface="Arial"/>
+              </a:rPr>
+              <a:t> </a:t>
+            </a:r>
+            <a:r>
+              <a:rPr lang="en-US" sz="2800" b="0" i="0" u="none" strike="noStrike" cap="none" dirty="0" err="1">
+                <a:solidFill>
+                  <a:schemeClr val="dk1"/>
+                </a:solidFill>
+                <a:latin typeface="Arial"/>
+                <a:ea typeface="Arial"/>
+                <a:cs typeface="Arial"/>
+                <a:sym typeface="Arial"/>
+              </a:rPr>
+              <a:t>tutorial.oscar_nominees</a:t>
+            </a:r>
+            <a:r>
+              <a:rPr lang="en-US" sz="2800" b="0" i="0" u="none" strike="noStrike" cap="none" dirty="0">
+                <a:solidFill>
+                  <a:schemeClr val="dk1"/>
+                </a:solidFill>
+                <a:latin typeface="Arial"/>
+                <a:ea typeface="Arial"/>
+                <a:cs typeface="Arial"/>
+                <a:sym typeface="Arial"/>
+              </a:rPr>
+              <a:t> </a:t>
+            </a:r>
+            <a:r>
+              <a:rPr lang="en-US" b="1" dirty="0"/>
+              <a:t>AS </a:t>
+            </a:r>
+            <a:r>
+              <a:rPr lang="en-US" sz="2800" b="0" i="0" u="none" strike="noStrike" cap="none" dirty="0" err="1">
+                <a:solidFill>
+                  <a:schemeClr val="dk1"/>
+                </a:solidFill>
+                <a:latin typeface="Arial"/>
+                <a:ea typeface="Arial"/>
+                <a:cs typeface="Arial"/>
+                <a:sym typeface="Arial"/>
+              </a:rPr>
+              <a:t>noms</a:t>
+            </a:r>
+            <a:r>
+              <a:rPr lang="en-US" dirty="0"/>
+              <a:t>, </a:t>
+            </a:r>
+            <a:r>
+              <a:rPr lang="en-US" sz="2800" b="1" i="0" u="none" strike="noStrike" cap="none" dirty="0">
+                <a:solidFill>
+                  <a:srgbClr val="0070C0"/>
+                </a:solidFill>
+                <a:latin typeface="Arial"/>
+                <a:ea typeface="Arial"/>
+                <a:cs typeface="Arial"/>
+                <a:sym typeface="Arial"/>
+              </a:rPr>
+              <a:t> </a:t>
+            </a:r>
+            <a:r>
+              <a:rPr lang="en-US" sz="2800" b="0" i="0" u="none" strike="noStrike" cap="none" dirty="0" err="1">
+                <a:solidFill>
+                  <a:schemeClr val="dk1"/>
+                </a:solidFill>
+                <a:latin typeface="Arial"/>
+                <a:ea typeface="Arial"/>
+                <a:cs typeface="Arial"/>
+                <a:sym typeface="Arial"/>
+              </a:rPr>
+              <a:t>tutorial.nominee_filmography</a:t>
+            </a:r>
+            <a:r>
+              <a:rPr lang="en-US" sz="2800" b="0" i="0" u="none" strike="noStrike" cap="none" dirty="0">
+                <a:solidFill>
+                  <a:schemeClr val="dk1"/>
+                </a:solidFill>
+                <a:latin typeface="Arial"/>
+                <a:ea typeface="Arial"/>
+                <a:cs typeface="Arial"/>
+                <a:sym typeface="Arial"/>
+              </a:rPr>
+              <a:t> </a:t>
+            </a:r>
+            <a:r>
+              <a:rPr lang="en-US" b="1" dirty="0"/>
+              <a:t>AS </a:t>
+            </a:r>
+            <a:r>
+              <a:rPr lang="en-US" sz="2800" b="0" i="0" u="none" strike="noStrike" cap="none" dirty="0">
+                <a:solidFill>
+                  <a:schemeClr val="dk1"/>
+                </a:solidFill>
+                <a:latin typeface="Arial"/>
+                <a:ea typeface="Arial"/>
+                <a:cs typeface="Arial"/>
+                <a:sym typeface="Arial"/>
+              </a:rPr>
+              <a:t>films	</a:t>
+            </a:r>
+            <a:endParaRPr sz="2800" b="0" i="0" u="none" strike="noStrike" cap="none" dirty="0">
               <a:solidFill>
                 <a:schemeClr val="dk1"/>
               </a:solidFill>
@@ -33207,76 +34070,68 @@
                 <a:spcPts val="0"/>
               </a:spcAft>
               <a:buClr>
-                <a:srgbClr val="FF9F49"/>
+                <a:srgbClr val="0070C0"/>
               </a:buClr>
               <a:buFont typeface="Arial"/>
               <a:buNone/>
             </a:pPr>
             <a:r>
-              <a:rPr lang="en-US" sz="2800" b="1" i="0" u="none" strike="noStrike" cap="none">
+              <a:rPr lang="en-US" b="1" dirty="0">
+                <a:solidFill>
+                  <a:srgbClr val="7030A0"/>
+                </a:solidFill>
+              </a:rPr>
+              <a:t>WHERE</a:t>
+            </a:r>
+            <a:r>
+              <a:rPr lang="en-US" b="1" dirty="0">
                 <a:solidFill>
                   <a:srgbClr val="0070C0"/>
                 </a:solidFill>
-                <a:latin typeface="Arial"/>
-                <a:ea typeface="Arial"/>
-                <a:cs typeface="Arial"/>
-                <a:sym typeface="Arial"/>
-              </a:rPr>
-              <a:t>FROM</a:t>
-            </a:r>
-            <a:r>
-              <a:rPr lang="en-US" sz="2800" b="0" i="0" u="none" strike="noStrike" cap="none">
-                <a:solidFill>
-                  <a:srgbClr val="0070C0"/>
-                </a:solidFill>
-                <a:latin typeface="Arial"/>
-                <a:ea typeface="Arial"/>
-                <a:cs typeface="Arial"/>
-                <a:sym typeface="Arial"/>
               </a:rPr>
               <a:t> </a:t>
             </a:r>
             <a:r>
-              <a:rPr lang="en-US" sz="2800" b="0" i="0" u="none" strike="noStrike" cap="none">
-                <a:solidFill>
-                  <a:schemeClr val="dk1"/>
-                </a:solidFill>
-                <a:latin typeface="Arial"/>
-                <a:ea typeface="Arial"/>
-                <a:cs typeface="Arial"/>
-                <a:sym typeface="Arial"/>
-              </a:rPr>
-              <a:t>tutorial.oscar_nominees noms</a:t>
-            </a:r>
-            <a:r>
-              <a:rPr lang="en-US"/>
-              <a:t>, </a:t>
-            </a:r>
-            <a:r>
-              <a:rPr lang="en-US" sz="2800" b="1" i="0" u="none" strike="noStrike" cap="none">
-                <a:solidFill>
-                  <a:srgbClr val="0070C0"/>
-                </a:solidFill>
-                <a:latin typeface="Arial"/>
-                <a:ea typeface="Arial"/>
-                <a:cs typeface="Arial"/>
-                <a:sym typeface="Arial"/>
-              </a:rPr>
-              <a:t> </a:t>
-            </a:r>
-            <a:r>
-              <a:rPr lang="en-US" sz="2800" b="0" i="0" u="none" strike="noStrike" cap="none">
-                <a:solidFill>
-                  <a:schemeClr val="dk1"/>
-                </a:solidFill>
-                <a:latin typeface="Arial"/>
-                <a:ea typeface="Arial"/>
-                <a:cs typeface="Arial"/>
-                <a:sym typeface="Arial"/>
-              </a:rPr>
-              <a:t>tutorial.nominee_filmography films	</a:t>
-            </a:r>
-            <a:endParaRPr sz="2800" b="0" i="0" u="none" strike="noStrike" cap="none">
+              <a:rPr lang="en-US" sz="2800" b="0" i="0" u="none" strike="noStrike" cap="none" dirty="0" err="1">
+                <a:solidFill>
+                  <a:schemeClr val="dk1"/>
+                </a:solidFill>
+                <a:latin typeface="Arial"/>
+                <a:ea typeface="Arial"/>
+                <a:cs typeface="Arial"/>
+                <a:sym typeface="Arial"/>
+              </a:rPr>
+              <a:t>noms.nominee</a:t>
+            </a:r>
+            <a:r>
+              <a:rPr lang="en-US" sz="2800" b="0" i="0" u="none" strike="noStrike" cap="none" dirty="0">
+                <a:solidFill>
+                  <a:schemeClr val="dk1"/>
+                </a:solidFill>
+                <a:latin typeface="Arial"/>
+                <a:ea typeface="Arial"/>
+                <a:cs typeface="Arial"/>
+                <a:sym typeface="Arial"/>
+              </a:rPr>
+              <a:t>=films.name;</a:t>
+            </a:r>
+            <a:endParaRPr dirty="0"/>
+          </a:p>
+          <a:p>
+            <a:pPr marL="0" marR="0" lvl="0" indent="0" algn="l" rtl="0">
+              <a:spcBef>
+                <a:spcPts val="560"/>
+              </a:spcBef>
+              <a:spcAft>
+                <a:spcPts val="0"/>
+              </a:spcAft>
+              <a:buClr>
+                <a:schemeClr val="dk1"/>
+              </a:buClr>
+              <a:buFont typeface="Arial"/>
+              <a:buNone/>
+            </a:pPr>
+            <a:endParaRPr sz="2800" b="0" i="0" u="none" strike="noStrike" cap="none" dirty="0">
               <a:solidFill>
                 <a:schemeClr val="dk1"/>
               </a:solidFill>
@@ -33295,73 +34150,13 @@
                 <a:spcPts val="0"/>
               </a:spcAft>
               <a:buClr>
-                <a:srgbClr val="0070C0"/>
+                <a:schemeClr val="dk1"/>
               </a:buClr>
               <a:buFont typeface="Arial"/>
               <a:buNone/>
             </a:pPr>
             <a:r>
-              <a:rPr lang="en-US" b="1">
-                <a:solidFill>
-                  <a:srgbClr val="0070C0"/>
-                </a:solidFill>
-              </a:rPr>
-              <a:t>where </a:t>
-            </a:r>
-            <a:r>
-              <a:rPr lang="en-US" sz="2800" b="0" i="0" u="none" strike="noStrike" cap="none">
-                <a:solidFill>
-                  <a:schemeClr val="dk1"/>
-                </a:solidFill>
-                <a:latin typeface="Arial"/>
-                <a:ea typeface="Arial"/>
-                <a:cs typeface="Arial"/>
-                <a:sym typeface="Arial"/>
-              </a:rPr>
-              <a:t>noms.nominee=films.name;</a:t>
-            </a:r>
-            <a:endParaRPr/>
-          </a:p>
-          <a:p>
-            <a:pPr marL="0" marR="0" lvl="0" indent="0" algn="l" rtl="0">
-              <a:spcBef>
-                <a:spcPts val="560"/>
-              </a:spcBef>
-              <a:spcAft>
-                <a:spcPts val="0"/>
-              </a:spcAft>
-              <a:buClr>
-                <a:schemeClr val="dk1"/>
-              </a:buClr>
-              <a:buFont typeface="Arial"/>
-              <a:buNone/>
-            </a:pPr>
-            <a:endParaRPr sz="2800" b="0" i="0" u="none" strike="noStrike" cap="none">
-              <a:solidFill>
-                <a:schemeClr val="dk1"/>
-              </a:solidFill>
-              <a:latin typeface="Arial"/>
-              <a:ea typeface="Arial"/>
-              <a:cs typeface="Arial"/>
-              <a:sym typeface="Arial"/>
-            </a:endParaRPr>
-          </a:p>
-          <a:p>
-            <a:pPr marL="0" marR="0" lvl="0" indent="0" algn="l" rtl="0">
-              <a:spcBef>
-                <a:spcPts val="560"/>
-              </a:spcBef>
-              <a:spcAft>
-                <a:spcPts val="0"/>
-              </a:spcAft>
-              <a:buClr>
-                <a:schemeClr val="dk1"/>
-              </a:buClr>
-              <a:buFont typeface="Arial"/>
-              <a:buNone/>
-            </a:pPr>
-            <a:r>
-              <a:rPr lang="en-US" sz="2800" b="0" i="0" u="none" strike="noStrike" cap="none">
+              <a:rPr lang="en-US" sz="2800" b="0" i="0" u="none" strike="noStrike" cap="none" dirty="0">
                 <a:solidFill>
                   <a:schemeClr val="dk1"/>
                 </a:solidFill>
@@ -33372,7 +34167,7 @@
               </a:rPr>
               <a:t>This will output only rows where the values line up</a:t>
             </a:r>
-            <a:endParaRPr sz="2800" b="0" i="0" u="none" strike="noStrike" cap="none">
+            <a:endParaRPr sz="2800" b="0" i="0" u="none" strike="noStrike" cap="none" dirty="0">
               <a:solidFill>
                 <a:schemeClr val="dk1"/>
               </a:solidFill>
@@ -33474,7 +34269,7 @@
                                         <p:tgtEl>
                                           <p:spTgt spid="277">
                                             <p:txEl>
-                                              <p:pRg st="1" end="1"/>
+                                              <p:pRg st="2" end="2"/>
                                             </p:txEl>
                                           </p:spTgt>
                                         </p:tgtEl>
@@ -33523,7 +34318,7 @@
                                         <p:tgtEl>
                                           <p:spTgt spid="277">
                                             <p:txEl>
-                                              <p:pRg st="2" end="2"/>
+                                              <p:pRg st="3" end="3"/>
                                             </p:txEl>
                                           </p:spTgt>
                                         </p:tgtEl>
@@ -33572,7 +34367,7 @@
                                         <p:tgtEl>
                                           <p:spTgt spid="277">
                                             <p:txEl>
-                                              <p:pRg st="3" end="3"/>
+                                              <p:pRg st="4" end="4"/>
                                             </p:txEl>
                                           </p:spTgt>
                                         </p:tgtEl>
@@ -33614,104 +34409,6 @@
                                     <p:set>
                                       <p:cBhvr>
                                         <p:cTn id="22" dur="1" fill="hold">
-                                          <p:stCondLst>
-                                            <p:cond delay="0"/>
-                                          </p:stCondLst>
-                                        </p:cTn>
-                                        <p:tgtEl>
-                                          <p:spTgt spid="277">
-                                            <p:txEl>
-                                              <p:pRg st="4" end="4"/>
-                                            </p:txEl>
-                                          </p:spTgt>
-                                        </p:tgtEl>
-                                        <p:attrNameLst>
-                                          <p:attrName>style.visibility</p:attrName>
-                                        </p:attrNameLst>
-                                      </p:cBhvr>
-                                      <p:to>
-                                        <p:strVal val="visible"/>
-                                      </p:to>
-                                    </p:set>
-                                  </p:childTnLst>
-                                </p:cTn>
-                              </p:par>
-                            </p:childTnLst>
-                          </p:cTn>
-                        </p:par>
-                      </p:childTnLst>
-                    </p:cTn>
-                  </p:par>
-                  <p:par>
-                    <p:cTn id="23" fill="hold">
-                      <p:stCondLst>
-                        <p:cond delay="indefinite"/>
-                      </p:stCondLst>
-                      <p:childTnLst>
-                        <p:par>
-                          <p:cTn id="24" fill="hold">
-                            <p:stCondLst>
-                              <p:cond delay="0"/>
-                            </p:stCondLst>
-                            <p:childTnLst>
-                              <p:par>
-                                <p:cTn id="25" presetID="1" presetClass="entr" presetSubtype="0" fill="hold" nodeType="clickEffect">
-                                  <p:stCondLst>
-                                    <p:cond delay="0"/>
-                                  </p:stCondLst>
-                                  <p:childTnLst>
-                                    <p:set>
-                                      <p:cBhvr>
-                                        <p:cTn id="26" dur="1" fill="hold">
-                                          <p:stCondLst>
-                                            <p:cond delay="0"/>
-                                          </p:stCondLst>
-                                        </p:cTn>
-                                        <p:tgtEl>
-                                          <p:spTgt spid="277">
-                                            <p:txEl>
-                                              <p:pRg st="5" end="5"/>
-                                            </p:txEl>
-                                          </p:spTgt>
-                                        </p:tgtEl>
-                                        <p:attrNameLst>
-                                          <p:attrName>style.visibility</p:attrName>
-                                        </p:attrNameLst>
-                                      </p:cBhvr>
-                                      <p:to>
-                                        <p:strVal val="visible"/>
-                                      </p:to>
-                                    </p:set>
-                                  </p:childTnLst>
-                                </p:cTn>
-                              </p:par>
-                            </p:childTnLst>
-                          </p:cTn>
-                        </p:par>
-                      </p:childTnLst>
-                    </p:cTn>
-                  </p:par>
-                  <p:par>
-                    <p:cTn id="27" fill="hold">
-                      <p:stCondLst>
-                        <p:cond delay="indefinite"/>
-                      </p:stCondLst>
-                      <p:childTnLst>
-                        <p:par>
-                          <p:cTn id="28" fill="hold">
-                            <p:stCondLst>
-                              <p:cond delay="0"/>
-                            </p:stCondLst>
-                            <p:childTnLst>
-                              <p:par>
-                                <p:cTn id="29" presetID="1" presetClass="entr" presetSubtype="0" fill="hold" nodeType="clickEffect">
-                                  <p:stCondLst>
-                                    <p:cond delay="0"/>
-                                  </p:stCondLst>
-                                  <p:childTnLst>
-                                    <p:set>
-                                      <p:cBhvr>
-                                        <p:cTn id="30" dur="1" fill="hold">
                                           <p:stCondLst>
                                             <p:cond delay="0"/>
                                           </p:stCondLst>
@@ -33821,7 +34518,7 @@
               <a:buNone/>
             </a:pPr>
             <a:r>
-              <a:rPr lang="en-US" sz="3600" b="1" i="0" u="none" strike="noStrike" cap="none">
+              <a:rPr lang="en-US" sz="3600" b="1" i="0" u="none" strike="noStrike" cap="none" dirty="0">
                 <a:solidFill>
                   <a:srgbClr val="820000"/>
                 </a:solidFill>
@@ -33832,7 +34529,7 @@
               </a:rPr>
               <a:t>Try it out</a:t>
             </a:r>
-            <a:endParaRPr sz="3600" b="1" i="0" u="none" strike="noStrike" cap="none">
+            <a:endParaRPr sz="3600" b="1" i="0" u="none" strike="noStrike" cap="none" dirty="0">
               <a:solidFill>
                 <a:srgbClr val="820000"/>
               </a:solidFill>
@@ -33887,7 +34584,7 @@
               <a:buNone/>
             </a:pPr>
             <a:r>
-              <a:rPr lang="en-US" sz="2000" b="1" i="0" u="none" strike="noStrike" cap="none">
+              <a:rPr lang="en-US" sz="2000" b="1" i="0" u="none" strike="noStrike" cap="none" dirty="0">
                 <a:solidFill>
                   <a:srgbClr val="FF9F49"/>
                 </a:solidFill>
@@ -33899,7 +34596,7 @@
               <a:t>SELECT</a:t>
             </a:r>
             <a:r>
-              <a:rPr lang="en-US" sz="2000" b="0" i="0" u="none" strike="noStrike" cap="none">
+              <a:rPr lang="en-US" sz="2000" b="0" i="0" u="none" strike="noStrike" cap="none" dirty="0">
                 <a:solidFill>
                   <a:srgbClr val="FF9F49"/>
                 </a:solidFill>
@@ -33911,18 +34608,105 @@
               <a:t> </a:t>
             </a:r>
             <a:r>
-              <a:rPr lang="en-US" sz="2000" b="0" i="0" u="none" strike="noStrike" cap="none">
-                <a:solidFill>
-                  <a:schemeClr val="dk1"/>
-                </a:solidFill>
-                <a:latin typeface="Arial"/>
-                <a:ea typeface="Arial"/>
-                <a:cs typeface="Arial"/>
-                <a:sym typeface="Arial"/>
-              </a:rPr>
-              <a:t>* 			                                       		     </a:t>
-            </a:r>
-            <a:endParaRPr sz="2000" b="0" i="0" u="none" strike="noStrike" cap="none">
+              <a:rPr lang="en-US" sz="2000" b="0" i="0" u="none" strike="noStrike" cap="none" dirty="0">
+                <a:solidFill>
+                  <a:schemeClr val="dk1"/>
+                </a:solidFill>
+                <a:latin typeface="Arial"/>
+                <a:ea typeface="Arial"/>
+                <a:cs typeface="Arial"/>
+                <a:sym typeface="Arial"/>
+              </a:rPr>
+              <a:t>*</a:t>
+            </a:r>
+          </a:p>
+          <a:p>
+            <a:pPr marL="0" marR="0" lvl="0" indent="0" algn="l" rtl="0">
+              <a:spcBef>
+                <a:spcPts val="0"/>
+              </a:spcBef>
+              <a:spcAft>
+                <a:spcPts val="0"/>
+              </a:spcAft>
+              <a:buClr>
+                <a:srgbClr val="FF9F49"/>
+              </a:buClr>
+              <a:buFont typeface="Arial"/>
+              <a:buNone/>
+            </a:pPr>
+            <a:r>
+              <a:rPr lang="en-US" sz="2000" b="1" i="0" u="none" strike="noStrike" cap="none" dirty="0">
+                <a:solidFill>
+                  <a:srgbClr val="0070C0"/>
+                </a:solidFill>
+                <a:latin typeface="Arial"/>
+                <a:ea typeface="Arial"/>
+                <a:cs typeface="Arial"/>
+                <a:sym typeface="Arial"/>
+              </a:rPr>
+              <a:t>FROM</a:t>
+            </a:r>
+            <a:r>
+              <a:rPr lang="en-US" sz="2000" b="0" i="0" u="none" strike="noStrike" cap="none" dirty="0">
+                <a:solidFill>
+                  <a:srgbClr val="0070C0"/>
+                </a:solidFill>
+                <a:latin typeface="Arial"/>
+                <a:ea typeface="Arial"/>
+                <a:cs typeface="Arial"/>
+                <a:sym typeface="Arial"/>
+              </a:rPr>
+              <a:t> </a:t>
+            </a:r>
+            <a:r>
+              <a:rPr lang="en-US" sz="2000" b="0" i="0" u="none" strike="noStrike" cap="none" dirty="0" err="1">
+                <a:solidFill>
+                  <a:schemeClr val="dk1"/>
+                </a:solidFill>
+                <a:latin typeface="Arial"/>
+                <a:ea typeface="Arial"/>
+                <a:cs typeface="Arial"/>
+                <a:sym typeface="Arial"/>
+              </a:rPr>
+              <a:t>tutorial.oscar_nominees</a:t>
+            </a:r>
+            <a:r>
+              <a:rPr lang="en-US" sz="2000" b="0" i="0" u="none" strike="noStrike" cap="none" dirty="0">
+                <a:solidFill>
+                  <a:schemeClr val="dk1"/>
+                </a:solidFill>
+                <a:latin typeface="Arial"/>
+                <a:ea typeface="Arial"/>
+                <a:cs typeface="Arial"/>
+                <a:sym typeface="Arial"/>
+              </a:rPr>
+              <a:t> </a:t>
+            </a:r>
+            <a:r>
+              <a:rPr lang="en-US" sz="2000" b="1" i="0" u="none" strike="noStrike" cap="none" dirty="0">
+                <a:solidFill>
+                  <a:schemeClr val="dk1"/>
+                </a:solidFill>
+                <a:latin typeface="Arial"/>
+                <a:ea typeface="Arial"/>
+                <a:cs typeface="Arial"/>
+                <a:sym typeface="Arial"/>
+              </a:rPr>
+              <a:t>AS </a:t>
+            </a:r>
+            <a:r>
+              <a:rPr lang="en-US" sz="2000" b="0" i="0" u="none" strike="noStrike" cap="none" dirty="0" err="1">
+                <a:solidFill>
+                  <a:schemeClr val="dk1"/>
+                </a:solidFill>
+                <a:latin typeface="Arial"/>
+                <a:ea typeface="Arial"/>
+                <a:cs typeface="Arial"/>
+                <a:sym typeface="Arial"/>
+              </a:rPr>
+              <a:t>noms</a:t>
+            </a:r>
+            <a:endParaRPr lang="en-US" sz="2000" b="0" i="0" u="none" strike="noStrike" cap="none" dirty="0">
               <a:solidFill>
                 <a:schemeClr val="dk1"/>
               </a:solidFill>
@@ -33947,7 +34731,7 @@
               <a:buNone/>
             </a:pPr>
             <a:r>
-              <a:rPr lang="en-US" sz="2000" b="1" i="0" u="none" strike="noStrike" cap="none">
+              <a:rPr lang="en-US" sz="2000" b="1" i="0" u="none" strike="noStrike" cap="none" dirty="0">
                 <a:solidFill>
                   <a:srgbClr val="0070C0"/>
                 </a:solidFill>
@@ -33956,10 +34740,74 @@
                 <a:cs typeface="Arial"/>
                 <a:sym typeface="Arial"/>
               </a:rPr>
-              <a:t>FROM</a:t>
-            </a:r>
-            <a:r>
-              <a:rPr lang="en-US" sz="2000" b="0" i="0" u="none" strike="noStrike" cap="none">
+              <a:t>INNER JOIN </a:t>
+            </a:r>
+            <a:r>
+              <a:rPr lang="en-US" sz="2000" b="0" i="0" u="none" strike="noStrike" cap="none" dirty="0" err="1">
+                <a:solidFill>
+                  <a:schemeClr val="dk1"/>
+                </a:solidFill>
+                <a:latin typeface="Arial"/>
+                <a:ea typeface="Arial"/>
+                <a:cs typeface="Arial"/>
+                <a:sym typeface="Arial"/>
+              </a:rPr>
+              <a:t>tutorial.nominee_filmography</a:t>
+            </a:r>
+            <a:r>
+              <a:rPr lang="en-US" sz="2000" b="0" i="0" u="none" strike="noStrike" cap="none" dirty="0">
+                <a:solidFill>
+                  <a:schemeClr val="dk1"/>
+                </a:solidFill>
+                <a:latin typeface="Arial"/>
+                <a:ea typeface="Arial"/>
+                <a:cs typeface="Arial"/>
+                <a:sym typeface="Arial"/>
+              </a:rPr>
+              <a:t> </a:t>
+            </a:r>
+            <a:r>
+              <a:rPr lang="en-US" sz="2000" b="1" i="0" u="none" strike="noStrike" cap="none" dirty="0">
+                <a:solidFill>
+                  <a:schemeClr val="dk1"/>
+                </a:solidFill>
+                <a:latin typeface="Arial"/>
+                <a:ea typeface="Arial"/>
+                <a:cs typeface="Arial"/>
+                <a:sym typeface="Arial"/>
+              </a:rPr>
+              <a:t>AS </a:t>
+            </a:r>
+            <a:r>
+              <a:rPr lang="en-US" sz="2000" b="0" i="0" u="none" strike="noStrike" cap="none" dirty="0">
+                <a:solidFill>
+                  <a:schemeClr val="dk1"/>
+                </a:solidFill>
+                <a:latin typeface="Arial"/>
+                <a:ea typeface="Arial"/>
+                <a:cs typeface="Arial"/>
+                <a:sym typeface="Arial"/>
+              </a:rPr>
+              <a:t>films</a:t>
+            </a:r>
+            <a:endParaRPr lang="en-US" dirty="0"/>
+          </a:p>
+          <a:p>
+            <a:pPr marL="0" marR="0" lvl="0" indent="0" algn="l" rtl="0">
+              <a:spcBef>
+                <a:spcPts val="0"/>
+              </a:spcBef>
+              <a:spcAft>
+                <a:spcPts val="0"/>
+              </a:spcAft>
+              <a:buClr>
+                <a:srgbClr val="FF9F49"/>
+              </a:buClr>
+              <a:buFont typeface="Arial"/>
+              <a:buNone/>
+            </a:pPr>
+            <a:r>
+              <a:rPr lang="en-US" sz="2000" b="1" i="0" u="none" strike="noStrike" cap="none" dirty="0">
                 <a:solidFill>
                   <a:srgbClr val="0070C0"/>
                 </a:solidFill>
@@ -33968,21 +34816,61 @@
                 <a:cs typeface="Arial"/>
                 <a:sym typeface="Arial"/>
               </a:rPr>
+              <a:t>ON</a:t>
+            </a:r>
+            <a:r>
+              <a:rPr lang="en-US" sz="2000" b="0" i="0" u="none" strike="noStrike" cap="none" dirty="0">
+                <a:solidFill>
+                  <a:srgbClr val="0070C0"/>
+                </a:solidFill>
+                <a:latin typeface="Arial"/>
+                <a:ea typeface="Arial"/>
+                <a:cs typeface="Arial"/>
+                <a:sym typeface="Arial"/>
+              </a:rPr>
               <a:t> </a:t>
             </a:r>
             <a:r>
-              <a:rPr lang="en-US" sz="2000" b="0" i="0" u="none" strike="noStrike" cap="none">
-                <a:solidFill>
-                  <a:schemeClr val="dk1"/>
-                </a:solidFill>
-                <a:latin typeface="Arial"/>
-                <a:ea typeface="Arial"/>
-                <a:cs typeface="Arial"/>
-                <a:sym typeface="Arial"/>
-              </a:rPr>
-              <a:t>tutorial.oscar_nominees noms		        	  	   </a:t>
-            </a:r>
-            <a:endParaRPr sz="2000" b="0" i="0" u="none" strike="noStrike" cap="none">
+              <a:rPr lang="en-US" sz="2000" b="0" i="0" u="none" strike="noStrike" cap="none" dirty="0" err="1">
+                <a:solidFill>
+                  <a:schemeClr val="dk1"/>
+                </a:solidFill>
+                <a:latin typeface="Arial"/>
+                <a:ea typeface="Arial"/>
+                <a:cs typeface="Arial"/>
+                <a:sym typeface="Arial"/>
+              </a:rPr>
+              <a:t>noms.nominee</a:t>
+            </a:r>
+            <a:r>
+              <a:rPr lang="en-US" sz="2000" b="0" i="0" u="none" strike="noStrike" cap="none" dirty="0">
+                <a:solidFill>
+                  <a:schemeClr val="dk1"/>
+                </a:solidFill>
+                <a:latin typeface="Arial"/>
+                <a:ea typeface="Arial"/>
+                <a:cs typeface="Arial"/>
+                <a:sym typeface="Arial"/>
+              </a:rPr>
+              <a:t>=films.name;</a:t>
+            </a:r>
+            <a:endParaRPr dirty="0"/>
+          </a:p>
+          <a:p>
+            <a:pPr marL="0" marR="0" lvl="0" indent="0" algn="l" rtl="0">
+              <a:spcBef>
+                <a:spcPts val="400"/>
+              </a:spcBef>
+              <a:spcAft>
+                <a:spcPts val="0"/>
+              </a:spcAft>
+              <a:buClr>
+                <a:schemeClr val="dk1"/>
+              </a:buClr>
+              <a:buFont typeface="Arial"/>
+              <a:buNone/>
+            </a:pPr>
+            <a:endParaRPr sz="2000" b="0" i="0" u="none" strike="noStrike" cap="none" dirty="0">
               <a:solidFill>
                 <a:schemeClr val="dk1"/>
               </a:solidFill>
@@ -33995,110 +34883,18 @@
           <a:p>
             <a:pPr marL="0" marR="0" lvl="0" indent="0" algn="l" rtl="0">
               <a:spcBef>
-                <a:spcPts val="0"/>
+                <a:spcPts val="400"/>
               </a:spcBef>
               <a:spcAft>
                 <a:spcPts val="0"/>
               </a:spcAft>
               <a:buClr>
-                <a:srgbClr val="FF9F49"/>
+                <a:schemeClr val="dk1"/>
               </a:buClr>
               <a:buFont typeface="Arial"/>
               <a:buNone/>
             </a:pPr>
-            <a:r>
-              <a:rPr lang="en-US" sz="2000" b="1" i="0" u="none" strike="noStrike" cap="none">
-                <a:solidFill>
-                  <a:srgbClr val="0070C0"/>
-                </a:solidFill>
-                <a:latin typeface="Arial"/>
-                <a:ea typeface="Arial"/>
-                <a:cs typeface="Arial"/>
-                <a:sym typeface="Arial"/>
-              </a:rPr>
-              <a:t>INNER JOIN </a:t>
-            </a:r>
-            <a:r>
-              <a:rPr lang="en-US" sz="2000" b="0" i="0" u="none" strike="noStrike" cap="none">
-                <a:solidFill>
-                  <a:schemeClr val="dk1"/>
-                </a:solidFill>
-                <a:latin typeface="Arial"/>
-                <a:ea typeface="Arial"/>
-                <a:cs typeface="Arial"/>
-                <a:sym typeface="Arial"/>
-              </a:rPr>
-              <a:t>tutorial.nominee_filmography films	</a:t>
-            </a:r>
-            <a:endParaRPr/>
-          </a:p>
-          <a:p>
-            <a:pPr marL="0" marR="0" lvl="0" indent="0" algn="l" rtl="0">
-              <a:spcBef>
-                <a:spcPts val="400"/>
-              </a:spcBef>
-              <a:spcAft>
-                <a:spcPts val="0"/>
-              </a:spcAft>
-              <a:buClr>
-                <a:srgbClr val="0070C0"/>
-              </a:buClr>
-              <a:buFont typeface="Arial"/>
-              <a:buNone/>
-            </a:pPr>
-            <a:r>
-              <a:rPr lang="en-US" sz="2000" b="1" i="0" u="none" strike="noStrike" cap="none">
-                <a:solidFill>
-                  <a:srgbClr val="0070C0"/>
-                </a:solidFill>
-                <a:latin typeface="Arial"/>
-                <a:ea typeface="Arial"/>
-                <a:cs typeface="Arial"/>
-                <a:sym typeface="Arial"/>
-              </a:rPr>
-              <a:t>ON</a:t>
-            </a:r>
-            <a:r>
-              <a:rPr lang="en-US" sz="2000" b="0" i="0" u="none" strike="noStrike" cap="none">
-                <a:solidFill>
-                  <a:srgbClr val="0070C0"/>
-                </a:solidFill>
-                <a:latin typeface="Arial"/>
-                <a:ea typeface="Arial"/>
-                <a:cs typeface="Arial"/>
-                <a:sym typeface="Arial"/>
-              </a:rPr>
-              <a:t> </a:t>
-            </a:r>
-            <a:r>
-              <a:rPr lang="en-US" sz="2000" b="0" i="0" u="none" strike="noStrike" cap="none">
-                <a:solidFill>
-                  <a:schemeClr val="dk1"/>
-                </a:solidFill>
-                <a:latin typeface="Arial"/>
-                <a:ea typeface="Arial"/>
-                <a:cs typeface="Arial"/>
-                <a:sym typeface="Arial"/>
-              </a:rPr>
-              <a:t>noms.nominee=films.name;</a:t>
-            </a:r>
-            <a:endParaRPr/>
-          </a:p>
-          <a:p>
-            <a:pPr marL="0" marR="0" lvl="0" indent="0" algn="l" rtl="0">
-              <a:spcBef>
-                <a:spcPts val="400"/>
-              </a:spcBef>
-              <a:spcAft>
-                <a:spcPts val="0"/>
-              </a:spcAft>
-              <a:buClr>
-                <a:schemeClr val="dk1"/>
-              </a:buClr>
-              <a:buFont typeface="Arial"/>
-              <a:buNone/>
-            </a:pPr>
-            <a:endParaRPr sz="2000" b="0" i="0" u="none" strike="noStrike" cap="none">
+            <a:endParaRPr sz="2000" b="0" i="0" u="none" strike="noStrike" cap="none" dirty="0">
               <a:solidFill>
                 <a:schemeClr val="dk1"/>
               </a:solidFill>
@@ -34122,7 +34918,67 @@
               <a:buFont typeface="Arial"/>
               <a:buNone/>
             </a:pPr>
-            <a:endParaRPr sz="2000" b="0" i="0" u="none" strike="noStrike" cap="none">
+            <a:r>
+              <a:rPr lang="en-US" sz="2000" b="1" i="0" u="none" strike="noStrike" cap="none" dirty="0">
+                <a:solidFill>
+                  <a:schemeClr val="dk1"/>
+                </a:solidFill>
+                <a:latin typeface="Arial"/>
+                <a:ea typeface="Arial"/>
+                <a:cs typeface="Arial"/>
+                <a:sym typeface="Arial"/>
+              </a:rPr>
+              <a:t>What is the top genre of the best actor winner in 2012? (Hint: Use the tables </a:t>
+            </a:r>
+            <a:r>
+              <a:rPr lang="en-US" sz="2000" b="1" i="0" u="none" strike="noStrike" cap="none" dirty="0" err="1">
+                <a:solidFill>
+                  <a:schemeClr val="dk1"/>
+                </a:solidFill>
+                <a:latin typeface="Arial"/>
+                <a:ea typeface="Arial"/>
+                <a:cs typeface="Arial"/>
+                <a:sym typeface="Arial"/>
+              </a:rPr>
+              <a:t>nominee_information</a:t>
+            </a:r>
+            <a:r>
+              <a:rPr lang="en-US" sz="2000" b="1" i="0" u="none" strike="noStrike" cap="none" dirty="0">
+                <a:solidFill>
+                  <a:schemeClr val="dk1"/>
+                </a:solidFill>
+                <a:latin typeface="Arial"/>
+                <a:ea typeface="Arial"/>
+                <a:cs typeface="Arial"/>
+                <a:sym typeface="Arial"/>
+              </a:rPr>
+              <a:t> and </a:t>
+            </a:r>
+            <a:r>
+              <a:rPr lang="en-US" sz="2000" b="1" i="0" u="none" strike="noStrike" cap="none" dirty="0" err="1">
+                <a:solidFill>
+                  <a:schemeClr val="dk1"/>
+                </a:solidFill>
+                <a:latin typeface="Arial"/>
+                <a:ea typeface="Arial"/>
+                <a:cs typeface="Arial"/>
+                <a:sym typeface="Arial"/>
+              </a:rPr>
+              <a:t>oscar_nominees</a:t>
+            </a:r>
+            <a:r>
+              <a:rPr lang="en-US" sz="2000" b="1" i="0" u="none" strike="noStrike" cap="none" dirty="0">
+                <a:solidFill>
+                  <a:schemeClr val="dk1"/>
+                </a:solidFill>
+                <a:latin typeface="Arial"/>
+                <a:ea typeface="Arial"/>
+                <a:cs typeface="Arial"/>
+                <a:sym typeface="Arial"/>
+              </a:rPr>
+              <a:t>)</a:t>
+            </a:r>
+            <a:endParaRPr sz="2000" b="1" i="0" u="none" strike="noStrike" cap="none" dirty="0">
               <a:solidFill>
                 <a:schemeClr val="dk1"/>
               </a:solidFill>
@@ -34146,19 +35002,7 @@
               <a:buFont typeface="Arial"/>
               <a:buNone/>
             </a:pPr>
-            <a:r>
-              <a:rPr lang="en-US" sz="2000" b="1" i="0" u="none" strike="noStrike" cap="none">
-                <a:solidFill>
-                  <a:schemeClr val="dk1"/>
-                </a:solidFill>
-                <a:latin typeface="Arial"/>
-                <a:ea typeface="Arial"/>
-                <a:cs typeface="Arial"/>
-                <a:sym typeface="Arial"/>
-              </a:rPr>
-              <a:t>What is the top genre of the best actor winner in 2012? (Hint: Use the tables nominee_information and oscar_nominees)</a:t>
-            </a:r>
-            <a:endParaRPr sz="2000" b="1" i="0" u="none" strike="noStrike" cap="none">
+            <a:endParaRPr sz="2000" b="1" i="0" u="none" strike="noStrike" cap="none" dirty="0">
               <a:solidFill>
                 <a:schemeClr val="dk1"/>
               </a:solidFill>
@@ -34177,37 +35021,13 @@
                 <a:spcPts val="0"/>
               </a:spcAft>
               <a:buClr>
-                <a:schemeClr val="dk1"/>
-              </a:buClr>
-              <a:buFont typeface="Arial"/>
-              <a:buNone/>
-            </a:pPr>
-            <a:endParaRPr sz="2000" b="1" i="0" u="none" strike="noStrike" cap="none">
-              <a:solidFill>
-                <a:schemeClr val="dk1"/>
-              </a:solidFill>
-              <a:latin typeface="Arial"/>
-              <a:ea typeface="Arial"/>
-              <a:cs typeface="Arial"/>
-              <a:sym typeface="Arial"/>
-            </a:endParaRPr>
-          </a:p>
-          <a:p>
-            <a:pPr marL="0" marR="0" lvl="0" indent="0" algn="l" rtl="0">
-              <a:spcBef>
-                <a:spcPts val="400"/>
-              </a:spcBef>
-              <a:spcAft>
-                <a:spcPts val="0"/>
-              </a:spcAft>
-              <a:buClr>
                 <a:srgbClr val="FF0000"/>
               </a:buClr>
               <a:buFont typeface="Arial"/>
               <a:buNone/>
             </a:pPr>
             <a:r>
-              <a:rPr lang="en-US" sz="2000" b="1" i="0" u="none" strike="noStrike" cap="none">
+              <a:rPr lang="en-US" sz="2000" b="1" i="0" u="none" strike="noStrike" cap="none" dirty="0">
                 <a:solidFill>
                   <a:srgbClr val="FF0000"/>
                 </a:solidFill>
@@ -34216,9 +35036,57 @@
                 <a:cs typeface="Arial"/>
                 <a:sym typeface="Arial"/>
               </a:rPr>
-              <a:t>(Double Bonus) What is the birthday of the actress who has been nominated for the most oscars? What about the actor who won the most oscars?</a:t>
-            </a:r>
-            <a:endParaRPr sz="2000" b="1" i="0" u="none" strike="noStrike" cap="none">
+              <a:t>(Double Bonus) What is the birthday of the actress who has been nominated for the most </a:t>
+            </a:r>
+            <a:r>
+              <a:rPr lang="en-US" sz="2000" b="1" i="0" u="none" strike="noStrike" cap="none" dirty="0" err="1">
+                <a:solidFill>
+                  <a:srgbClr val="FF0000"/>
+                </a:solidFill>
+                <a:latin typeface="Arial"/>
+                <a:ea typeface="Arial"/>
+                <a:cs typeface="Arial"/>
+                <a:sym typeface="Arial"/>
+              </a:rPr>
+              <a:t>oscars</a:t>
+            </a:r>
+            <a:r>
+              <a:rPr lang="en-US" sz="2000" b="1" i="0" u="none" strike="noStrike" cap="none" dirty="0">
+                <a:solidFill>
+                  <a:srgbClr val="FF0000"/>
+                </a:solidFill>
+                <a:latin typeface="Arial"/>
+                <a:ea typeface="Arial"/>
+                <a:cs typeface="Arial"/>
+                <a:sym typeface="Arial"/>
+              </a:rPr>
+              <a:t>? What about the actor who won the most </a:t>
+            </a:r>
+            <a:r>
+              <a:rPr lang="en-US" sz="2000" b="1" i="0" u="none" strike="noStrike" cap="none" dirty="0" err="1">
+                <a:solidFill>
+                  <a:srgbClr val="FF0000"/>
+                </a:solidFill>
+                <a:latin typeface="Arial"/>
+                <a:ea typeface="Arial"/>
+                <a:cs typeface="Arial"/>
+                <a:sym typeface="Arial"/>
+              </a:rPr>
+              <a:t>oscars</a:t>
+            </a:r>
+            <a:r>
+              <a:rPr lang="en-US" sz="2000" b="1" i="0" u="none" strike="noStrike" cap="none" dirty="0">
+                <a:solidFill>
+                  <a:srgbClr val="FF0000"/>
+                </a:solidFill>
+                <a:latin typeface="Arial"/>
+                <a:ea typeface="Arial"/>
+                <a:cs typeface="Arial"/>
+                <a:sym typeface="Arial"/>
+              </a:rPr>
+              <a:t>?</a:t>
+            </a:r>
+            <a:endParaRPr sz="2000" b="1" i="0" u="none" strike="noStrike" cap="none" dirty="0">
               <a:solidFill>
                 <a:schemeClr val="dk1"/>
               </a:solidFill>
@@ -37541,7 +38409,7 @@
               <a:buNone/>
             </a:pPr>
             <a:r>
-              <a:rPr lang="en-US" sz="1800" b="1">
+              <a:rPr lang="en-US" sz="1800" b="1" dirty="0">
                 <a:solidFill>
                   <a:srgbClr val="FFC000"/>
                 </a:solidFill>
@@ -37553,7 +38421,7 @@
               <a:t>SELECT</a:t>
             </a:r>
             <a:r>
-              <a:rPr lang="en-US" sz="1800">
+              <a:rPr lang="en-US" sz="1800" dirty="0">
                 <a:solidFill>
                   <a:srgbClr val="FFC000"/>
                 </a:solidFill>
@@ -37565,7 +38433,7 @@
               <a:t> </a:t>
             </a:r>
             <a:r>
-              <a:rPr lang="en-US" sz="1800">
+              <a:rPr lang="en-US" sz="1800" dirty="0">
                 <a:solidFill>
                   <a:schemeClr val="dk1"/>
                 </a:solidFill>
@@ -37576,7 +38444,7 @@
               </a:rPr>
               <a:t>*</a:t>
             </a:r>
-            <a:endParaRPr/>
+            <a:endParaRPr dirty="0"/>
           </a:p>
           <a:p>
             <a:pPr marL="0" marR="0" lvl="0" indent="0" algn="l" rtl="0">
@@ -37589,7 +38457,7 @@
               <a:buNone/>
             </a:pPr>
             <a:r>
-              <a:rPr lang="en-US" sz="1800" b="1">
+              <a:rPr lang="en-US" sz="1800" b="1" dirty="0">
                 <a:solidFill>
                   <a:srgbClr val="0070C0"/>
                 </a:solidFill>
@@ -37601,7 +38469,7 @@
               <a:t>FROM</a:t>
             </a:r>
             <a:r>
-              <a:rPr lang="en-US" sz="1800">
+              <a:rPr lang="en-US" sz="1800" dirty="0">
                 <a:solidFill>
                   <a:srgbClr val="0070C0"/>
                 </a:solidFill>
@@ -37613,7 +38481,7 @@
               <a:t> </a:t>
             </a:r>
             <a:r>
-              <a:rPr lang="en-US" sz="1800">
+              <a:rPr lang="en-US" sz="1800" dirty="0">
                 <a:solidFill>
                   <a:schemeClr val="dk1"/>
                 </a:solidFill>
@@ -37624,7 +38492,7 @@
               </a:rPr>
               <a:t>A</a:t>
             </a:r>
-            <a:endParaRPr/>
+            <a:endParaRPr dirty="0"/>
           </a:p>
           <a:p>
             <a:pPr marL="0" marR="0" lvl="0" indent="0" algn="l" rtl="0">
@@ -37637,7 +38505,7 @@
               <a:buNone/>
             </a:pPr>
             <a:r>
-              <a:rPr lang="en-US" sz="1800" b="1">
+              <a:rPr lang="en-US" sz="1800" b="1" dirty="0">
                 <a:solidFill>
                   <a:srgbClr val="0070C0"/>
                 </a:solidFill>
@@ -37649,7 +38517,7 @@
               <a:t>LEFT JOIN</a:t>
             </a:r>
             <a:r>
-              <a:rPr lang="en-US" sz="1800">
+              <a:rPr lang="en-US" sz="1800" dirty="0">
                 <a:solidFill>
                   <a:schemeClr val="dk1"/>
                 </a:solidFill>
@@ -37660,7 +38528,7 @@
               </a:rPr>
               <a:t> B</a:t>
             </a:r>
-            <a:endParaRPr/>
+            <a:endParaRPr dirty="0"/>
           </a:p>
           <a:p>
             <a:pPr marL="0" marR="0" lvl="0" indent="0" algn="l" rtl="0">
@@ -37673,7 +38541,7 @@
               <a:buNone/>
             </a:pPr>
             <a:r>
-              <a:rPr lang="en-US" sz="1800" b="1">
+              <a:rPr lang="en-US" sz="1800" b="1" dirty="0">
                 <a:solidFill>
                   <a:srgbClr val="0070C0"/>
                 </a:solidFill>
@@ -37685,18 +38553,54 @@
               <a:t>ON</a:t>
             </a:r>
             <a:r>
-              <a:rPr lang="en-US" sz="1800">
-                <a:solidFill>
-                  <a:schemeClr val="dk1"/>
-                </a:solidFill>
-                <a:latin typeface="Arial"/>
-                <a:ea typeface="Arial"/>
-                <a:cs typeface="Arial"/>
-                <a:sym typeface="Arial"/>
-              </a:rPr>
-              <a:t> A.order_id=B.order_id</a:t>
-            </a:r>
-            <a:endParaRPr sz="1800">
+              <a:rPr lang="en-US" sz="1800" dirty="0">
+                <a:solidFill>
+                  <a:schemeClr val="dk1"/>
+                </a:solidFill>
+                <a:latin typeface="Arial"/>
+                <a:ea typeface="Arial"/>
+                <a:cs typeface="Arial"/>
+                <a:sym typeface="Arial"/>
+              </a:rPr>
+              <a:t> </a:t>
+            </a:r>
+            <a:r>
+              <a:rPr lang="en-US" sz="1800" dirty="0" err="1">
+                <a:solidFill>
+                  <a:schemeClr val="dk1"/>
+                </a:solidFill>
+                <a:latin typeface="Arial"/>
+                <a:ea typeface="Arial"/>
+                <a:cs typeface="Arial"/>
+                <a:sym typeface="Arial"/>
+              </a:rPr>
+              <a:t>A.order_id</a:t>
+            </a:r>
+            <a:r>
+              <a:rPr lang="en-US" sz="1800" dirty="0">
+                <a:solidFill>
+                  <a:schemeClr val="dk1"/>
+                </a:solidFill>
+                <a:latin typeface="Arial"/>
+                <a:ea typeface="Arial"/>
+                <a:cs typeface="Arial"/>
+                <a:sym typeface="Arial"/>
+              </a:rPr>
+              <a:t>=</a:t>
+            </a:r>
+            <a:r>
+              <a:rPr lang="en-US" sz="1800" dirty="0" err="1">
+                <a:solidFill>
+                  <a:schemeClr val="dk1"/>
+                </a:solidFill>
+                <a:latin typeface="Arial"/>
+                <a:ea typeface="Arial"/>
+                <a:cs typeface="Arial"/>
+                <a:sym typeface="Arial"/>
+              </a:rPr>
+              <a:t>B.order_id</a:t>
+            </a:r>
+            <a:endParaRPr sz="1800" dirty="0">
               <a:solidFill>
                 <a:schemeClr val="dk1"/>
               </a:solidFill>
@@ -39088,7 +39992,7 @@
               <a:buNone/>
             </a:pPr>
             <a:r>
-              <a:rPr lang="en-US" sz="2800" b="0" i="0" u="none" strike="noStrike" cap="none">
+              <a:rPr lang="en-US" sz="2800" b="0" i="0" u="none" strike="noStrike" cap="none" dirty="0">
                 <a:solidFill>
                   <a:schemeClr val="dk1"/>
                 </a:solidFill>
@@ -39099,7 +40003,7 @@
               </a:rPr>
               <a:t>Merges two tables, but leaves values null when the second table in the join does not match</a:t>
             </a:r>
-            <a:endParaRPr/>
+            <a:endParaRPr dirty="0"/>
           </a:p>
           <a:p>
             <a:pPr marL="0" marR="0" lvl="0" indent="0" algn="l" rtl="0">
@@ -39115,7 +40019,7 @@
               <a:buFont typeface="Arial"/>
               <a:buNone/>
             </a:pPr>
-            <a:endParaRPr sz="2400" b="0" i="0" u="none" strike="noStrike" cap="none">
+            <a:endParaRPr sz="2400" b="0" i="0" u="none" strike="noStrike" cap="none" dirty="0">
               <a:solidFill>
                 <a:schemeClr val="dk1"/>
               </a:solidFill>
@@ -39140,7 +40044,7 @@
               <a:buNone/>
             </a:pPr>
             <a:r>
-              <a:rPr lang="en-US" sz="2400" b="1" i="0" u="none" strike="noStrike" cap="none">
+              <a:rPr lang="en-US" sz="2400" b="1" i="0" u="none" strike="noStrike" cap="none" dirty="0">
                 <a:solidFill>
                   <a:srgbClr val="FF9F49"/>
                 </a:solidFill>
@@ -39152,7 +40056,7 @@
               <a:t>SELECT</a:t>
             </a:r>
             <a:r>
-              <a:rPr lang="en-US" sz="2400" b="0" i="0" u="none" strike="noStrike" cap="none">
+              <a:rPr lang="en-US" sz="2400" b="0" i="0" u="none" strike="noStrike" cap="none" dirty="0">
                 <a:solidFill>
                   <a:srgbClr val="FF9F49"/>
                 </a:solidFill>
@@ -39164,18 +40068,168 @@
               <a:t> </a:t>
             </a:r>
             <a:r>
-              <a:rPr lang="en-US" sz="2400" b="0" i="0" u="none" strike="noStrike" cap="none">
-                <a:solidFill>
-                  <a:schemeClr val="dk1"/>
-                </a:solidFill>
-                <a:latin typeface="Arial"/>
-                <a:ea typeface="Arial"/>
-                <a:cs typeface="Arial"/>
-                <a:sym typeface="Arial"/>
-              </a:rPr>
-              <a:t>* 			                                           		</a:t>
-            </a:r>
-            <a:endParaRPr sz="2400" b="0" i="0" u="none" strike="noStrike" cap="none">
+              <a:rPr lang="en-US" sz="2400" b="0" i="0" u="none" strike="noStrike" cap="none" dirty="0">
+                <a:solidFill>
+                  <a:schemeClr val="dk1"/>
+                </a:solidFill>
+                <a:latin typeface="Arial"/>
+                <a:ea typeface="Arial"/>
+                <a:cs typeface="Arial"/>
+                <a:sym typeface="Arial"/>
+              </a:rPr>
+              <a:t>*</a:t>
+            </a:r>
+          </a:p>
+          <a:p>
+            <a:pPr marL="0" lvl="0" indent="0">
+              <a:spcBef>
+                <a:spcPts val="480"/>
+              </a:spcBef>
+              <a:buClr>
+                <a:srgbClr val="FF9F49"/>
+              </a:buClr>
+              <a:buNone/>
+            </a:pPr>
+            <a:r>
+              <a:rPr lang="en-US" sz="2400" b="1" i="0" u="none" strike="noStrike" cap="none" dirty="0">
+                <a:solidFill>
+                  <a:srgbClr val="0070C0"/>
+                </a:solidFill>
+                <a:latin typeface="Arial"/>
+                <a:ea typeface="Arial"/>
+                <a:cs typeface="Arial"/>
+                <a:sym typeface="Arial"/>
+              </a:rPr>
+              <a:t>FROM</a:t>
+            </a:r>
+            <a:r>
+              <a:rPr lang="en-US" sz="2400" b="0" i="0" u="none" strike="noStrike" cap="none" dirty="0">
+                <a:solidFill>
+                  <a:srgbClr val="0070C0"/>
+                </a:solidFill>
+                <a:latin typeface="Arial"/>
+                <a:ea typeface="Arial"/>
+                <a:cs typeface="Arial"/>
+                <a:sym typeface="Arial"/>
+              </a:rPr>
+              <a:t> </a:t>
+            </a:r>
+            <a:r>
+              <a:rPr lang="en-US" sz="2400" b="0" i="0" u="none" strike="noStrike" cap="none" dirty="0" err="1">
+                <a:solidFill>
+                  <a:schemeClr val="dk1"/>
+                </a:solidFill>
+                <a:latin typeface="Arial"/>
+                <a:ea typeface="Arial"/>
+                <a:cs typeface="Arial"/>
+                <a:sym typeface="Arial"/>
+              </a:rPr>
+              <a:t>tutorial.nominee_filmography</a:t>
+            </a:r>
+            <a:r>
+              <a:rPr lang="en-US" sz="2400" b="0" i="0" u="none" strike="noStrike" cap="none" dirty="0">
+                <a:solidFill>
+                  <a:schemeClr val="dk1"/>
+                </a:solidFill>
+                <a:latin typeface="Arial"/>
+                <a:ea typeface="Arial"/>
+                <a:cs typeface="Arial"/>
+                <a:sym typeface="Arial"/>
+              </a:rPr>
+              <a:t> </a:t>
+            </a:r>
+            <a:r>
+              <a:rPr lang="en-US" sz="2400" b="1" dirty="0"/>
+              <a:t>AS </a:t>
+            </a:r>
+            <a:r>
+              <a:rPr lang="en-US" sz="2400" b="0" i="0" u="none" strike="noStrike" cap="none" dirty="0">
+                <a:solidFill>
+                  <a:schemeClr val="dk1"/>
+                </a:solidFill>
+                <a:latin typeface="Arial"/>
+                <a:ea typeface="Arial"/>
+                <a:cs typeface="Arial"/>
+                <a:sym typeface="Arial"/>
+              </a:rPr>
+              <a:t>films</a:t>
+            </a:r>
+          </a:p>
+          <a:p>
+            <a:pPr marL="0" marR="0" lvl="0" indent="0" algn="l" rtl="0">
+              <a:spcBef>
+                <a:spcPts val="480"/>
+              </a:spcBef>
+              <a:spcAft>
+                <a:spcPts val="0"/>
+              </a:spcAft>
+              <a:buClr>
+                <a:srgbClr val="FF9F49"/>
+              </a:buClr>
+              <a:buFont typeface="Arial"/>
+              <a:buNone/>
+            </a:pPr>
+            <a:r>
+              <a:rPr lang="en-US" sz="2400" b="1" i="0" u="none" strike="noStrike" cap="none" dirty="0">
+                <a:solidFill>
+                  <a:srgbClr val="0070C0"/>
+                </a:solidFill>
+                <a:latin typeface="Arial"/>
+                <a:ea typeface="Arial"/>
+                <a:cs typeface="Arial"/>
+                <a:sym typeface="Arial"/>
+              </a:rPr>
+              <a:t>LEFT JOIN </a:t>
+            </a:r>
+            <a:r>
+              <a:rPr lang="en-US" sz="2400" b="0" i="0" u="none" strike="noStrike" cap="none" dirty="0" err="1">
+                <a:solidFill>
+                  <a:schemeClr val="dk1"/>
+                </a:solidFill>
+                <a:latin typeface="Arial"/>
+                <a:ea typeface="Arial"/>
+                <a:cs typeface="Arial"/>
+                <a:sym typeface="Arial"/>
+              </a:rPr>
+              <a:t>tutorial.oscar_nominees</a:t>
+            </a:r>
+            <a:r>
+              <a:rPr lang="en-US" sz="2400" b="0" i="0" u="none" strike="noStrike" cap="none" dirty="0">
+                <a:solidFill>
+                  <a:schemeClr val="dk1"/>
+                </a:solidFill>
+                <a:latin typeface="Arial"/>
+                <a:ea typeface="Arial"/>
+                <a:cs typeface="Arial"/>
+                <a:sym typeface="Arial"/>
+              </a:rPr>
+              <a:t> </a:t>
+            </a:r>
+            <a:r>
+              <a:rPr lang="en-US" sz="2400" b="1" i="0" u="none" strike="noStrike" cap="none" dirty="0">
+                <a:solidFill>
+                  <a:schemeClr val="dk1"/>
+                </a:solidFill>
+                <a:latin typeface="Arial"/>
+                <a:ea typeface="Arial"/>
+                <a:cs typeface="Arial"/>
+                <a:sym typeface="Arial"/>
+              </a:rPr>
+              <a:t>AS </a:t>
+            </a:r>
+            <a:r>
+              <a:rPr lang="en-US" sz="2400" b="0" i="0" u="none" strike="noStrike" cap="none" dirty="0" err="1">
+                <a:solidFill>
+                  <a:schemeClr val="dk1"/>
+                </a:solidFill>
+                <a:latin typeface="Arial"/>
+                <a:ea typeface="Arial"/>
+                <a:cs typeface="Arial"/>
+                <a:sym typeface="Arial"/>
+              </a:rPr>
+              <a:t>noms</a:t>
+            </a:r>
+            <a:endParaRPr lang="en-US" sz="2400" b="0" i="0" u="none" strike="noStrike" cap="none" dirty="0">
               <a:solidFill>
                 <a:schemeClr val="dk1"/>
               </a:solidFill>
@@ -39200,9 +40254,21 @@
               <a:buNone/>
             </a:pPr>
             <a:r>
-              <a:rPr lang="en-US" sz="2400" b="0" i="0" u="none" strike="noStrike" cap="none">
-                <a:solidFill>
-                  <a:schemeClr val="dk1"/>
+              <a:rPr lang="en-US" sz="2400" b="1" i="0" u="none" strike="noStrike" cap="none" dirty="0">
+                <a:solidFill>
+                  <a:srgbClr val="0070C0"/>
+                </a:solidFill>
+                <a:latin typeface="Arial"/>
+                <a:ea typeface="Arial"/>
+                <a:cs typeface="Arial"/>
+                <a:sym typeface="Arial"/>
+              </a:rPr>
+              <a:t>ON</a:t>
+            </a:r>
+            <a:r>
+              <a:rPr lang="en-US" sz="2400" b="0" i="0" u="none" strike="noStrike" cap="none" dirty="0">
+                <a:solidFill>
+                  <a:srgbClr val="0070C0"/>
                 </a:solidFill>
                 <a:latin typeface="Arial"/>
                 <a:ea typeface="Arial"/>
@@ -39212,42 +40278,30 @@
               <a:t> </a:t>
             </a:r>
             <a:r>
-              <a:rPr lang="en-US" sz="2400" b="1" i="0" u="none" strike="noStrike" cap="none">
-                <a:solidFill>
-                  <a:srgbClr val="0070C0"/>
-                </a:solidFill>
-                <a:latin typeface="Arial"/>
-                <a:ea typeface="Arial"/>
-                <a:cs typeface="Arial"/>
-                <a:sym typeface="Arial"/>
-              </a:rPr>
-              <a:t>FROM</a:t>
-            </a:r>
-            <a:r>
-              <a:rPr lang="en-US" sz="2400" b="0" i="0" u="none" strike="noStrike" cap="none">
-                <a:solidFill>
-                  <a:srgbClr val="0070C0"/>
-                </a:solidFill>
-                <a:latin typeface="Arial"/>
-                <a:ea typeface="Arial"/>
-                <a:cs typeface="Arial"/>
-                <a:sym typeface="Arial"/>
-              </a:rPr>
-              <a:t> </a:t>
-            </a:r>
-            <a:r>
-              <a:rPr lang="en-US" sz="2400" b="0" i="0" u="none" strike="noStrike" cap="none">
-                <a:solidFill>
-                  <a:schemeClr val="dk1"/>
-                </a:solidFill>
-                <a:latin typeface="Arial"/>
-                <a:ea typeface="Arial"/>
-                <a:cs typeface="Arial"/>
-                <a:sym typeface="Arial"/>
-              </a:rPr>
-              <a:t>tutorial.nominee_filmography films 	       	        </a:t>
-            </a:r>
-            <a:endParaRPr sz="2400" b="0" i="0" u="none" strike="noStrike" cap="none">
+              <a:rPr lang="en-US" sz="2400" b="0" i="0" u="none" strike="noStrike" cap="none" dirty="0">
+                <a:solidFill>
+                  <a:schemeClr val="dk1"/>
+                </a:solidFill>
+                <a:latin typeface="Arial"/>
+                <a:ea typeface="Arial"/>
+                <a:cs typeface="Arial"/>
+                <a:sym typeface="Arial"/>
+              </a:rPr>
+              <a:t>films.name=</a:t>
+            </a:r>
+            <a:r>
+              <a:rPr lang="en-US" sz="2400" b="0" i="0" u="none" strike="noStrike" cap="none" dirty="0" err="1">
+                <a:solidFill>
+                  <a:schemeClr val="dk1"/>
+                </a:solidFill>
+                <a:latin typeface="Arial"/>
+                <a:ea typeface="Arial"/>
+                <a:cs typeface="Arial"/>
+                <a:sym typeface="Arial"/>
+              </a:rPr>
+              <a:t>noms.nominee</a:t>
+            </a:r>
+            <a:endParaRPr lang="en-US" sz="2400" b="0" i="0" u="none" strike="noStrike" cap="none" dirty="0">
               <a:solidFill>
                 <a:schemeClr val="dk1"/>
               </a:solidFill>
@@ -39272,7 +40326,19 @@
               <a:buNone/>
             </a:pPr>
             <a:r>
-              <a:rPr lang="en-US" sz="2400" b="0" i="0" u="none" strike="noStrike" cap="none">
+              <a:rPr lang="en-US" sz="2400" b="1" i="0" u="none" strike="noStrike" cap="none" dirty="0">
+                <a:solidFill>
+                  <a:srgbClr val="7030A0"/>
+                </a:solidFill>
+                <a:latin typeface="Arial"/>
+                <a:ea typeface="Arial"/>
+                <a:cs typeface="Arial"/>
+                <a:sym typeface="Arial"/>
+              </a:rPr>
+              <a:t>AND</a:t>
+            </a:r>
+            <a:r>
+              <a:rPr lang="en-US" sz="2400" b="0" i="0" u="none" strike="noStrike" cap="none" dirty="0">
                 <a:solidFill>
                   <a:schemeClr val="dk1"/>
                 </a:solidFill>
@@ -39284,30 +40350,42 @@
               <a:t> </a:t>
             </a:r>
             <a:r>
-              <a:rPr lang="en-US" sz="2400" b="1" i="0" u="none" strike="noStrike" cap="none">
-                <a:solidFill>
-                  <a:srgbClr val="0070C0"/>
-                </a:solidFill>
-                <a:latin typeface="Arial"/>
-                <a:ea typeface="Arial"/>
-                <a:cs typeface="Arial"/>
-                <a:sym typeface="Arial"/>
-              </a:rPr>
-              <a:t>LEFT JOIN </a:t>
-            </a:r>
-            <a:r>
-              <a:rPr lang="en-US" sz="2400" b="0" i="0" u="none" strike="noStrike" cap="none">
-                <a:solidFill>
-                  <a:schemeClr val="dk1"/>
-                </a:solidFill>
-                <a:latin typeface="Arial"/>
-                <a:ea typeface="Arial"/>
-                <a:cs typeface="Arial"/>
-                <a:sym typeface="Arial"/>
-              </a:rPr>
-              <a:t>tutorial.oscar_nominees noms 		   	  </a:t>
-            </a:r>
-            <a:endParaRPr sz="2400" b="0" i="0" u="none" strike="noStrike" cap="none">
+              <a:rPr lang="en-US" sz="2400" b="0" i="0" u="none" strike="noStrike" cap="none" dirty="0" err="1">
+                <a:solidFill>
+                  <a:schemeClr val="dk1"/>
+                </a:solidFill>
+                <a:latin typeface="Arial"/>
+                <a:ea typeface="Arial"/>
+                <a:cs typeface="Arial"/>
+                <a:sym typeface="Arial"/>
+              </a:rPr>
+              <a:t>films.movie_title</a:t>
+            </a:r>
+            <a:r>
+              <a:rPr lang="en-US" sz="2400" b="0" i="0" u="none" strike="noStrike" cap="none" dirty="0">
+                <a:solidFill>
+                  <a:schemeClr val="dk1"/>
+                </a:solidFill>
+                <a:latin typeface="Arial"/>
+                <a:ea typeface="Arial"/>
+                <a:cs typeface="Arial"/>
+                <a:sym typeface="Arial"/>
+              </a:rPr>
+              <a:t>=</a:t>
+            </a:r>
+            <a:r>
+              <a:rPr lang="en-US" sz="2400" b="0" i="0" u="none" strike="noStrike" cap="none" dirty="0" err="1">
+                <a:solidFill>
+                  <a:schemeClr val="dk1"/>
+                </a:solidFill>
+                <a:latin typeface="Arial"/>
+                <a:ea typeface="Arial"/>
+                <a:cs typeface="Arial"/>
+                <a:sym typeface="Arial"/>
+              </a:rPr>
+              <a:t>noms.movie</a:t>
+            </a:r>
+            <a:endParaRPr sz="2400" b="0" i="0" u="none" strike="noStrike" cap="none" dirty="0">
               <a:solidFill>
                 <a:schemeClr val="dk1"/>
               </a:solidFill>
@@ -39320,54 +40398,18 @@
           <a:p>
             <a:pPr marL="0" marR="0" lvl="0" indent="0" algn="l" rtl="0">
               <a:spcBef>
-                <a:spcPts val="480"/>
+                <a:spcPts val="560"/>
               </a:spcBef>
               <a:spcAft>
                 <a:spcPts val="0"/>
               </a:spcAft>
               <a:buClr>
-                <a:srgbClr val="FF9F49"/>
+                <a:schemeClr val="dk1"/>
               </a:buClr>
               <a:buFont typeface="Arial"/>
               <a:buNone/>
             </a:pPr>
-            <a:r>
-              <a:rPr lang="en-US" sz="2400" b="1" i="0" u="none" strike="noStrike" cap="none">
-                <a:solidFill>
-                  <a:srgbClr val="0070C0"/>
-                </a:solidFill>
-                <a:latin typeface="Arial"/>
-                <a:ea typeface="Arial"/>
-                <a:cs typeface="Arial"/>
-                <a:sym typeface="Arial"/>
-              </a:rPr>
-              <a:t>ON</a:t>
-            </a:r>
-            <a:r>
-              <a:rPr lang="en-US" sz="2400" b="0" i="0" u="none" strike="noStrike" cap="none">
-                <a:solidFill>
-                  <a:srgbClr val="0070C0"/>
-                </a:solidFill>
-                <a:latin typeface="Arial"/>
-                <a:ea typeface="Arial"/>
-                <a:cs typeface="Arial"/>
-                <a:sym typeface="Arial"/>
-              </a:rPr>
-              <a:t> </a:t>
-            </a:r>
-            <a:r>
-              <a:rPr lang="en-US" sz="2400" b="0" i="0" u="none" strike="noStrike" cap="none">
-                <a:solidFill>
-                  <a:schemeClr val="dk1"/>
-                </a:solidFill>
-                <a:latin typeface="Arial"/>
-                <a:ea typeface="Arial"/>
-                <a:cs typeface="Arial"/>
-                <a:sym typeface="Arial"/>
-              </a:rPr>
-              <a:t>films.name=noms.nominee</a:t>
-            </a:r>
-            <a:endParaRPr sz="2400" b="0" i="0" u="none" strike="noStrike" cap="none">
+            <a:endParaRPr sz="2800" b="0" i="0" u="none" strike="noStrike" cap="none" dirty="0">
               <a:solidFill>
                 <a:schemeClr val="dk1"/>
               </a:solidFill>
@@ -39380,91 +40422,19 @@
           <a:p>
             <a:pPr marL="0" marR="0" lvl="0" indent="0" algn="l" rtl="0">
               <a:spcBef>
-                <a:spcPts val="480"/>
+                <a:spcPts val="560"/>
               </a:spcBef>
               <a:spcAft>
                 <a:spcPts val="0"/>
               </a:spcAft>
               <a:buClr>
-                <a:srgbClr val="0070C0"/>
+                <a:schemeClr val="dk1"/>
               </a:buClr>
               <a:buFont typeface="Arial"/>
               <a:buNone/>
             </a:pPr>
             <a:r>
-              <a:rPr lang="en-US" sz="2400" b="1" i="0" u="none" strike="noStrike" cap="none">
-                <a:solidFill>
-                  <a:srgbClr val="0070C0"/>
-                </a:solidFill>
-                <a:latin typeface="Arial"/>
-                <a:ea typeface="Arial"/>
-                <a:cs typeface="Arial"/>
-                <a:sym typeface="Arial"/>
-              </a:rPr>
-              <a:t>AND</a:t>
-            </a:r>
-            <a:r>
-              <a:rPr lang="en-US" sz="2400" b="0" i="0" u="none" strike="noStrike" cap="none">
-                <a:solidFill>
-                  <a:schemeClr val="dk1"/>
-                </a:solidFill>
-                <a:latin typeface="Arial"/>
-                <a:ea typeface="Arial"/>
-                <a:cs typeface="Arial"/>
-                <a:sym typeface="Arial"/>
-              </a:rPr>
-              <a:t> films.movie_title=noms.movie</a:t>
-            </a:r>
-            <a:endParaRPr sz="2400" b="0" i="0" u="none" strike="noStrike" cap="none">
-              <a:solidFill>
-                <a:schemeClr val="dk1"/>
-              </a:solidFill>
-              <a:latin typeface="Arial"/>
-              <a:ea typeface="Arial"/>
-              <a:cs typeface="Arial"/>
-              <a:sym typeface="Arial"/>
-            </a:endParaRPr>
-          </a:p>
-          <a:p>
-            <a:pPr marL="0" marR="0" lvl="0" indent="0" algn="l" rtl="0">
-              <a:spcBef>
-                <a:spcPts val="560"/>
-              </a:spcBef>
-              <a:spcAft>
-                <a:spcPts val="0"/>
-              </a:spcAft>
-              <a:buClr>
-                <a:schemeClr val="dk1"/>
-              </a:buClr>
-              <a:buFont typeface="Arial"/>
-              <a:buNone/>
-            </a:pPr>
-            <a:endParaRPr sz="2800" b="0" i="0" u="none" strike="noStrike" cap="none">
-              <a:solidFill>
-                <a:schemeClr val="dk1"/>
-              </a:solidFill>
-              <a:latin typeface="Arial"/>
-              <a:ea typeface="Arial"/>
-              <a:cs typeface="Arial"/>
-              <a:sym typeface="Arial"/>
-            </a:endParaRPr>
-          </a:p>
-          <a:p>
-            <a:pPr marL="0" marR="0" lvl="0" indent="0" algn="l" rtl="0">
-              <a:spcBef>
-                <a:spcPts val="560"/>
-              </a:spcBef>
-              <a:spcAft>
-                <a:spcPts val="0"/>
-              </a:spcAft>
-              <a:buClr>
-                <a:schemeClr val="dk1"/>
-              </a:buClr>
-              <a:buFont typeface="Arial"/>
-              <a:buNone/>
-            </a:pPr>
-            <a:r>
-              <a:rPr lang="en-US" sz="2800" b="0" i="0" u="none" strike="noStrike" cap="none">
+              <a:rPr lang="en-US" sz="2800" b="0" i="0" u="none" strike="noStrike" cap="none" dirty="0">
                 <a:solidFill>
                   <a:schemeClr val="dk1"/>
                 </a:solidFill>
@@ -39475,7 +40445,7 @@
               </a:rPr>
               <a:t>LEFT JOINs are useful when you want to gather more information but not lose your initial data set</a:t>
             </a:r>
-            <a:endParaRPr sz="2800" b="0" i="0" u="none" strike="noStrike" cap="none">
+            <a:endParaRPr sz="2800" b="0" i="0" u="none" strike="noStrike" cap="none" dirty="0">
               <a:solidFill>
                 <a:schemeClr val="dk1"/>
               </a:solidFill>
@@ -39577,7 +40547,7 @@
                                         <p:tgtEl>
                                           <p:spTgt spid="317">
                                             <p:txEl>
-                                              <p:pRg st="1" end="1"/>
+                                              <p:pRg st="2" end="2"/>
                                             </p:txEl>
                                           </p:spTgt>
                                         </p:tgtEl>
@@ -39626,7 +40596,7 @@
                                         <p:tgtEl>
                                           <p:spTgt spid="317">
                                             <p:txEl>
-                                              <p:pRg st="2" end="2"/>
+                                              <p:pRg st="3" end="3"/>
                                             </p:txEl>
                                           </p:spTgt>
                                         </p:tgtEl>
@@ -39675,7 +40645,7 @@
                                         <p:tgtEl>
                                           <p:spTgt spid="317">
                                             <p:txEl>
-                                              <p:pRg st="3" end="3"/>
+                                              <p:pRg st="4" end="4"/>
                                             </p:txEl>
                                           </p:spTgt>
                                         </p:tgtEl>
@@ -39724,7 +40694,7 @@
                                         <p:tgtEl>
                                           <p:spTgt spid="317">
                                             <p:txEl>
-                                              <p:pRg st="4" end="4"/>
+                                              <p:pRg st="5" end="5"/>
                                             </p:txEl>
                                           </p:spTgt>
                                         </p:tgtEl>
@@ -39773,7 +40743,7 @@
                                         <p:tgtEl>
                                           <p:spTgt spid="317">
                                             <p:txEl>
-                                              <p:pRg st="5" end="5"/>
+                                              <p:pRg st="6" end="6"/>
                                             </p:txEl>
                                           </p:spTgt>
                                         </p:tgtEl>
@@ -39815,104 +40785,6 @@
                                     <p:set>
                                       <p:cBhvr>
                                         <p:cTn id="30" dur="1" fill="hold">
-                                          <p:stCondLst>
-                                            <p:cond delay="0"/>
-                                          </p:stCondLst>
-                                        </p:cTn>
-                                        <p:tgtEl>
-                                          <p:spTgt spid="317">
-                                            <p:txEl>
-                                              <p:pRg st="6" end="6"/>
-                                            </p:txEl>
-                                          </p:spTgt>
-                                        </p:tgtEl>
-                                        <p:attrNameLst>
-                                          <p:attrName>style.visibility</p:attrName>
-                                        </p:attrNameLst>
-                                      </p:cBhvr>
-                                      <p:to>
-                                        <p:strVal val="visible"/>
-                                      </p:to>
-                                    </p:set>
-                                  </p:childTnLst>
-                                </p:cTn>
-                              </p:par>
-                            </p:childTnLst>
-                          </p:cTn>
-                        </p:par>
-                      </p:childTnLst>
-                    </p:cTn>
-                  </p:par>
-                  <p:par>
-                    <p:cTn id="31" fill="hold">
-                      <p:stCondLst>
-                        <p:cond delay="indefinite"/>
-                      </p:stCondLst>
-                      <p:childTnLst>
-                        <p:par>
-                          <p:cTn id="32" fill="hold">
-                            <p:stCondLst>
-                              <p:cond delay="0"/>
-                            </p:stCondLst>
-                            <p:childTnLst>
-                              <p:par>
-                                <p:cTn id="33" presetID="1" presetClass="entr" presetSubtype="0" fill="hold" nodeType="clickEffect">
-                                  <p:stCondLst>
-                                    <p:cond delay="0"/>
-                                  </p:stCondLst>
-                                  <p:childTnLst>
-                                    <p:set>
-                                      <p:cBhvr>
-                                        <p:cTn id="34" dur="1" fill="hold">
-                                          <p:stCondLst>
-                                            <p:cond delay="0"/>
-                                          </p:stCondLst>
-                                        </p:cTn>
-                                        <p:tgtEl>
-                                          <p:spTgt spid="317">
-                                            <p:txEl>
-                                              <p:pRg st="7" end="7"/>
-                                            </p:txEl>
-                                          </p:spTgt>
-                                        </p:tgtEl>
-                                        <p:attrNameLst>
-                                          <p:attrName>style.visibility</p:attrName>
-                                        </p:attrNameLst>
-                                      </p:cBhvr>
-                                      <p:to>
-                                        <p:strVal val="visible"/>
-                                      </p:to>
-                                    </p:set>
-                                  </p:childTnLst>
-                                </p:cTn>
-                              </p:par>
-                            </p:childTnLst>
-                          </p:cTn>
-                        </p:par>
-                      </p:childTnLst>
-                    </p:cTn>
-                  </p:par>
-                  <p:par>
-                    <p:cTn id="35" fill="hold">
-                      <p:stCondLst>
-                        <p:cond delay="indefinite"/>
-                      </p:stCondLst>
-                      <p:childTnLst>
-                        <p:par>
-                          <p:cTn id="36" fill="hold">
-                            <p:stCondLst>
-                              <p:cond delay="0"/>
-                            </p:stCondLst>
-                            <p:childTnLst>
-                              <p:par>
-                                <p:cTn id="37" presetID="1" presetClass="entr" presetSubtype="0" fill="hold" nodeType="clickEffect">
-                                  <p:stCondLst>
-                                    <p:cond delay="0"/>
-                                  </p:stCondLst>
-                                  <p:childTnLst>
-                                    <p:set>
-                                      <p:cBhvr>
-                                        <p:cTn id="38" dur="1" fill="hold">
                                           <p:stCondLst>
                                             <p:cond delay="0"/>
                                           </p:stCondLst>
@@ -40088,7 +40960,7 @@
               <a:buNone/>
             </a:pPr>
             <a:r>
-              <a:rPr lang="en-US" sz="2000" b="1" i="0" u="none" strike="noStrike" cap="none">
+              <a:rPr lang="en-US" sz="2000" b="1" i="0" u="none" strike="noStrike" cap="none" dirty="0">
                 <a:solidFill>
                   <a:srgbClr val="FF9F49"/>
                 </a:solidFill>
@@ -40100,7 +40972,7 @@
               <a:t>SELECT</a:t>
             </a:r>
             <a:r>
-              <a:rPr lang="en-US" sz="2000" b="0" i="0" u="none" strike="noStrike" cap="none">
+              <a:rPr lang="en-US" sz="2000" b="0" i="0" u="none" strike="noStrike" cap="none" dirty="0">
                 <a:solidFill>
                   <a:srgbClr val="FF9F49"/>
                 </a:solidFill>
@@ -40112,18 +40984,164 @@
               <a:t> </a:t>
             </a:r>
             <a:r>
-              <a:rPr lang="en-US" sz="2000" b="0" i="0" u="none" strike="noStrike" cap="none">
-                <a:solidFill>
-                  <a:schemeClr val="dk1"/>
-                </a:solidFill>
-                <a:latin typeface="Arial"/>
-                <a:ea typeface="Arial"/>
-                <a:cs typeface="Arial"/>
-                <a:sym typeface="Arial"/>
-              </a:rPr>
-              <a:t>* 			                                           	 </a:t>
-            </a:r>
-            <a:endParaRPr sz="2000" b="0" i="0" u="none" strike="noStrike" cap="none">
+              <a:rPr lang="en-US" sz="2000" b="0" i="0" u="none" strike="noStrike" cap="none" dirty="0">
+                <a:solidFill>
+                  <a:schemeClr val="dk1"/>
+                </a:solidFill>
+                <a:latin typeface="Arial"/>
+                <a:ea typeface="Arial"/>
+                <a:cs typeface="Arial"/>
+                <a:sym typeface="Arial"/>
+              </a:rPr>
+              <a:t>*</a:t>
+            </a:r>
+          </a:p>
+          <a:p>
+            <a:pPr marL="0" marR="0" lvl="0" indent="0" algn="l" rtl="0">
+              <a:spcBef>
+                <a:spcPts val="0"/>
+              </a:spcBef>
+              <a:spcAft>
+                <a:spcPts val="0"/>
+              </a:spcAft>
+              <a:buClr>
+                <a:srgbClr val="FF9F49"/>
+              </a:buClr>
+              <a:buFont typeface="Arial"/>
+              <a:buNone/>
+            </a:pPr>
+            <a:r>
+              <a:rPr lang="en-US" sz="2000" b="1" i="0" u="none" strike="noStrike" cap="none" dirty="0">
+                <a:solidFill>
+                  <a:srgbClr val="0070C0"/>
+                </a:solidFill>
+                <a:latin typeface="Arial"/>
+                <a:ea typeface="Arial"/>
+                <a:cs typeface="Arial"/>
+                <a:sym typeface="Arial"/>
+              </a:rPr>
+              <a:t>FROM</a:t>
+            </a:r>
+            <a:r>
+              <a:rPr lang="en-US" sz="2000" b="0" i="0" u="none" strike="noStrike" cap="none" dirty="0">
+                <a:solidFill>
+                  <a:srgbClr val="0070C0"/>
+                </a:solidFill>
+                <a:latin typeface="Arial"/>
+                <a:ea typeface="Arial"/>
+                <a:cs typeface="Arial"/>
+                <a:sym typeface="Arial"/>
+              </a:rPr>
+              <a:t> </a:t>
+            </a:r>
+            <a:r>
+              <a:rPr lang="en-US" sz="2000" b="0" i="0" u="none" strike="noStrike" cap="none" dirty="0" err="1">
+                <a:solidFill>
+                  <a:schemeClr val="dk1"/>
+                </a:solidFill>
+                <a:latin typeface="Arial"/>
+                <a:ea typeface="Arial"/>
+                <a:cs typeface="Arial"/>
+                <a:sym typeface="Arial"/>
+              </a:rPr>
+              <a:t>tutorial.nominee_filmography</a:t>
+            </a:r>
+            <a:r>
+              <a:rPr lang="en-US" sz="2000" b="0" i="0" u="none" strike="noStrike" cap="none" dirty="0">
+                <a:solidFill>
+                  <a:schemeClr val="dk1"/>
+                </a:solidFill>
+                <a:latin typeface="Arial"/>
+                <a:ea typeface="Arial"/>
+                <a:cs typeface="Arial"/>
+                <a:sym typeface="Arial"/>
+              </a:rPr>
+              <a:t> </a:t>
+            </a:r>
+            <a:r>
+              <a:rPr lang="en-US" sz="2000" b="1" dirty="0"/>
+              <a:t>AS </a:t>
+            </a:r>
+            <a:r>
+              <a:rPr lang="en-US" sz="2000" b="0" i="0" u="none" strike="noStrike" cap="none" dirty="0">
+                <a:solidFill>
+                  <a:schemeClr val="dk1"/>
+                </a:solidFill>
+                <a:latin typeface="Arial"/>
+                <a:ea typeface="Arial"/>
+                <a:cs typeface="Arial"/>
+                <a:sym typeface="Arial"/>
+              </a:rPr>
+              <a:t>films</a:t>
+            </a:r>
+          </a:p>
+          <a:p>
+            <a:pPr marL="0" marR="0" lvl="0" indent="0" algn="l" rtl="0">
+              <a:spcBef>
+                <a:spcPts val="0"/>
+              </a:spcBef>
+              <a:spcAft>
+                <a:spcPts val="0"/>
+              </a:spcAft>
+              <a:buClr>
+                <a:srgbClr val="FF9F49"/>
+              </a:buClr>
+              <a:buFont typeface="Arial"/>
+              <a:buNone/>
+            </a:pPr>
+            <a:r>
+              <a:rPr lang="en-US" sz="2000" b="1" i="0" u="none" strike="noStrike" cap="none" dirty="0">
+                <a:solidFill>
+                  <a:srgbClr val="0070C0"/>
+                </a:solidFill>
+                <a:latin typeface="Arial"/>
+                <a:ea typeface="Arial"/>
+                <a:cs typeface="Arial"/>
+                <a:sym typeface="Arial"/>
+              </a:rPr>
+              <a:t>LEFT JOIN </a:t>
+            </a:r>
+            <a:r>
+              <a:rPr lang="en-US" sz="2000" b="0" i="0" u="none" strike="noStrike" cap="none" dirty="0" err="1">
+                <a:solidFill>
+                  <a:schemeClr val="dk1"/>
+                </a:solidFill>
+                <a:latin typeface="Arial"/>
+                <a:ea typeface="Arial"/>
+                <a:cs typeface="Arial"/>
+                <a:sym typeface="Arial"/>
+              </a:rPr>
+              <a:t>tutorial.oscar_nominees</a:t>
+            </a:r>
+            <a:r>
+              <a:rPr lang="en-US" sz="2000" b="0" i="0" u="none" strike="noStrike" cap="none" dirty="0">
+                <a:solidFill>
+                  <a:schemeClr val="dk1"/>
+                </a:solidFill>
+                <a:latin typeface="Arial"/>
+                <a:ea typeface="Arial"/>
+                <a:cs typeface="Arial"/>
+                <a:sym typeface="Arial"/>
+              </a:rPr>
+              <a:t> </a:t>
+            </a:r>
+            <a:r>
+              <a:rPr lang="en-US" sz="2000" b="1" dirty="0"/>
+              <a:t>AS </a:t>
+            </a:r>
+            <a:r>
+              <a:rPr lang="en-US" sz="2000" b="0" i="0" u="none" strike="noStrike" cap="none" dirty="0" err="1">
+                <a:solidFill>
+                  <a:schemeClr val="dk1"/>
+                </a:solidFill>
+                <a:latin typeface="Arial"/>
+                <a:ea typeface="Arial"/>
+                <a:cs typeface="Arial"/>
+                <a:sym typeface="Arial"/>
+              </a:rPr>
+              <a:t>noms</a:t>
+            </a:r>
+            <a:endParaRPr lang="en-US" sz="2000" b="0" i="0" u="none" strike="noStrike" cap="none" dirty="0">
               <a:solidFill>
                 <a:schemeClr val="dk1"/>
               </a:solidFill>
@@ -40148,7 +41166,7 @@
               <a:buNone/>
             </a:pPr>
             <a:r>
-              <a:rPr lang="en-US" sz="2000" b="1" i="0" u="none" strike="noStrike" cap="none">
+              <a:rPr lang="en-US" sz="2000" b="1" i="0" u="none" strike="noStrike" cap="none" dirty="0">
                 <a:solidFill>
                   <a:srgbClr val="0070C0"/>
                 </a:solidFill>
@@ -40157,10 +41175,10 @@
                 <a:cs typeface="Arial"/>
                 <a:sym typeface="Arial"/>
               </a:rPr>
-              <a:t>FROM</a:t>
-            </a:r>
-            <a:r>
-              <a:rPr lang="en-US" sz="2000" b="0" i="0" u="none" strike="noStrike" cap="none">
+              <a:t>ON</a:t>
+            </a:r>
+            <a:r>
+              <a:rPr lang="en-US" sz="2000" b="0" i="0" u="none" strike="noStrike" cap="none" dirty="0">
                 <a:solidFill>
                   <a:srgbClr val="0070C0"/>
                 </a:solidFill>
@@ -40172,18 +41190,30 @@
               <a:t> </a:t>
             </a:r>
             <a:r>
-              <a:rPr lang="en-US" sz="2000" b="0" i="0" u="none" strike="noStrike" cap="none">
-                <a:solidFill>
-                  <a:schemeClr val="dk1"/>
-                </a:solidFill>
-                <a:latin typeface="Arial"/>
-                <a:ea typeface="Arial"/>
-                <a:cs typeface="Arial"/>
-                <a:sym typeface="Arial"/>
-              </a:rPr>
-              <a:t>tutorial.nominee_filmography films 	       	 	        </a:t>
-            </a:r>
-            <a:endParaRPr sz="2000" b="0" i="0" u="none" strike="noStrike" cap="none">
+              <a:rPr lang="en-US" sz="2000" b="0" i="0" u="none" strike="noStrike" cap="none" dirty="0">
+                <a:solidFill>
+                  <a:schemeClr val="dk1"/>
+                </a:solidFill>
+                <a:latin typeface="Arial"/>
+                <a:ea typeface="Arial"/>
+                <a:cs typeface="Arial"/>
+                <a:sym typeface="Arial"/>
+              </a:rPr>
+              <a:t>films.name=</a:t>
+            </a:r>
+            <a:r>
+              <a:rPr lang="en-US" sz="2000" b="0" i="0" u="none" strike="noStrike" cap="none" dirty="0" err="1">
+                <a:solidFill>
+                  <a:schemeClr val="dk1"/>
+                </a:solidFill>
+                <a:latin typeface="Arial"/>
+                <a:ea typeface="Arial"/>
+                <a:cs typeface="Arial"/>
+                <a:sym typeface="Arial"/>
+              </a:rPr>
+              <a:t>noms.nominee</a:t>
+            </a:r>
+            <a:endParaRPr lang="en-US" sz="2000" b="0" i="0" u="none" strike="noStrike" cap="none" dirty="0">
               <a:solidFill>
                 <a:schemeClr val="dk1"/>
               </a:solidFill>
@@ -40208,30 +41238,66 @@
               <a:buNone/>
             </a:pPr>
             <a:r>
-              <a:rPr lang="en-US" sz="2000" b="1" i="0" u="none" strike="noStrike" cap="none">
-                <a:solidFill>
-                  <a:srgbClr val="0070C0"/>
-                </a:solidFill>
-                <a:latin typeface="Arial"/>
-                <a:ea typeface="Arial"/>
-                <a:cs typeface="Arial"/>
-                <a:sym typeface="Arial"/>
-              </a:rPr>
-              <a:t>LEFT JOIN </a:t>
-            </a:r>
-            <a:r>
-              <a:rPr lang="en-US" sz="2000" b="0" i="0" u="none" strike="noStrike" cap="none">
-                <a:solidFill>
-                  <a:schemeClr val="dk1"/>
-                </a:solidFill>
-                <a:latin typeface="Arial"/>
-                <a:ea typeface="Arial"/>
-                <a:cs typeface="Arial"/>
-                <a:sym typeface="Arial"/>
-              </a:rPr>
-              <a:t>tutorial.oscar_nominees noms 		   	       </a:t>
-            </a:r>
-            <a:endParaRPr sz="2000" b="0" i="0" u="none" strike="noStrike" cap="none">
+              <a:rPr lang="en-US" sz="2000" b="1" i="0" u="none" strike="noStrike" cap="none" dirty="0">
+                <a:solidFill>
+                  <a:srgbClr val="7030A0"/>
+                </a:solidFill>
+                <a:latin typeface="Arial"/>
+                <a:ea typeface="Arial"/>
+                <a:cs typeface="Arial"/>
+                <a:sym typeface="Arial"/>
+              </a:rPr>
+              <a:t>AND</a:t>
+            </a:r>
+            <a:r>
+              <a:rPr lang="en-US" sz="2000" b="0" i="0" u="none" strike="noStrike" cap="none" dirty="0">
+                <a:solidFill>
+                  <a:srgbClr val="7030A0"/>
+                </a:solidFill>
+                <a:latin typeface="Arial"/>
+                <a:ea typeface="Arial"/>
+                <a:cs typeface="Arial"/>
+                <a:sym typeface="Arial"/>
+              </a:rPr>
+              <a:t> </a:t>
+            </a:r>
+            <a:r>
+              <a:rPr lang="en-US" sz="2000" b="0" i="0" u="none" strike="noStrike" cap="none" dirty="0" err="1">
+                <a:solidFill>
+                  <a:schemeClr val="dk1"/>
+                </a:solidFill>
+                <a:latin typeface="Arial"/>
+                <a:ea typeface="Arial"/>
+                <a:cs typeface="Arial"/>
+                <a:sym typeface="Arial"/>
+              </a:rPr>
+              <a:t>films.movie_title</a:t>
+            </a:r>
+            <a:r>
+              <a:rPr lang="en-US" sz="2000" b="0" i="0" u="none" strike="noStrike" cap="none" dirty="0">
+                <a:solidFill>
+                  <a:schemeClr val="dk1"/>
+                </a:solidFill>
+                <a:latin typeface="Arial"/>
+                <a:ea typeface="Arial"/>
+                <a:cs typeface="Arial"/>
+                <a:sym typeface="Arial"/>
+              </a:rPr>
+              <a:t>=</a:t>
+            </a:r>
+            <a:r>
+              <a:rPr lang="en-US" sz="2000" b="0" i="0" u="none" strike="noStrike" cap="none" dirty="0" err="1">
+                <a:solidFill>
+                  <a:schemeClr val="dk1"/>
+                </a:solidFill>
+                <a:latin typeface="Arial"/>
+                <a:ea typeface="Arial"/>
+                <a:cs typeface="Arial"/>
+                <a:sym typeface="Arial"/>
+              </a:rPr>
+              <a:t>noms.movie</a:t>
+            </a:r>
+            <a:endParaRPr sz="2000" b="0" i="0" u="none" strike="noStrike" cap="none" dirty="0">
               <a:solidFill>
                 <a:schemeClr val="dk1"/>
               </a:solidFill>
@@ -40244,54 +41310,18 @@
           <a:p>
             <a:pPr marL="0" marR="0" lvl="0" indent="0" algn="l" rtl="0">
               <a:spcBef>
-                <a:spcPts val="0"/>
+                <a:spcPts val="400"/>
               </a:spcBef>
               <a:spcAft>
                 <a:spcPts val="0"/>
               </a:spcAft>
               <a:buClr>
-                <a:srgbClr val="FF9F49"/>
+                <a:schemeClr val="dk1"/>
               </a:buClr>
               <a:buFont typeface="Arial"/>
               <a:buNone/>
             </a:pPr>
-            <a:r>
-              <a:rPr lang="en-US" sz="2000" b="1" i="0" u="none" strike="noStrike" cap="none">
-                <a:solidFill>
-                  <a:srgbClr val="0070C0"/>
-                </a:solidFill>
-                <a:latin typeface="Arial"/>
-                <a:ea typeface="Arial"/>
-                <a:cs typeface="Arial"/>
-                <a:sym typeface="Arial"/>
-              </a:rPr>
-              <a:t>ON</a:t>
-            </a:r>
-            <a:r>
-              <a:rPr lang="en-US" sz="2000" b="0" i="0" u="none" strike="noStrike" cap="none">
-                <a:solidFill>
-                  <a:srgbClr val="0070C0"/>
-                </a:solidFill>
-                <a:latin typeface="Arial"/>
-                <a:ea typeface="Arial"/>
-                <a:cs typeface="Arial"/>
-                <a:sym typeface="Arial"/>
-              </a:rPr>
-              <a:t> </a:t>
-            </a:r>
-            <a:r>
-              <a:rPr lang="en-US" sz="2000" b="0" i="0" u="none" strike="noStrike" cap="none">
-                <a:solidFill>
-                  <a:schemeClr val="dk1"/>
-                </a:solidFill>
-                <a:latin typeface="Arial"/>
-                <a:ea typeface="Arial"/>
-                <a:cs typeface="Arial"/>
-                <a:sym typeface="Arial"/>
-              </a:rPr>
-              <a:t>films.name=noms.nominee</a:t>
-            </a:r>
-            <a:endParaRPr sz="2000" b="0" i="0" u="none" strike="noStrike" cap="none">
+            <a:endParaRPr sz="2000" b="0" i="0" u="none" strike="noStrike" cap="none" dirty="0">
               <a:solidFill>
                 <a:schemeClr val="dk1"/>
               </a:solidFill>
@@ -40310,36 +41340,24 @@
                 <a:spcPts val="0"/>
               </a:spcAft>
               <a:buClr>
-                <a:srgbClr val="0070C0"/>
+                <a:schemeClr val="dk1"/>
               </a:buClr>
               <a:buFont typeface="Arial"/>
               <a:buNone/>
             </a:pPr>
             <a:r>
-              <a:rPr lang="en-US" sz="2000" b="1" i="0" u="none" strike="noStrike" cap="none">
-                <a:solidFill>
-                  <a:srgbClr val="0070C0"/>
-                </a:solidFill>
-                <a:latin typeface="Arial"/>
-                <a:ea typeface="Arial"/>
-                <a:cs typeface="Arial"/>
-                <a:sym typeface="Arial"/>
-              </a:rPr>
-              <a:t>AND</a:t>
-            </a:r>
-            <a:r>
-              <a:rPr lang="en-US" sz="2000" b="0" i="0" u="none" strike="noStrike" cap="none">
-                <a:solidFill>
-                  <a:schemeClr val="dk1"/>
-                </a:solidFill>
-                <a:latin typeface="Arial"/>
-                <a:ea typeface="Arial"/>
-                <a:cs typeface="Arial"/>
-                <a:sym typeface="Arial"/>
-              </a:rPr>
-              <a:t> films.movie_title=noms.movie</a:t>
-            </a:r>
-            <a:endParaRPr sz="2000" b="0" i="0" u="none" strike="noStrike" cap="none">
+              <a:rPr lang="en-US" sz="2000" b="1" i="0" u="none" strike="noStrike" cap="none" dirty="0">
+                <a:solidFill>
+                  <a:schemeClr val="dk1"/>
+                </a:solidFill>
+                <a:latin typeface="Arial"/>
+                <a:ea typeface="Arial"/>
+                <a:cs typeface="Arial"/>
+                <a:sym typeface="Arial"/>
+              </a:rPr>
+              <a:t>What movies did Meryl Streep act in where she wasn’t nominated for an Oscar?</a:t>
+            </a:r>
+            <a:endParaRPr sz="2000" b="1" i="0" u="none" strike="noStrike" cap="none" dirty="0">
               <a:solidFill>
                 <a:schemeClr val="dk1"/>
               </a:solidFill>
@@ -40363,7 +41381,7 @@
               <a:buFont typeface="Arial"/>
               <a:buNone/>
             </a:pPr>
-            <a:endParaRPr sz="2000" b="0" i="0" u="none" strike="noStrike" cap="none">
+            <a:endParaRPr sz="2000" b="1" i="0" u="none" strike="noStrike" cap="none" dirty="0">
               <a:solidFill>
                 <a:schemeClr val="dk1"/>
               </a:solidFill>
@@ -40388,18 +41406,18 @@
               <a:buNone/>
             </a:pPr>
             <a:r>
-              <a:rPr lang="en-US" sz="2000" b="1" i="0" u="none" strike="noStrike" cap="none">
-                <a:solidFill>
-                  <a:schemeClr val="dk1"/>
-                </a:solidFill>
-                <a:latin typeface="Arial"/>
-                <a:ea typeface="Arial"/>
-                <a:cs typeface="Arial"/>
-                <a:sym typeface="Arial"/>
-              </a:rPr>
-              <a:t>What movies did Meryl Streep act in where she wasn’t nominated for an Oscar?</a:t>
-            </a:r>
-            <a:endParaRPr sz="2000" b="1" i="0" u="none" strike="noStrike" cap="none">
+              <a:rPr lang="en-US" sz="2000" b="1" i="0" u="none" strike="noStrike" cap="none" dirty="0">
+                <a:solidFill>
+                  <a:schemeClr val="dk1"/>
+                </a:solidFill>
+                <a:latin typeface="Arial"/>
+                <a:ea typeface="Arial"/>
+                <a:cs typeface="Arial"/>
+                <a:sym typeface="Arial"/>
+              </a:rPr>
+              <a:t>(Bonus) What percentage of these movies were nominated for Oscars? (Feel free to use two queries) </a:t>
+            </a:r>
+            <a:endParaRPr sz="2000" b="1" i="0" u="none" strike="noStrike" cap="none" dirty="0">
               <a:solidFill>
                 <a:schemeClr val="dk1"/>
               </a:solidFill>
@@ -40423,7 +41441,7 @@
               <a:buFont typeface="Arial"/>
               <a:buNone/>
             </a:pPr>
-            <a:endParaRPr sz="2000" b="1" i="0" u="none" strike="noStrike" cap="none">
+            <a:endParaRPr sz="2000" b="1" i="0" u="none" strike="noStrike" cap="none" dirty="0">
               <a:solidFill>
                 <a:schemeClr val="dk1"/>
               </a:solidFill>
@@ -40442,73 +41460,13 @@
                 <a:spcPts val="0"/>
               </a:spcAft>
               <a:buClr>
-                <a:schemeClr val="dk1"/>
-              </a:buClr>
-              <a:buFont typeface="Arial"/>
-              <a:buNone/>
-            </a:pPr>
-            <a:r>
-              <a:rPr lang="en-US" sz="2000" b="1" i="0" u="none" strike="noStrike" cap="none">
-                <a:solidFill>
-                  <a:schemeClr val="dk1"/>
-                </a:solidFill>
-                <a:latin typeface="Arial"/>
-                <a:ea typeface="Arial"/>
-                <a:cs typeface="Arial"/>
-                <a:sym typeface="Arial"/>
-              </a:rPr>
-              <a:t>(Bonus) What percentage of these movies were nominated for Oscars? (Feel free to use two queries) </a:t>
-            </a:r>
-            <a:endParaRPr sz="2000" b="1" i="0" u="none" strike="noStrike" cap="none">
-              <a:solidFill>
-                <a:schemeClr val="dk1"/>
-              </a:solidFill>
-              <a:latin typeface="Arial"/>
-              <a:ea typeface="Arial"/>
-              <a:cs typeface="Arial"/>
-              <a:sym typeface="Arial"/>
-            </a:endParaRPr>
-          </a:p>
-          <a:p>
-            <a:pPr marL="0" marR="0" lvl="0" indent="0" algn="l" rtl="0">
-              <a:spcBef>
-                <a:spcPts val="400"/>
-              </a:spcBef>
-              <a:spcAft>
-                <a:spcPts val="0"/>
-              </a:spcAft>
-              <a:buClr>
-                <a:schemeClr val="dk1"/>
-              </a:buClr>
-              <a:buFont typeface="Arial"/>
-              <a:buNone/>
-            </a:pPr>
-            <a:endParaRPr sz="2000" b="1" i="0" u="none" strike="noStrike" cap="none">
-              <a:solidFill>
-                <a:schemeClr val="dk1"/>
-              </a:solidFill>
-              <a:latin typeface="Arial"/>
-              <a:ea typeface="Arial"/>
-              <a:cs typeface="Arial"/>
-              <a:sym typeface="Arial"/>
-            </a:endParaRPr>
-          </a:p>
-          <a:p>
-            <a:pPr marL="0" marR="0" lvl="0" indent="0" algn="l" rtl="0">
-              <a:spcBef>
-                <a:spcPts val="400"/>
-              </a:spcBef>
-              <a:spcAft>
-                <a:spcPts val="0"/>
-              </a:spcAft>
-              <a:buClr>
                 <a:srgbClr val="FF0000"/>
               </a:buClr>
               <a:buFont typeface="Arial"/>
               <a:buNone/>
             </a:pPr>
             <a:r>
-              <a:rPr lang="en-US" sz="2000" b="1" i="0" u="none" strike="noStrike" cap="none">
+              <a:rPr lang="en-US" sz="2000" b="1" i="0" u="none" strike="noStrike" cap="none" dirty="0">
                 <a:solidFill>
                   <a:srgbClr val="FF0000"/>
                 </a:solidFill>
@@ -40519,7 +41477,7 @@
               </a:rPr>
               <a:t>(Extra Difficult Double Bonus) Answer the bonus question in one query</a:t>
             </a:r>
-            <a:endParaRPr sz="2000" b="1" i="0" u="none" strike="noStrike" cap="none">
+            <a:endParaRPr sz="2000" b="1" i="0" u="none" strike="noStrike" cap="none" dirty="0">
               <a:solidFill>
                 <a:srgbClr val="FF0000"/>
               </a:solidFill>
@@ -40653,14 +41611,14 @@
               <a:buNone/>
             </a:pPr>
             <a:r>
-              <a:rPr lang="en-US" sz="2000" b="1">
+              <a:rPr lang="en-US" sz="2000" b="1" dirty="0">
                 <a:solidFill>
                   <a:srgbClr val="000000"/>
                 </a:solidFill>
               </a:rPr>
               <a:t>Write the query to calculate the difference in weekly from the following table:</a:t>
             </a:r>
-            <a:endParaRPr sz="2000" b="1">
+            <a:endParaRPr sz="2000" b="1" dirty="0">
               <a:solidFill>
                 <a:srgbClr val="000000"/>
               </a:solidFill>
@@ -40680,7 +41638,124 @@
               <a:buFont typeface="Arial"/>
               <a:buNone/>
             </a:pPr>
-            <a:endParaRPr sz="2000" b="1">
+            <a:endParaRPr sz="2000" b="1" dirty="0">
+              <a:solidFill>
+                <a:srgbClr val="000000"/>
+              </a:solidFill>
+            </a:endParaRPr>
+          </a:p>
+          <a:p>
+            <a:pPr marL="0" lvl="0" indent="0">
+              <a:spcBef>
+                <a:spcPts val="400"/>
+              </a:spcBef>
+              <a:buSzPts val="1100"/>
+              <a:buNone/>
+            </a:pPr>
+            <a:r>
+              <a:rPr lang="en-US" sz="2000" b="1" dirty="0">
+                <a:solidFill>
+                  <a:srgbClr val="FF9F49"/>
+                </a:solidFill>
+              </a:rPr>
+              <a:t>SELECT</a:t>
+            </a:r>
+            <a:r>
+              <a:rPr lang="en-US" sz="2000" dirty="0">
+                <a:solidFill>
+                  <a:srgbClr val="000000"/>
+                </a:solidFill>
+              </a:rPr>
+              <a:t> *</a:t>
+            </a:r>
+          </a:p>
+          <a:p>
+            <a:pPr marL="0" lvl="0" indent="0">
+              <a:spcBef>
+                <a:spcPts val="400"/>
+              </a:spcBef>
+              <a:buSzPts val="1100"/>
+              <a:buNone/>
+            </a:pPr>
+            <a:r>
+              <a:rPr lang="en-US" sz="2000" b="1" dirty="0">
+                <a:solidFill>
+                  <a:srgbClr val="0070C0"/>
+                </a:solidFill>
+              </a:rPr>
+              <a:t>FROM</a:t>
+            </a:r>
+            <a:r>
+              <a:rPr lang="en-US" sz="2000" dirty="0">
+                <a:solidFill>
+                  <a:srgbClr val="000000"/>
+                </a:solidFill>
+              </a:rPr>
+              <a:t> tutorial.global_weekly_charts_2013_2014</a:t>
+            </a:r>
+            <a:endParaRPr sz="2000" dirty="0">
+              <a:solidFill>
+                <a:srgbClr val="000000"/>
+              </a:solidFill>
+            </a:endParaRPr>
+          </a:p>
+          <a:p>
+            <a:pPr marL="0" lvl="0" indent="0">
+              <a:spcBef>
+                <a:spcPts val="400"/>
+              </a:spcBef>
+              <a:buSzPts val="1100"/>
+              <a:buNone/>
+            </a:pPr>
+            <a:r>
+              <a:rPr lang="en-US" sz="2000" b="1" dirty="0">
+                <a:solidFill>
+                  <a:srgbClr val="7030A0"/>
+                </a:solidFill>
+              </a:rPr>
+              <a:t>WHERE</a:t>
+            </a:r>
+            <a:r>
+              <a:rPr lang="en-US" sz="2000" dirty="0">
+                <a:solidFill>
+                  <a:srgbClr val="000000"/>
+                </a:solidFill>
+              </a:rPr>
+              <a:t> game = </a:t>
+            </a:r>
+            <a:r>
+              <a:rPr lang="en-US" sz="2000" dirty="0"/>
+              <a:t>'</a:t>
+            </a:r>
+            <a:r>
+              <a:rPr lang="en-US" sz="2000" dirty="0" err="1">
+                <a:solidFill>
+                  <a:srgbClr val="000000"/>
+                </a:solidFill>
+              </a:rPr>
+              <a:t>Pokemon</a:t>
+            </a:r>
+            <a:r>
+              <a:rPr lang="en-US" sz="2000" dirty="0">
+                <a:solidFill>
+                  <a:srgbClr val="000000"/>
+                </a:solidFill>
+              </a:rPr>
+              <a:t> X/Y</a:t>
+            </a:r>
+            <a:r>
+              <a:rPr lang="en-US" sz="2000" dirty="0"/>
+              <a:t>'</a:t>
+            </a:r>
+            <a:r>
+              <a:rPr lang="en-US" sz="2000" dirty="0">
+                <a:solidFill>
+                  <a:srgbClr val="000000"/>
+                </a:solidFill>
+              </a:rPr>
+              <a:t>;</a:t>
+            </a:r>
+            <a:endParaRPr sz="2000" dirty="0">
               <a:solidFill>
                 <a:srgbClr val="000000"/>
               </a:solidFill>
@@ -40701,15 +41776,7 @@
               <a:buFont typeface="Arial"/>
               <a:buNone/>
             </a:pPr>
-            <a:r>
-              <a:rPr lang="en-US" sz="2000">
-                <a:solidFill>
-                  <a:srgbClr val="000000"/>
-                </a:solidFill>
-              </a:rPr>
-              <a:t>select * from tutorial.global_weekly_charts_2013_2014</a:t>
-            </a:r>
-            <a:endParaRPr sz="2000">
+            <a:endParaRPr sz="2000" b="1" dirty="0">
               <a:solidFill>
                 <a:srgbClr val="000000"/>
               </a:solidFill>
@@ -40731,14 +41798,30 @@
               <a:buNone/>
             </a:pPr>
             <a:r>
-              <a:rPr lang="en-US" sz="2000">
+              <a:rPr lang="en-US" sz="2000" b="1" dirty="0">
                 <a:solidFill>
                   <a:srgbClr val="000000"/>
                 </a:solidFill>
               </a:rPr>
-              <a:t>where game = 'Pokemon X/Y'</a:t>
-            </a:r>
-            <a:endParaRPr sz="2000">
+              <a:t>create a new column called </a:t>
+            </a:r>
+            <a:r>
+              <a:rPr lang="en-US" sz="2000" b="1" dirty="0" err="1">
+                <a:solidFill>
+                  <a:srgbClr val="000000"/>
+                </a:solidFill>
+              </a:rPr>
+              <a:t>weekly_change</a:t>
+            </a:r>
+            <a:r>
+              <a:rPr lang="en-US" sz="2000" b="1" dirty="0">
+                <a:solidFill>
+                  <a:srgbClr val="000000"/>
+                </a:solidFill>
+              </a:rPr>
+              <a:t> which contains this data.</a:t>
+            </a:r>
+            <a:endParaRPr sz="2000" b="1" dirty="0">
               <a:solidFill>
                 <a:srgbClr val="000000"/>
               </a:solidFill>
@@ -40759,7 +41842,7 @@
               <a:buFont typeface="Arial"/>
               <a:buNone/>
             </a:pPr>
-            <a:endParaRPr sz="2000" b="1">
+            <a:endParaRPr sz="2000" b="1" dirty="0">
               <a:solidFill>
                 <a:srgbClr val="000000"/>
               </a:solidFill>
@@ -40781,64 +41864,14 @@
               <a:buNone/>
             </a:pPr>
             <a:r>
-              <a:rPr lang="en-US" sz="2000" b="1">
+              <a:rPr lang="en-US" sz="2000" b="1" dirty="0">
                 <a:solidFill>
                   <a:srgbClr val="000000"/>
                 </a:solidFill>
               </a:rPr>
-              <a:t>create a new column called weekly_change which contains this data.</a:t>
-            </a:r>
-            <a:endParaRPr sz="2000" b="1">
-              <a:solidFill>
-                <a:srgbClr val="000000"/>
-              </a:solidFill>
-            </a:endParaRPr>
-          </a:p>
-          <a:p>
-            <a:pPr marL="0" marR="0" lvl="0" indent="0" algn="l" rtl="0">
-              <a:spcBef>
-                <a:spcPts val="400"/>
-              </a:spcBef>
-              <a:spcAft>
-                <a:spcPts val="0"/>
-              </a:spcAft>
-              <a:buClr>
-                <a:schemeClr val="dk1"/>
-              </a:buClr>
-              <a:buSzPts val="1100"/>
-              <a:buFont typeface="Arial"/>
-              <a:buNone/>
-            </a:pPr>
-            <a:endParaRPr sz="2000" b="1">
-              <a:solidFill>
-                <a:srgbClr val="000000"/>
-              </a:solidFill>
-            </a:endParaRPr>
-          </a:p>
-          <a:p>
-            <a:pPr marL="0" marR="0" lvl="0" indent="0" algn="l" rtl="0">
-              <a:spcBef>
-                <a:spcPts val="400"/>
-              </a:spcBef>
-              <a:spcAft>
-                <a:spcPts val="0"/>
-              </a:spcAft>
-              <a:buClr>
-                <a:schemeClr val="dk1"/>
-              </a:buClr>
-              <a:buSzPts val="1100"/>
-              <a:buFont typeface="Arial"/>
-              <a:buNone/>
-            </a:pPr>
-            <a:r>
-              <a:rPr lang="en-US" sz="2000" b="1">
-                <a:solidFill>
-                  <a:srgbClr val="000000"/>
-                </a:solidFill>
-              </a:rPr>
               <a:t>Hint: Use nested SQL queries and inner join</a:t>
             </a:r>
-            <a:endParaRPr sz="2000" b="1">
+            <a:endParaRPr sz="2000" b="1" dirty="0">
               <a:solidFill>
                 <a:srgbClr val="000000"/>
               </a:solidFill>
@@ -43574,6 +44607,137 @@
   <p:cSld>
     <p:spTree>
       <p:nvGrpSpPr>
+        <p:cNvPr id="1" name="Shape 331"/>
+        <p:cNvGrpSpPr/>
+        <p:nvPr/>
+      </p:nvGrpSpPr>
+      <p:grpSpPr>
+        <a:xfrm>
+          <a:off x="0" y="0"/>
+          <a:ext cx="0" cy="0"/>
+          <a:chOff x="0" y="0"/>
+          <a:chExt cx="0" cy="0"/>
+        </a:xfrm>
+      </p:grpSpPr>
+      <p:sp>
+        <p:nvSpPr>
+          <p:cNvPr id="332" name="Shape 332"/>
+          <p:cNvSpPr txBox="1">
+            <a:spLocks noGrp="1"/>
+          </p:cNvSpPr>
+          <p:nvPr>
+            <p:ph type="title"/>
+          </p:nvPr>
+        </p:nvSpPr>
+        <p:spPr>
+          <a:xfrm>
+            <a:off x="381000" y="292100"/>
+            <a:ext cx="8305800" cy="762000"/>
+          </a:xfrm>
+          <a:prstGeom prst="rect">
+            <a:avLst/>
+          </a:prstGeom>
+          <a:noFill/>
+          <a:ln>
+            <a:noFill/>
+          </a:ln>
+        </p:spPr>
+        <p:txBody>
+          <a:bodyPr spcFirstLastPara="1" wrap="square" lIns="91425" tIns="45700" rIns="91425" bIns="45700" anchor="ctr" anchorCtr="0">
+            <a:noAutofit/>
+          </a:bodyPr>
+          <a:lstStyle/>
+          <a:p>
+            <a:pPr marL="0" marR="0" lvl="0" indent="0" algn="l" rtl="0">
+              <a:spcBef>
+                <a:spcPts val="0"/>
+              </a:spcBef>
+              <a:spcAft>
+                <a:spcPts val="0"/>
+              </a:spcAft>
+              <a:buNone/>
+            </a:pPr>
+            <a:r>
+              <a:rPr lang="en-US" dirty="0"/>
+              <a:t>Summary of SQL Joins</a:t>
+            </a:r>
+            <a:endParaRPr sz="3600" b="1" i="0" u="none" strike="noStrike" cap="none" dirty="0">
+              <a:solidFill>
+                <a:srgbClr val="820000"/>
+              </a:solidFill>
+              <a:latin typeface="Arial"/>
+              <a:ea typeface="Arial"/>
+              <a:cs typeface="Arial"/>
+              <a:sym typeface="Arial"/>
+            </a:endParaRPr>
+          </a:p>
+        </p:txBody>
+      </p:sp>
+      <p:pic>
+        <p:nvPicPr>
+          <p:cNvPr id="1026" name="Picture 2" descr="Image result for summary of sql joins">
+            <a:extLst>
+              <a:ext uri="{FF2B5EF4-FFF2-40B4-BE49-F238E27FC236}">
+                <a16:creationId xmlns:a16="http://schemas.microsoft.com/office/drawing/2014/main" id="{868821BF-8B0E-49F5-A4AC-32D5966048A6}"/>
+              </a:ext>
+            </a:extLst>
+          </p:cNvPr>
+          <p:cNvPicPr>
+            <a:picLocks noChangeAspect="1" noChangeArrowheads="1"/>
+          </p:cNvPicPr>
+          <p:nvPr/>
+        </p:nvPicPr>
+        <p:blipFill>
+          <a:blip r:embed="rId3">
+            <a:extLst>
+              <a:ext uri="{28A0092B-C50C-407E-A947-70E740481C1C}">
+                <a14:useLocalDpi xmlns:a14="http://schemas.microsoft.com/office/drawing/2010/main" val="0"/>
+              </a:ext>
+            </a:extLst>
+          </a:blip>
+          <a:srcRect/>
+          <a:stretch>
+            <a:fillRect/>
+          </a:stretch>
+        </p:blipFill>
+        <p:spPr bwMode="auto">
+          <a:xfrm>
+            <a:off x="1724940" y="1323324"/>
+            <a:ext cx="5694119" cy="4479802"/>
+          </a:xfrm>
+          <a:prstGeom prst="rect">
+            <a:avLst/>
+          </a:prstGeom>
+          <a:noFill/>
+          <a:extLst>
+            <a:ext uri="{909E8E84-426E-40DD-AFC4-6F175D3DCCD1}">
+              <a14:hiddenFill xmlns:a14="http://schemas.microsoft.com/office/drawing/2010/main">
+                <a:solidFill>
+                  <a:srgbClr val="FFFFFF"/>
+                </a:solidFill>
+              </a14:hiddenFill>
+            </a:ext>
+          </a:extLst>
+        </p:spPr>
+      </p:pic>
+    </p:spTree>
+    <p:extLst>
+      <p:ext uri="{BB962C8B-B14F-4D97-AF65-F5344CB8AC3E}">
+        <p14:creationId xmlns:p14="http://schemas.microsoft.com/office/powerpoint/2010/main" val="3484811914"/>
+      </p:ext>
+    </p:extLst>
+  </p:cSld>
+  <p:clrMapOvr>
+    <a:masterClrMapping/>
+  </p:clrMapOvr>
+</p:sld>
+</file>
+
+<file path=ppt/slides/slide31.xml><?xml version="1.0" encoding="utf-8"?>
+<p:sld xmlns:a="http://schemas.openxmlformats.org/drawingml/2006/main" xmlns:r="http://schemas.openxmlformats.org/officeDocument/2006/relationships" xmlns:p="http://schemas.openxmlformats.org/presentationml/2006/main">
+  <p:cSld>
+    <p:spTree>
+      <p:nvGrpSpPr>
         <p:cNvPr id="1" name="Shape 337"/>
         <p:cNvGrpSpPr/>
         <p:nvPr/>
@@ -43656,7 +44820,7 @@
 </p:sld>
 </file>
 
-<file path=ppt/slides/slide31.xml><?xml version="1.0" encoding="utf-8"?>
+<file path=ppt/slides/slide32.xml><?xml version="1.0" encoding="utf-8"?>
 <p:sld xmlns:a="http://schemas.openxmlformats.org/drawingml/2006/main" xmlns:r="http://schemas.openxmlformats.org/officeDocument/2006/relationships" xmlns:p="http://schemas.openxmlformats.org/presentationml/2006/main">
   <p:cSld>
     <p:spTree>
@@ -43809,7 +44973,7 @@
 </p:sld>
 </file>
 
-<file path=ppt/slides/slide32.xml><?xml version="1.0" encoding="utf-8"?>
+<file path=ppt/slides/slide33.xml><?xml version="1.0" encoding="utf-8"?>
 <p:sld xmlns:a="http://schemas.openxmlformats.org/drawingml/2006/main" xmlns:r="http://schemas.openxmlformats.org/officeDocument/2006/relationships" xmlns:p="http://schemas.openxmlformats.org/presentationml/2006/main">
   <p:cSld>
     <p:spTree>
@@ -43870,7 +45034,7 @@
                 <a:cs typeface="Arial"/>
                 <a:sym typeface="Arial"/>
               </a:rPr>
-              <a:t>32</a:t>
+              <a:t>33</a:t>
             </a:fld>
             <a:endParaRPr sz="1000">
               <a:solidFill>
@@ -45361,7 +46525,7 @@
 </p:sld>
 </file>
 
-<file path=ppt/slides/slide33.xml><?xml version="1.0" encoding="utf-8"?>
+<file path=ppt/slides/slide34.xml><?xml version="1.0" encoding="utf-8"?>
 <p:sld xmlns:a="http://schemas.openxmlformats.org/drawingml/2006/main" xmlns:r="http://schemas.openxmlformats.org/officeDocument/2006/relationships" xmlns:p="http://schemas.openxmlformats.org/presentationml/2006/main">
   <p:cSld>
     <p:spTree>
@@ -45422,7 +46586,7 @@
                 <a:cs typeface="Arial"/>
                 <a:sym typeface="Arial"/>
               </a:rPr>
-              <a:t>33</a:t>
+              <a:t>34</a:t>
             </a:fld>
             <a:endParaRPr sz="1000">
               <a:solidFill>
@@ -45865,7 +47029,7 @@
 </p:sld>
 </file>
 
-<file path=ppt/slides/slide34.xml><?xml version="1.0" encoding="utf-8"?>
+<file path=ppt/slides/slide35.xml><?xml version="1.0" encoding="utf-8"?>
 <p:sld xmlns:a="http://schemas.openxmlformats.org/drawingml/2006/main" xmlns:r="http://schemas.openxmlformats.org/officeDocument/2006/relationships" xmlns:p="http://schemas.openxmlformats.org/presentationml/2006/main">
   <p:cSld>
     <p:spTree>
@@ -45987,7 +47151,7 @@
               <a:buNone/>
             </a:pPr>
             <a:r>
-              <a:rPr lang="en-US" sz="2800" b="0" i="0" u="none" strike="noStrike" cap="none">
+              <a:rPr lang="en-US" sz="2800" b="0" i="0" u="none" strike="noStrike" cap="none" dirty="0">
                 <a:solidFill>
                   <a:schemeClr val="dk1"/>
                 </a:solidFill>
@@ -45998,7 +47162,7 @@
               </a:rPr>
               <a:t>Allows you to estimate the time of your query</a:t>
             </a:r>
-            <a:endParaRPr sz="2800" b="0" i="0" u="none" strike="noStrike" cap="none">
+            <a:endParaRPr sz="2800" b="0" i="0" u="none" strike="noStrike" cap="none" dirty="0">
               <a:solidFill>
                 <a:schemeClr val="dk1"/>
               </a:solidFill>
@@ -46022,7 +47186,7 @@
               <a:buFont typeface="Arial"/>
               <a:buNone/>
             </a:pPr>
-            <a:endParaRPr sz="2800" b="1" i="0" u="none" strike="noStrike" cap="none">
+            <a:endParaRPr sz="2800" b="1" i="0" u="none" strike="noStrike" cap="none" dirty="0">
               <a:solidFill>
                 <a:srgbClr val="FF9F49"/>
               </a:solidFill>
@@ -46047,7 +47211,7 @@
               <a:buNone/>
             </a:pPr>
             <a:r>
-              <a:rPr lang="en-US" sz="2800" b="1" i="0" u="none" strike="noStrike" cap="none">
+              <a:rPr lang="en-US" sz="2800" b="1" i="0" u="none" strike="noStrike" cap="none" dirty="0">
                 <a:solidFill>
                   <a:srgbClr val="FF9F49"/>
                 </a:solidFill>
@@ -46058,7 +47222,7 @@
               </a:rPr>
               <a:t>EXPLAIN </a:t>
             </a:r>
-            <a:endParaRPr/>
+            <a:endParaRPr dirty="0"/>
           </a:p>
           <a:p>
             <a:pPr marL="0" marR="0" lvl="0" indent="0" algn="l" rtl="0">
@@ -46075,7 +47239,7 @@
               <a:buNone/>
             </a:pPr>
             <a:r>
-              <a:rPr lang="en-US" sz="2800" b="1" i="0" u="none" strike="noStrike" cap="none">
+              <a:rPr lang="en-US" sz="2800" b="1" i="0" u="none" strike="noStrike" cap="none" dirty="0">
                 <a:solidFill>
                   <a:srgbClr val="FF9F49"/>
                 </a:solidFill>
@@ -46087,7 +47251,7 @@
               <a:t>SELECT</a:t>
             </a:r>
             <a:r>
-              <a:rPr lang="en-US" sz="2800" b="0" i="0" u="none" strike="noStrike" cap="none">
+              <a:rPr lang="en-US" sz="2800" b="0" i="0" u="none" strike="noStrike" cap="none" dirty="0">
                 <a:solidFill>
                   <a:srgbClr val="FF9F49"/>
                 </a:solidFill>
@@ -46099,7 +47263,7 @@
               <a:t> </a:t>
             </a:r>
             <a:r>
-              <a:rPr lang="en-US" sz="2800" b="0" i="0" u="none" strike="noStrike" cap="none">
+              <a:rPr lang="en-US" sz="2800" b="0" i="0" u="none" strike="noStrike" cap="none" dirty="0">
                 <a:solidFill>
                   <a:schemeClr val="dk1"/>
                 </a:solidFill>
@@ -46110,7 +47274,7 @@
               </a:rPr>
               <a:t>* 	                                           			 </a:t>
             </a:r>
-            <a:endParaRPr sz="2800" b="0" i="0" u="none" strike="noStrike" cap="none">
+            <a:endParaRPr sz="2800" b="0" i="0" u="none" strike="noStrike" cap="none" dirty="0">
               <a:solidFill>
                 <a:schemeClr val="dk1"/>
               </a:solidFill>
@@ -46135,7 +47299,7 @@
               <a:buNone/>
             </a:pPr>
             <a:r>
-              <a:rPr lang="en-US" sz="2800" b="1" i="0" u="none" strike="noStrike" cap="none">
+              <a:rPr lang="en-US" sz="2800" b="1" i="0" u="none" strike="noStrike" cap="none" dirty="0">
                 <a:solidFill>
                   <a:srgbClr val="0070C0"/>
                 </a:solidFill>
@@ -46147,7 +47311,7 @@
               <a:t>FROM</a:t>
             </a:r>
             <a:r>
-              <a:rPr lang="en-US" sz="2800" b="0" i="0" u="none" strike="noStrike" cap="none">
+              <a:rPr lang="en-US" sz="2800" b="0" i="0" u="none" strike="noStrike" cap="none" dirty="0">
                 <a:solidFill>
                   <a:srgbClr val="0070C0"/>
                 </a:solidFill>
@@ -46159,18 +47323,115 @@
               <a:t> </a:t>
             </a:r>
             <a:r>
-              <a:rPr lang="en-US" sz="2800" b="0" i="0" u="none" strike="noStrike" cap="none">
-                <a:solidFill>
-                  <a:schemeClr val="dk1"/>
-                </a:solidFill>
-                <a:latin typeface="Arial"/>
-                <a:ea typeface="Arial"/>
-                <a:cs typeface="Arial"/>
-                <a:sym typeface="Arial"/>
-              </a:rPr>
-              <a:t>sb_employees    					 </a:t>
-            </a:r>
-            <a:endParaRPr sz="2800" b="0" i="0" u="none" strike="noStrike" cap="none">
+              <a:rPr lang="en-US" sz="2800" b="0" i="0" u="none" strike="noStrike" cap="none" dirty="0" err="1">
+                <a:solidFill>
+                  <a:schemeClr val="dk1"/>
+                </a:solidFill>
+                <a:latin typeface="Arial"/>
+                <a:ea typeface="Arial"/>
+                <a:cs typeface="Arial"/>
+                <a:sym typeface="Arial"/>
+              </a:rPr>
+              <a:t>sb_employees</a:t>
+            </a:r>
+            <a:r>
+              <a:rPr lang="en-US" sz="2800" b="0" i="0" u="none" strike="noStrike" cap="none" dirty="0">
+                <a:solidFill>
+                  <a:schemeClr val="dk1"/>
+                </a:solidFill>
+                <a:latin typeface="Arial"/>
+                <a:ea typeface="Arial"/>
+                <a:cs typeface="Arial"/>
+                <a:sym typeface="Arial"/>
+              </a:rPr>
+              <a:t>    					 </a:t>
+            </a:r>
+            <a:endParaRPr sz="2800" b="0" i="0" u="none" strike="noStrike" cap="none" dirty="0">
+              <a:solidFill>
+                <a:schemeClr val="dk1"/>
+              </a:solidFill>
+              <a:latin typeface="Arial"/>
+              <a:ea typeface="Arial"/>
+              <a:cs typeface="Arial"/>
+              <a:sym typeface="Arial"/>
+            </a:endParaRPr>
+          </a:p>
+          <a:p>
+            <a:pPr marL="0" lvl="0" indent="0">
+              <a:buClr>
+                <a:srgbClr val="FF9F49"/>
+              </a:buClr>
+              <a:buNone/>
+            </a:pPr>
+            <a:r>
+              <a:rPr lang="en-US" sz="2800" b="1" i="0" u="none" strike="noStrike" cap="none" dirty="0">
+                <a:solidFill>
+                  <a:srgbClr val="7030A0"/>
+                </a:solidFill>
+                <a:latin typeface="Arial"/>
+                <a:ea typeface="Arial"/>
+                <a:cs typeface="Arial"/>
+                <a:sym typeface="Arial"/>
+              </a:rPr>
+              <a:t>WHERE</a:t>
+            </a:r>
+            <a:r>
+              <a:rPr lang="en-US" sz="2800" b="0" i="0" u="none" strike="noStrike" cap="none" dirty="0">
+                <a:solidFill>
+                  <a:srgbClr val="0070C0"/>
+                </a:solidFill>
+                <a:latin typeface="Arial"/>
+                <a:ea typeface="Arial"/>
+                <a:cs typeface="Arial"/>
+                <a:sym typeface="Arial"/>
+              </a:rPr>
+              <a:t> </a:t>
+            </a:r>
+            <a:r>
+              <a:rPr lang="en-US" sz="2800" b="0" i="0" u="none" strike="noStrike" cap="none" dirty="0">
+                <a:solidFill>
+                  <a:schemeClr val="dk1"/>
+                </a:solidFill>
+                <a:latin typeface="Arial"/>
+                <a:ea typeface="Arial"/>
+                <a:cs typeface="Arial"/>
+                <a:sym typeface="Arial"/>
+              </a:rPr>
+              <a:t>state=</a:t>
+            </a:r>
+            <a:r>
+              <a:rPr lang="en-US" dirty="0"/>
+              <a:t>'</a:t>
+            </a:r>
+            <a:r>
+              <a:rPr lang="en-US" sz="2800" b="0" i="0" u="none" strike="noStrike" cap="none" dirty="0">
+                <a:solidFill>
+                  <a:schemeClr val="dk1"/>
+                </a:solidFill>
+                <a:latin typeface="Arial"/>
+                <a:ea typeface="Arial"/>
+                <a:cs typeface="Arial"/>
+                <a:sym typeface="Arial"/>
+              </a:rPr>
+              <a:t>IN</a:t>
+            </a:r>
+            <a:r>
+              <a:rPr lang="en-US" dirty="0"/>
+              <a:t>'</a:t>
+            </a:r>
+            <a:r>
+              <a:rPr lang="en-US" sz="2800" b="0" i="0" u="none" strike="noStrike" cap="none" dirty="0">
+                <a:solidFill>
+                  <a:schemeClr val="dk1"/>
+                </a:solidFill>
+                <a:latin typeface="Arial"/>
+                <a:ea typeface="Arial"/>
+                <a:cs typeface="Arial"/>
+                <a:sym typeface="Arial"/>
+              </a:rPr>
+              <a:t>	</a:t>
+            </a:r>
+            <a:endParaRPr sz="2800" b="0" i="0" u="none" strike="noStrike" cap="none" dirty="0">
               <a:solidFill>
                 <a:schemeClr val="dk1"/>
               </a:solidFill>
@@ -46189,48 +47450,12 @@
                 <a:spcPts val="0"/>
               </a:spcAft>
               <a:buClr>
-                <a:srgbClr val="FF9F49"/>
+                <a:schemeClr val="dk1"/>
               </a:buClr>
               <a:buFont typeface="Arial"/>
               <a:buNone/>
             </a:pPr>
-            <a:r>
-              <a:rPr lang="en-US" sz="2800" b="1" i="0" u="none" strike="noStrike" cap="none">
-                <a:solidFill>
-                  <a:srgbClr val="0070C0"/>
-                </a:solidFill>
-                <a:latin typeface="Arial"/>
-                <a:ea typeface="Arial"/>
-                <a:cs typeface="Arial"/>
-                <a:sym typeface="Arial"/>
-              </a:rPr>
-              <a:t>WHERE</a:t>
-            </a:r>
-            <a:r>
-              <a:rPr lang="en-US" sz="2800" b="0" i="0" u="none" strike="noStrike" cap="none">
-                <a:solidFill>
-                  <a:srgbClr val="0070C0"/>
-                </a:solidFill>
-                <a:latin typeface="Arial"/>
-                <a:ea typeface="Arial"/>
-                <a:cs typeface="Arial"/>
-                <a:sym typeface="Arial"/>
-              </a:rPr>
-              <a:t> </a:t>
-            </a:r>
-            <a:r>
-              <a:rPr lang="en-US" sz="2800" b="0" i="0" u="none" strike="noStrike" cap="none">
-                <a:solidFill>
-                  <a:schemeClr val="dk1"/>
-                </a:solidFill>
-                <a:latin typeface="Arial"/>
-                <a:ea typeface="Arial"/>
-                <a:cs typeface="Arial"/>
-                <a:sym typeface="Arial"/>
-              </a:rPr>
-              <a:t>state=’IN’	</a:t>
-            </a:r>
-            <a:endParaRPr sz="2800" b="0" i="0" u="none" strike="noStrike" cap="none">
+            <a:endParaRPr sz="2800" b="0" i="0" u="none" strike="noStrike" cap="none" dirty="0">
               <a:solidFill>
                 <a:schemeClr val="dk1"/>
               </a:solidFill>
@@ -46254,32 +47479,8 @@
               <a:buFont typeface="Arial"/>
               <a:buNone/>
             </a:pPr>
-            <a:endParaRPr sz="2800" b="0" i="0" u="none" strike="noStrike" cap="none">
-              <a:solidFill>
-                <a:schemeClr val="dk1"/>
-              </a:solidFill>
-              <a:latin typeface="Arial"/>
-              <a:ea typeface="Arial"/>
-              <a:cs typeface="Arial"/>
-              <a:sym typeface="Arial"/>
-            </a:endParaRPr>
-          </a:p>
-          <a:p>
-            <a:pPr marL="0" marR="0" lvl="0" indent="0" algn="l" rtl="0">
-              <a:spcBef>
-                <a:spcPts val="560"/>
-              </a:spcBef>
-              <a:spcAft>
-                <a:spcPts val="0"/>
-              </a:spcAft>
-              <a:buClr>
-                <a:schemeClr val="dk1"/>
-              </a:buClr>
-              <a:buFont typeface="Arial"/>
-              <a:buNone/>
-            </a:pPr>
-            <a:r>
-              <a:rPr lang="en-US" sz="2800" b="0" i="0" u="none" strike="noStrike" cap="none">
+            <a:r>
+              <a:rPr lang="en-US" sz="2800" b="0" i="0" u="none" strike="noStrike" cap="none" dirty="0">
                 <a:solidFill>
                   <a:schemeClr val="dk1"/>
                 </a:solidFill>
@@ -46290,7 +47491,7 @@
               </a:rPr>
               <a:t>The explain command tells you how many rows the computer must sort through</a:t>
             </a:r>
-            <a:endParaRPr sz="2800" b="0" i="0" u="none" strike="noStrike" cap="none">
+            <a:endParaRPr sz="2800" b="0" i="0" u="none" strike="noStrike" cap="none" dirty="0">
               <a:solidFill>
                 <a:schemeClr val="dk1"/>
               </a:solidFill>
@@ -46392,7 +47593,7 @@
                                         <p:tgtEl>
                                           <p:spTgt spid="375">
                                             <p:txEl>
-                                              <p:pRg st="1" end="1"/>
+                                              <p:pRg st="2" end="2"/>
                                             </p:txEl>
                                           </p:spTgt>
                                         </p:tgtEl>
@@ -46441,7 +47642,7 @@
                                         <p:tgtEl>
                                           <p:spTgt spid="375">
                                             <p:txEl>
-                                              <p:pRg st="2" end="2"/>
+                                              <p:pRg st="3" end="3"/>
                                             </p:txEl>
                                           </p:spTgt>
                                         </p:tgtEl>
@@ -46490,7 +47691,7 @@
                                         <p:tgtEl>
                                           <p:spTgt spid="375">
                                             <p:txEl>
-                                              <p:pRg st="3" end="3"/>
+                                              <p:pRg st="4" end="4"/>
                                             </p:txEl>
                                           </p:spTgt>
                                         </p:tgtEl>
@@ -46539,7 +47740,7 @@
                                         <p:tgtEl>
                                           <p:spTgt spid="375">
                                             <p:txEl>
-                                              <p:pRg st="4" end="4"/>
+                                              <p:pRg st="5" end="5"/>
                                             </p:txEl>
                                           </p:spTgt>
                                         </p:tgtEl>
@@ -46581,104 +47782,6 @@
                                     <p:set>
                                       <p:cBhvr>
                                         <p:cTn id="26" dur="1" fill="hold">
-                                          <p:stCondLst>
-                                            <p:cond delay="0"/>
-                                          </p:stCondLst>
-                                        </p:cTn>
-                                        <p:tgtEl>
-                                          <p:spTgt spid="375">
-                                            <p:txEl>
-                                              <p:pRg st="5" end="5"/>
-                                            </p:txEl>
-                                          </p:spTgt>
-                                        </p:tgtEl>
-                                        <p:attrNameLst>
-                                          <p:attrName>style.visibility</p:attrName>
-                                        </p:attrNameLst>
-                                      </p:cBhvr>
-                                      <p:to>
-                                        <p:strVal val="visible"/>
-                                      </p:to>
-                                    </p:set>
-                                  </p:childTnLst>
-                                </p:cTn>
-                              </p:par>
-                            </p:childTnLst>
-                          </p:cTn>
-                        </p:par>
-                      </p:childTnLst>
-                    </p:cTn>
-                  </p:par>
-                  <p:par>
-                    <p:cTn id="27" fill="hold">
-                      <p:stCondLst>
-                        <p:cond delay="indefinite"/>
-                      </p:stCondLst>
-                      <p:childTnLst>
-                        <p:par>
-                          <p:cTn id="28" fill="hold">
-                            <p:stCondLst>
-                              <p:cond delay="0"/>
-                            </p:stCondLst>
-                            <p:childTnLst>
-                              <p:par>
-                                <p:cTn id="29" presetID="1" presetClass="entr" presetSubtype="0" fill="hold" nodeType="clickEffect">
-                                  <p:stCondLst>
-                                    <p:cond delay="0"/>
-                                  </p:stCondLst>
-                                  <p:childTnLst>
-                                    <p:set>
-                                      <p:cBhvr>
-                                        <p:cTn id="30" dur="1" fill="hold">
-                                          <p:stCondLst>
-                                            <p:cond delay="0"/>
-                                          </p:stCondLst>
-                                        </p:cTn>
-                                        <p:tgtEl>
-                                          <p:spTgt spid="375">
-                                            <p:txEl>
-                                              <p:pRg st="6" end="6"/>
-                                            </p:txEl>
-                                          </p:spTgt>
-                                        </p:tgtEl>
-                                        <p:attrNameLst>
-                                          <p:attrName>style.visibility</p:attrName>
-                                        </p:attrNameLst>
-                                      </p:cBhvr>
-                                      <p:to>
-                                        <p:strVal val="visible"/>
-                                      </p:to>
-                                    </p:set>
-                                  </p:childTnLst>
-                                </p:cTn>
-                              </p:par>
-                            </p:childTnLst>
-                          </p:cTn>
-                        </p:par>
-                      </p:childTnLst>
-                    </p:cTn>
-                  </p:par>
-                  <p:par>
-                    <p:cTn id="31" fill="hold">
-                      <p:stCondLst>
-                        <p:cond delay="indefinite"/>
-                      </p:stCondLst>
-                      <p:childTnLst>
-                        <p:par>
-                          <p:cTn id="32" fill="hold">
-                            <p:stCondLst>
-                              <p:cond delay="0"/>
-                            </p:stCondLst>
-                            <p:childTnLst>
-                              <p:par>
-                                <p:cTn id="33" presetID="1" presetClass="entr" presetSubtype="0" fill="hold" nodeType="clickEffect">
-                                  <p:stCondLst>
-                                    <p:cond delay="0"/>
-                                  </p:stCondLst>
-                                  <p:childTnLst>
-                                    <p:set>
-                                      <p:cBhvr>
-                                        <p:cTn id="34" dur="1" fill="hold">
                                           <p:stCondLst>
                                             <p:cond delay="0"/>
                                           </p:stCondLst>
@@ -46732,7 +47835,7 @@
 </p:sld>
 </file>
 
-<file path=ppt/slides/slide35.xml><?xml version="1.0" encoding="utf-8"?>
+<file path=ppt/slides/slide36.xml><?xml version="1.0" encoding="utf-8"?>
 <p:sld xmlns:a="http://schemas.openxmlformats.org/drawingml/2006/main" xmlns:r="http://schemas.openxmlformats.org/officeDocument/2006/relationships" xmlns:p="http://schemas.openxmlformats.org/presentationml/2006/main">
   <p:cSld>
     <p:spTree>
@@ -46840,21 +47943,17 @@
           </a:bodyPr>
           <a:lstStyle/>
           <a:p>
-            <a:pPr marL="0" marR="0" lvl="0" indent="0" algn="l" rtl="0">
-              <a:spcBef>
-                <a:spcPts val="0"/>
-              </a:spcBef>
-              <a:spcAft>
-                <a:spcPts val="0"/>
-              </a:spcAft>
+            <a:pPr marL="0" lvl="0" indent="0">
+              <a:spcBef>
+                <a:spcPts val="0"/>
+              </a:spcBef>
               <a:buClr>
                 <a:srgbClr val="FF9F49"/>
               </a:buClr>
-              <a:buFont typeface="Arial"/>
               <a:buNone/>
             </a:pPr>
             <a:r>
-              <a:rPr lang="en-US" sz="2800" b="1" i="0" u="none" strike="noStrike" cap="none">
+              <a:rPr lang="en-US" sz="2800" b="1" i="0" u="none" strike="noStrike" cap="none" dirty="0">
                 <a:solidFill>
                   <a:srgbClr val="FF9F49"/>
                 </a:solidFill>
@@ -46866,7 +47965,7 @@
               <a:t>EXPLAIN SELECT</a:t>
             </a:r>
             <a:r>
-              <a:rPr lang="en-US" sz="2800" b="0" i="0" u="none" strike="noStrike" cap="none">
+              <a:rPr lang="en-US" sz="2800" b="0" i="0" u="none" strike="noStrike" cap="none" dirty="0">
                 <a:solidFill>
                   <a:srgbClr val="FF9F49"/>
                 </a:solidFill>
@@ -46878,7 +47977,7 @@
               <a:t> </a:t>
             </a:r>
             <a:r>
-              <a:rPr lang="en-US" sz="2800" b="0" i="0" u="none" strike="noStrike" cap="none">
+              <a:rPr lang="en-US" sz="2800" b="0" i="0" u="none" strike="noStrike" cap="none" dirty="0">
                 <a:solidFill>
                   <a:schemeClr val="dk1"/>
                 </a:solidFill>
@@ -46890,7 +47989,7 @@
               <a:t>* 	                                           </a:t>
             </a:r>
             <a:r>
-              <a:rPr lang="en-US" sz="2800" b="1" i="0" u="none" strike="noStrike" cap="none">
+              <a:rPr lang="en-US" sz="2800" b="1" i="0" u="none" strike="noStrike" cap="none" dirty="0">
                 <a:solidFill>
                   <a:srgbClr val="0070C0"/>
                 </a:solidFill>
@@ -46902,7 +48001,7 @@
               <a:t>FROM</a:t>
             </a:r>
             <a:r>
-              <a:rPr lang="en-US" sz="2800" b="0" i="0" u="none" strike="noStrike" cap="none">
+              <a:rPr lang="en-US" sz="2800" b="0" i="0" u="none" strike="noStrike" cap="none" dirty="0">
                 <a:solidFill>
                   <a:srgbClr val="0070C0"/>
                 </a:solidFill>
@@ -46914,19 +48013,43 @@
               <a:t> </a:t>
             </a:r>
             <a:r>
-              <a:rPr lang="en-US" sz="2800" b="0" i="0" u="none" strike="noStrike" cap="none">
-                <a:solidFill>
-                  <a:schemeClr val="dk1"/>
-                </a:solidFill>
-                <a:latin typeface="Arial"/>
-                <a:ea typeface="Arial"/>
-                <a:cs typeface="Arial"/>
-                <a:sym typeface="Arial"/>
-              </a:rPr>
-              <a:t>sb_employees     </a:t>
-            </a:r>
-            <a:r>
-              <a:rPr lang="en-US" sz="2800" b="1" i="0" u="none" strike="noStrike" cap="none">
+              <a:rPr lang="en-US" sz="2800" b="0" i="0" u="none" strike="noStrike" cap="none" dirty="0" err="1">
+                <a:solidFill>
+                  <a:schemeClr val="dk1"/>
+                </a:solidFill>
+                <a:latin typeface="Arial"/>
+                <a:ea typeface="Arial"/>
+                <a:cs typeface="Arial"/>
+                <a:sym typeface="Arial"/>
+              </a:rPr>
+              <a:t>sb_employees</a:t>
+            </a:r>
+            <a:r>
+              <a:rPr lang="en-US" sz="2800" b="0" i="0" u="none" strike="noStrike" cap="none" dirty="0">
+                <a:solidFill>
+                  <a:schemeClr val="dk1"/>
+                </a:solidFill>
+                <a:latin typeface="Arial"/>
+                <a:ea typeface="Arial"/>
+                <a:cs typeface="Arial"/>
+                <a:sym typeface="Arial"/>
+              </a:rPr>
+              <a:t>     </a:t>
+            </a:r>
+            <a:r>
+              <a:rPr lang="en-US" sz="2800" b="1" i="0" u="none" strike="noStrike" cap="none" dirty="0">
+                <a:solidFill>
+                  <a:srgbClr val="7030A0"/>
+                </a:solidFill>
+                <a:latin typeface="Arial"/>
+                <a:ea typeface="Arial"/>
+                <a:cs typeface="Arial"/>
+                <a:sym typeface="Arial"/>
+              </a:rPr>
+              <a:t>WHERE</a:t>
+            </a:r>
+            <a:r>
+              <a:rPr lang="en-US" sz="2800" b="0" i="0" u="none" strike="noStrike" cap="none" dirty="0">
                 <a:solidFill>
                   <a:srgbClr val="0070C0"/>
                 </a:solidFill>
@@ -46935,33 +48058,41 @@
                 <a:cs typeface="Arial"/>
                 <a:sym typeface="Arial"/>
               </a:rPr>
-              <a:t>WHERE</a:t>
-            </a:r>
-            <a:r>
-              <a:rPr lang="en-US" sz="2800" b="0" i="0" u="none" strike="noStrike" cap="none">
-                <a:solidFill>
-                  <a:srgbClr val="0070C0"/>
-                </a:solidFill>
-                <a:latin typeface="Arial"/>
-                <a:ea typeface="Arial"/>
-                <a:cs typeface="Arial"/>
-                <a:sym typeface="Arial"/>
-              </a:rPr>
               <a:t> </a:t>
             </a:r>
             <a:r>
-              <a:rPr lang="en-US" sz="2800" b="0" i="0" u="none" strike="noStrike" cap="none">
-                <a:solidFill>
-                  <a:schemeClr val="dk1"/>
-                </a:solidFill>
-                <a:latin typeface="Arial"/>
-                <a:ea typeface="Arial"/>
-                <a:cs typeface="Arial"/>
-                <a:sym typeface="Arial"/>
-              </a:rPr>
-              <a:t>state=’IN’</a:t>
-            </a:r>
-            <a:endParaRPr sz="2800" b="1" i="0" u="none" strike="noStrike" cap="none">
+              <a:rPr lang="en-US" sz="2800" b="0" i="0" u="none" strike="noStrike" cap="none" dirty="0">
+                <a:solidFill>
+                  <a:schemeClr val="dk1"/>
+                </a:solidFill>
+                <a:latin typeface="Arial"/>
+                <a:ea typeface="Arial"/>
+                <a:cs typeface="Arial"/>
+                <a:sym typeface="Arial"/>
+              </a:rPr>
+              <a:t>state=</a:t>
+            </a:r>
+            <a:r>
+              <a:rPr lang="en-US" dirty="0"/>
+              <a:t>'</a:t>
+            </a:r>
+            <a:r>
+              <a:rPr lang="en-US" sz="2800" b="0" i="0" u="none" strike="noStrike" cap="none" dirty="0">
+                <a:solidFill>
+                  <a:schemeClr val="dk1"/>
+                </a:solidFill>
+                <a:latin typeface="Arial"/>
+                <a:ea typeface="Arial"/>
+                <a:cs typeface="Arial"/>
+                <a:sym typeface="Arial"/>
+              </a:rPr>
+              <a:t>IN</a:t>
+            </a:r>
+            <a:r>
+              <a:rPr lang="en-US" dirty="0"/>
+              <a:t>'</a:t>
+            </a:r>
+            <a:endParaRPr sz="2800" b="1" i="0" u="none" strike="noStrike" cap="none" dirty="0">
               <a:solidFill>
                 <a:srgbClr val="FF9F49"/>
               </a:solidFill>
@@ -46985,7 +48116,7 @@
               <a:buFont typeface="Arial"/>
               <a:buNone/>
             </a:pPr>
-            <a:endParaRPr sz="2800" b="0" i="0" u="none" strike="noStrike" cap="none">
+            <a:endParaRPr sz="2800" b="0" i="0" u="none" strike="noStrike" cap="none" dirty="0">
               <a:solidFill>
                 <a:schemeClr val="dk1"/>
               </a:solidFill>
@@ -47010,7 +48141,7 @@
               <a:buNone/>
             </a:pPr>
             <a:r>
-              <a:rPr lang="en-US" sz="2800" b="1" i="0" u="none" strike="noStrike" cap="none">
+              <a:rPr lang="en-US" sz="2800" b="1" i="0" u="none" strike="noStrike" cap="none" dirty="0">
                 <a:solidFill>
                   <a:srgbClr val="FF9F49"/>
                 </a:solidFill>
@@ -47022,7 +48153,7 @@
               <a:t>EXPLAIN SELECT</a:t>
             </a:r>
             <a:r>
-              <a:rPr lang="en-US" sz="2800" b="0" i="0" u="none" strike="noStrike" cap="none">
+              <a:rPr lang="en-US" sz="2800" b="0" i="0" u="none" strike="noStrike" cap="none" dirty="0">
                 <a:solidFill>
                   <a:srgbClr val="FF9F49"/>
                 </a:solidFill>
@@ -47034,7 +48165,7 @@
               <a:t> </a:t>
             </a:r>
             <a:r>
-              <a:rPr lang="en-US" sz="2800" b="0" i="0" u="none" strike="noStrike" cap="none">
+              <a:rPr lang="en-US" sz="2800" b="0" i="0" u="none" strike="noStrike" cap="none" dirty="0">
                 <a:solidFill>
                   <a:schemeClr val="dk1"/>
                 </a:solidFill>
@@ -47046,7 +48177,7 @@
               <a:t>* 	                                            </a:t>
             </a:r>
             <a:r>
-              <a:rPr lang="en-US" sz="2800" b="1" i="0" u="none" strike="noStrike" cap="none">
+              <a:rPr lang="en-US" sz="2800" b="1" i="0" u="none" strike="noStrike" cap="none" dirty="0">
                 <a:solidFill>
                   <a:srgbClr val="0070C0"/>
                 </a:solidFill>
@@ -47058,7 +48189,7 @@
               <a:t>FROM</a:t>
             </a:r>
             <a:r>
-              <a:rPr lang="en-US" sz="2800" b="0" i="0" u="none" strike="noStrike" cap="none">
+              <a:rPr lang="en-US" sz="2800" b="0" i="0" u="none" strike="noStrike" cap="none" dirty="0">
                 <a:solidFill>
                   <a:srgbClr val="0070C0"/>
                 </a:solidFill>
@@ -47070,19 +48201,43 @@
               <a:t> </a:t>
             </a:r>
             <a:r>
-              <a:rPr lang="en-US" sz="2800" b="0" i="0" u="none" strike="noStrike" cap="none">
-                <a:solidFill>
-                  <a:schemeClr val="dk1"/>
-                </a:solidFill>
-                <a:latin typeface="Arial"/>
-                <a:ea typeface="Arial"/>
-                <a:cs typeface="Arial"/>
-                <a:sym typeface="Arial"/>
-              </a:rPr>
-              <a:t>sb_employees    </a:t>
-            </a:r>
-            <a:r>
-              <a:rPr lang="en-US" sz="2800" b="1" i="0" u="none" strike="noStrike" cap="none">
+              <a:rPr lang="en-US" sz="2800" b="0" i="0" u="none" strike="noStrike" cap="none" dirty="0" err="1">
+                <a:solidFill>
+                  <a:schemeClr val="dk1"/>
+                </a:solidFill>
+                <a:latin typeface="Arial"/>
+                <a:ea typeface="Arial"/>
+                <a:cs typeface="Arial"/>
+                <a:sym typeface="Arial"/>
+              </a:rPr>
+              <a:t>sb_employees</a:t>
+            </a:r>
+            <a:r>
+              <a:rPr lang="en-US" sz="2800" b="0" i="0" u="none" strike="noStrike" cap="none" dirty="0">
+                <a:solidFill>
+                  <a:schemeClr val="dk1"/>
+                </a:solidFill>
+                <a:latin typeface="Arial"/>
+                <a:ea typeface="Arial"/>
+                <a:cs typeface="Arial"/>
+                <a:sym typeface="Arial"/>
+              </a:rPr>
+              <a:t>    </a:t>
+            </a:r>
+            <a:r>
+              <a:rPr lang="en-US" sz="2800" b="1" i="0" u="none" strike="noStrike" cap="none" dirty="0">
+                <a:solidFill>
+                  <a:srgbClr val="7030A0"/>
+                </a:solidFill>
+                <a:latin typeface="Arial"/>
+                <a:ea typeface="Arial"/>
+                <a:cs typeface="Arial"/>
+                <a:sym typeface="Arial"/>
+              </a:rPr>
+              <a:t>WHERE</a:t>
+            </a:r>
+            <a:r>
+              <a:rPr lang="en-US" sz="2800" b="0" i="0" u="none" strike="noStrike" cap="none" dirty="0">
                 <a:solidFill>
                   <a:srgbClr val="0070C0"/>
                 </a:solidFill>
@@ -47091,33 +48246,33 @@
                 <a:cs typeface="Arial"/>
                 <a:sym typeface="Arial"/>
               </a:rPr>
-              <a:t>WHERE</a:t>
-            </a:r>
-            <a:r>
-              <a:rPr lang="en-US" sz="2800" b="0" i="0" u="none" strike="noStrike" cap="none">
-                <a:solidFill>
-                  <a:srgbClr val="0070C0"/>
-                </a:solidFill>
-                <a:latin typeface="Arial"/>
-                <a:ea typeface="Arial"/>
-                <a:cs typeface="Arial"/>
-                <a:sym typeface="Arial"/>
-              </a:rPr>
               <a:t> </a:t>
             </a:r>
             <a:r>
-              <a:rPr lang="en-US" sz="2800" b="0" i="0" u="none" strike="noStrike" cap="none">
-                <a:solidFill>
-                  <a:schemeClr val="dk1"/>
-                </a:solidFill>
-                <a:latin typeface="Arial"/>
-                <a:ea typeface="Arial"/>
-                <a:cs typeface="Arial"/>
-                <a:sym typeface="Arial"/>
-              </a:rPr>
-              <a:t>emp_id=50</a:t>
-            </a:r>
-            <a:endParaRPr sz="2800" b="0" i="0" u="none" strike="noStrike" cap="none">
+              <a:rPr lang="en-US" sz="2800" b="0" i="0" u="none" strike="noStrike" cap="none" dirty="0" err="1">
+                <a:solidFill>
+                  <a:schemeClr val="dk1"/>
+                </a:solidFill>
+                <a:latin typeface="Arial"/>
+                <a:ea typeface="Arial"/>
+                <a:cs typeface="Arial"/>
+                <a:sym typeface="Arial"/>
+              </a:rPr>
+              <a:t>emp_id</a:t>
+            </a:r>
+            <a:r>
+              <a:rPr lang="en-US" sz="2800" b="0" i="0" u="none" strike="noStrike" cap="none" dirty="0">
+                <a:solidFill>
+                  <a:schemeClr val="dk1"/>
+                </a:solidFill>
+                <a:latin typeface="Arial"/>
+                <a:ea typeface="Arial"/>
+                <a:cs typeface="Arial"/>
+                <a:sym typeface="Arial"/>
+              </a:rPr>
+              <a:t>=50</a:t>
+            </a:r>
+            <a:endParaRPr sz="2800" b="0" i="0" u="none" strike="noStrike" cap="none" dirty="0">
               <a:solidFill>
                 <a:schemeClr val="dk1"/>
               </a:solidFill>
@@ -47335,7 +48490,7 @@
                                         <p:tgtEl>
                                           <p:spTgt spid="383">
                                             <p:txEl>
-                                              <p:pRg st="1" end="1"/>
+                                              <p:pRg st="2" end="2"/>
                                             </p:txEl>
                                           </p:spTgt>
                                         </p:tgtEl>
@@ -47382,11 +48537,7 @@
                                           </p:stCondLst>
                                         </p:cTn>
                                         <p:tgtEl>
-                                          <p:spTgt spid="383">
-                                            <p:txEl>
-                                              <p:pRg st="2" end="2"/>
-                                            </p:txEl>
-                                          </p:spTgt>
+                                          <p:spTgt spid="384"/>
                                         </p:tgtEl>
                                         <p:attrNameLst>
                                           <p:attrName>style.visibility</p:attrName>
@@ -47426,51 +48577,6 @@
                                     <p:set>
                                       <p:cBhvr>
                                         <p:cTn id="18" dur="1" fill="hold">
-                                          <p:stCondLst>
-                                            <p:cond delay="0"/>
-                                          </p:stCondLst>
-                                        </p:cTn>
-                                        <p:tgtEl>
-                                          <p:spTgt spid="384"/>
-                                        </p:tgtEl>
-                                        <p:attrNameLst>
-                                          <p:attrName>style.visibility</p:attrName>
-                                        </p:attrNameLst>
-                                      </p:cBhvr>
-                                      <p:to>
-                                        <p:strVal val="visible"/>
-                                      </p:to>
-                                    </p:set>
-                                  </p:childTnLst>
-                                </p:cTn>
-                              </p:par>
-                            </p:childTnLst>
-                          </p:cTn>
-                        </p:par>
-                      </p:childTnLst>
-                    </p:cTn>
-                  </p:par>
-                  <p:par>
-                    <p:cTn id="19" fill="hold">
-                      <p:stCondLst>
-                        <p:cond delay="indefinite"/>
-                      </p:stCondLst>
-                      <p:childTnLst>
-                        <p:par>
-                          <p:cTn id="20" fill="hold">
-                            <p:stCondLst>
-                              <p:cond delay="0"/>
-                            </p:stCondLst>
-                            <p:childTnLst>
-                              <p:par>
-                                <p:cTn id="21" presetID="1" presetClass="entr" presetSubtype="0" fill="hold" nodeType="clickEffect">
-                                  <p:stCondLst>
-                                    <p:cond delay="0"/>
-                                  </p:stCondLst>
-                                  <p:childTnLst>
-                                    <p:set>
-                                      <p:cBhvr>
-                                        <p:cTn id="22" dur="1" fill="hold">
                                           <p:stCondLst>
                                             <p:cond delay="0"/>
                                           </p:stCondLst>
@@ -47520,7 +48626,7 @@
 </p:sld>
 </file>
 
-<file path=ppt/slides/slide36.xml><?xml version="1.0" encoding="utf-8"?>
+<file path=ppt/slides/slide37.xml><?xml version="1.0" encoding="utf-8"?>
 <p:sld xmlns:a="http://schemas.openxmlformats.org/drawingml/2006/main" xmlns:r="http://schemas.openxmlformats.org/officeDocument/2006/relationships" xmlns:p="http://schemas.openxmlformats.org/presentationml/2006/main">
   <p:cSld>
     <p:spTree>
@@ -47611,8 +48717,8 @@
         </p:nvSpPr>
         <p:spPr>
           <a:xfrm>
-            <a:off x="185057" y="1371600"/>
-            <a:ext cx="5301343" cy="4267200"/>
+            <a:off x="185056" y="1371600"/>
+            <a:ext cx="5771583" cy="4267200"/>
           </a:xfrm>
           <a:prstGeom prst="rect">
             <a:avLst/>
@@ -47628,21 +48734,17 @@
           </a:bodyPr>
           <a:lstStyle/>
           <a:p>
-            <a:pPr marL="0" marR="0" lvl="0" indent="0" algn="l" rtl="0">
-              <a:spcBef>
-                <a:spcPts val="0"/>
-              </a:spcBef>
-              <a:spcAft>
-                <a:spcPts val="0"/>
-              </a:spcAft>
+            <a:pPr marL="0" lvl="0" indent="0">
+              <a:spcBef>
+                <a:spcPts val="0"/>
+              </a:spcBef>
               <a:buClr>
                 <a:srgbClr val="FF9F49"/>
               </a:buClr>
-              <a:buFont typeface="Arial"/>
               <a:buNone/>
             </a:pPr>
             <a:r>
-              <a:rPr lang="en-US" sz="2800" b="1" i="0" u="none" strike="noStrike" cap="none">
+              <a:rPr lang="en-US" sz="2800" b="1" i="0" u="none" strike="noStrike" cap="none" dirty="0">
                 <a:solidFill>
                   <a:srgbClr val="FF9F49"/>
                 </a:solidFill>
@@ -47654,7 +48756,7 @@
               <a:t>EXPLAIN SELECT</a:t>
             </a:r>
             <a:r>
-              <a:rPr lang="en-US" sz="2800" b="0" i="0" u="none" strike="noStrike" cap="none">
+              <a:rPr lang="en-US" sz="2800" b="0" i="0" u="none" strike="noStrike" cap="none" dirty="0">
                 <a:solidFill>
                   <a:srgbClr val="FF9F49"/>
                 </a:solidFill>
@@ -47666,7 +48768,7 @@
               <a:t> </a:t>
             </a:r>
             <a:r>
-              <a:rPr lang="en-US" sz="2800" b="0" i="0" u="none" strike="noStrike" cap="none">
+              <a:rPr lang="en-US" sz="2800" b="0" i="0" u="none" strike="noStrike" cap="none" dirty="0">
                 <a:solidFill>
                   <a:schemeClr val="dk1"/>
                 </a:solidFill>
@@ -47678,7 +48780,7 @@
               <a:t>* 	                                           </a:t>
             </a:r>
             <a:r>
-              <a:rPr lang="en-US" sz="2800" b="1" i="0" u="none" strike="noStrike" cap="none">
+              <a:rPr lang="en-US" sz="2800" b="1" i="0" u="none" strike="noStrike" cap="none" dirty="0">
                 <a:solidFill>
                   <a:srgbClr val="0070C0"/>
                 </a:solidFill>
@@ -47690,7 +48792,7 @@
               <a:t>FROM</a:t>
             </a:r>
             <a:r>
-              <a:rPr lang="en-US" sz="2800" b="0" i="0" u="none" strike="noStrike" cap="none">
+              <a:rPr lang="en-US" sz="2800" b="0" i="0" u="none" strike="noStrike" cap="none" dirty="0">
                 <a:solidFill>
                   <a:srgbClr val="0070C0"/>
                 </a:solidFill>
@@ -47702,19 +48804,55 @@
               <a:t> </a:t>
             </a:r>
             <a:r>
-              <a:rPr lang="en-US" sz="2800" b="0" i="0" u="none" strike="noStrike" cap="none">
-                <a:solidFill>
-                  <a:schemeClr val="dk1"/>
-                </a:solidFill>
-                <a:latin typeface="Arial"/>
-                <a:ea typeface="Arial"/>
-                <a:cs typeface="Arial"/>
-                <a:sym typeface="Arial"/>
-              </a:rPr>
-              <a:t>sb_employees a	  </a:t>
-            </a:r>
-            <a:r>
-              <a:rPr lang="en-US" sz="2800" b="1" i="0" u="none" strike="noStrike" cap="none">
+              <a:rPr lang="en-US" sz="2800" b="0" i="0" u="none" strike="noStrike" cap="none" dirty="0" err="1">
+                <a:solidFill>
+                  <a:schemeClr val="dk1"/>
+                </a:solidFill>
+                <a:latin typeface="Arial"/>
+                <a:ea typeface="Arial"/>
+                <a:cs typeface="Arial"/>
+                <a:sym typeface="Arial"/>
+              </a:rPr>
+              <a:t>sb_employees</a:t>
+            </a:r>
+            <a:r>
+              <a:rPr lang="en-US" sz="2800" b="0" i="0" u="none" strike="noStrike" cap="none" dirty="0">
+                <a:solidFill>
+                  <a:schemeClr val="dk1"/>
+                </a:solidFill>
+                <a:latin typeface="Arial"/>
+                <a:ea typeface="Arial"/>
+                <a:cs typeface="Arial"/>
+                <a:sym typeface="Arial"/>
+              </a:rPr>
+              <a:t> </a:t>
+            </a:r>
+            <a:r>
+              <a:rPr lang="en-US" sz="2800" b="1" i="0" u="none" strike="noStrike" cap="none" dirty="0">
+                <a:solidFill>
+                  <a:schemeClr val="dk1"/>
+                </a:solidFill>
+                <a:latin typeface="Arial"/>
+                <a:ea typeface="Arial"/>
+                <a:cs typeface="Arial"/>
+                <a:sym typeface="Arial"/>
+              </a:rPr>
+              <a:t>AS</a:t>
+            </a:r>
+            <a:r>
+              <a:rPr lang="en-US" sz="2800" b="0" i="0" u="none" strike="noStrike" cap="none" dirty="0">
+                <a:solidFill>
+                  <a:schemeClr val="dk1"/>
+                </a:solidFill>
+                <a:latin typeface="Arial"/>
+                <a:ea typeface="Arial"/>
+                <a:cs typeface="Arial"/>
+                <a:sym typeface="Arial"/>
+              </a:rPr>
+              <a:t> a	  </a:t>
+            </a:r>
+            <a:r>
+              <a:rPr lang="en-US" sz="2800" b="1" i="0" u="none" strike="noStrike" cap="none" dirty="0">
                 <a:solidFill>
                   <a:srgbClr val="0070C0"/>
                 </a:solidFill>
@@ -47726,19 +48864,59 @@
               <a:t>INNER JOIN</a:t>
             </a:r>
             <a:r>
-              <a:rPr lang="en-US" sz="2800" b="0" i="0" u="none" strike="noStrike" cap="none">
-                <a:solidFill>
-                  <a:schemeClr val="dk1"/>
-                </a:solidFill>
-                <a:latin typeface="Arial"/>
-                <a:ea typeface="Arial"/>
-                <a:cs typeface="Arial"/>
-                <a:sym typeface="Arial"/>
-              </a:rPr>
-              <a:t> sb_departments b    </a:t>
-            </a:r>
-            <a:r>
-              <a:rPr lang="en-US" sz="2800" b="1" i="0" u="none" strike="noStrike" cap="none">
+              <a:rPr lang="en-US" sz="2800" b="0" i="0" u="none" strike="noStrike" cap="none" dirty="0">
+                <a:solidFill>
+                  <a:schemeClr val="dk1"/>
+                </a:solidFill>
+                <a:latin typeface="Arial"/>
+                <a:ea typeface="Arial"/>
+                <a:cs typeface="Arial"/>
+                <a:sym typeface="Arial"/>
+              </a:rPr>
+              <a:t> </a:t>
+            </a:r>
+            <a:r>
+              <a:rPr lang="en-US" sz="2800" b="0" i="0" u="none" strike="noStrike" cap="none" dirty="0" err="1">
+                <a:solidFill>
+                  <a:schemeClr val="dk1"/>
+                </a:solidFill>
+                <a:latin typeface="Arial"/>
+                <a:ea typeface="Arial"/>
+                <a:cs typeface="Arial"/>
+                <a:sym typeface="Arial"/>
+              </a:rPr>
+              <a:t>sb_departments</a:t>
+            </a:r>
+            <a:r>
+              <a:rPr lang="en-US" sz="2800" b="0" i="0" u="none" strike="noStrike" cap="none" dirty="0">
+                <a:solidFill>
+                  <a:schemeClr val="dk1"/>
+                </a:solidFill>
+                <a:latin typeface="Arial"/>
+                <a:ea typeface="Arial"/>
+                <a:cs typeface="Arial"/>
+                <a:sym typeface="Arial"/>
+              </a:rPr>
+              <a:t> </a:t>
+            </a:r>
+            <a:r>
+              <a:rPr lang="en-US" b="1" dirty="0"/>
+              <a:t>AS </a:t>
+            </a:r>
+            <a:r>
+              <a:rPr lang="en-US" sz="2800" b="0" i="0" u="none" strike="noStrike" cap="none" dirty="0">
+                <a:solidFill>
+                  <a:schemeClr val="dk1"/>
+                </a:solidFill>
+                <a:latin typeface="Arial"/>
+                <a:ea typeface="Arial"/>
+                <a:cs typeface="Arial"/>
+                <a:sym typeface="Arial"/>
+              </a:rPr>
+              <a:t>b    </a:t>
+            </a:r>
+            <a:r>
+              <a:rPr lang="en-US" sz="2800" b="1" i="0" u="none" strike="noStrike" cap="none" dirty="0">
                 <a:solidFill>
                   <a:srgbClr val="0070C0"/>
                 </a:solidFill>
@@ -47750,18 +48928,42 @@
               <a:t>ON </a:t>
             </a:r>
             <a:r>
-              <a:rPr lang="en-US" sz="2800" b="0" i="0" u="none" strike="noStrike" cap="none">
-                <a:solidFill>
-                  <a:schemeClr val="dk1"/>
-                </a:solidFill>
-                <a:latin typeface="Arial"/>
-                <a:ea typeface="Arial"/>
-                <a:cs typeface="Arial"/>
-                <a:sym typeface="Arial"/>
-              </a:rPr>
-              <a:t>a.emp_id=b.emp_id</a:t>
-            </a:r>
-            <a:endParaRPr sz="2800" b="1" i="0" u="none" strike="noStrike" cap="none">
+              <a:rPr lang="en-US" sz="2800" b="0" i="0" u="none" strike="noStrike" cap="none" dirty="0" err="1">
+                <a:solidFill>
+                  <a:schemeClr val="dk1"/>
+                </a:solidFill>
+                <a:latin typeface="Arial"/>
+                <a:ea typeface="Arial"/>
+                <a:cs typeface="Arial"/>
+                <a:sym typeface="Arial"/>
+              </a:rPr>
+              <a:t>a.emp_id</a:t>
+            </a:r>
+            <a:r>
+              <a:rPr lang="en-US" sz="2800" b="0" i="0" u="none" strike="noStrike" cap="none" dirty="0">
+                <a:solidFill>
+                  <a:schemeClr val="dk1"/>
+                </a:solidFill>
+                <a:latin typeface="Arial"/>
+                <a:ea typeface="Arial"/>
+                <a:cs typeface="Arial"/>
+                <a:sym typeface="Arial"/>
+              </a:rPr>
+              <a:t>=</a:t>
+            </a:r>
+            <a:r>
+              <a:rPr lang="en-US" sz="2800" b="0" i="0" u="none" strike="noStrike" cap="none" dirty="0" err="1">
+                <a:solidFill>
+                  <a:schemeClr val="dk1"/>
+                </a:solidFill>
+                <a:latin typeface="Arial"/>
+                <a:ea typeface="Arial"/>
+                <a:cs typeface="Arial"/>
+                <a:sym typeface="Arial"/>
+              </a:rPr>
+              <a:t>b.emp_id</a:t>
+            </a:r>
+            <a:endParaRPr sz="2800" b="1" i="0" u="none" strike="noStrike" cap="none" dirty="0">
               <a:solidFill>
                 <a:srgbClr val="FF9F49"/>
               </a:solidFill>
@@ -47785,7 +48987,7 @@
               <a:buFont typeface="Arial"/>
               <a:buNone/>
             </a:pPr>
-            <a:endParaRPr sz="2800" b="0" i="0" u="none" strike="noStrike" cap="none">
+            <a:endParaRPr sz="2800" b="0" i="0" u="none" strike="noStrike" cap="none" dirty="0">
               <a:solidFill>
                 <a:schemeClr val="dk1"/>
               </a:solidFill>
@@ -47796,21 +48998,14 @@
             </a:endParaRPr>
           </a:p>
           <a:p>
-            <a:pPr marL="0" marR="0" lvl="0" indent="0" algn="l" rtl="0">
-              <a:spcBef>
-                <a:spcPts val="560"/>
-              </a:spcBef>
-              <a:spcAft>
-                <a:spcPts val="0"/>
-              </a:spcAft>
+            <a:pPr marL="0" lvl="0" indent="0">
               <a:buClr>
                 <a:srgbClr val="FF9F49"/>
               </a:buClr>
-              <a:buFont typeface="Arial"/>
               <a:buNone/>
             </a:pPr>
             <a:r>
-              <a:rPr lang="en-US" sz="2800" b="1" i="0" u="none" strike="noStrike" cap="none">
+              <a:rPr lang="en-US" sz="2800" b="1" i="0" u="none" strike="noStrike" cap="none" dirty="0">
                 <a:solidFill>
                   <a:srgbClr val="FF9F49"/>
                 </a:solidFill>
@@ -47822,7 +49017,7 @@
               <a:t>EXPLAIN SELECT</a:t>
             </a:r>
             <a:r>
-              <a:rPr lang="en-US" sz="2800" b="0" i="0" u="none" strike="noStrike" cap="none">
+              <a:rPr lang="en-US" sz="2800" b="0" i="0" u="none" strike="noStrike" cap="none" dirty="0">
                 <a:solidFill>
                   <a:srgbClr val="FF9F49"/>
                 </a:solidFill>
@@ -47834,7 +49029,7 @@
               <a:t> </a:t>
             </a:r>
             <a:r>
-              <a:rPr lang="en-US" sz="2800" b="0" i="0" u="none" strike="noStrike" cap="none">
+              <a:rPr lang="en-US" sz="2800" b="0" i="0" u="none" strike="noStrike" cap="none" dirty="0">
                 <a:solidFill>
                   <a:schemeClr val="dk1"/>
                 </a:solidFill>
@@ -47846,7 +49041,7 @@
               <a:t>* 	                                            </a:t>
             </a:r>
             <a:r>
-              <a:rPr lang="en-US" sz="2800" b="1" i="0" u="none" strike="noStrike" cap="none">
+              <a:rPr lang="en-US" sz="2800" b="1" i="0" u="none" strike="noStrike" cap="none" dirty="0">
                 <a:solidFill>
                   <a:srgbClr val="0070C0"/>
                 </a:solidFill>
@@ -47858,7 +49053,7 @@
               <a:t>FROM</a:t>
             </a:r>
             <a:r>
-              <a:rPr lang="en-US" sz="2800" b="0" i="0" u="none" strike="noStrike" cap="none">
+              <a:rPr lang="en-US" sz="2800" b="0" i="0" u="none" strike="noStrike" cap="none" dirty="0">
                 <a:solidFill>
                   <a:srgbClr val="0070C0"/>
                 </a:solidFill>
@@ -47870,19 +49065,47 @@
               <a:t> </a:t>
             </a:r>
             <a:r>
-              <a:rPr lang="en-US" sz="2800" b="0" i="0" u="none" strike="noStrike" cap="none">
-                <a:solidFill>
-                  <a:schemeClr val="dk1"/>
-                </a:solidFill>
-                <a:latin typeface="Arial"/>
-                <a:ea typeface="Arial"/>
-                <a:cs typeface="Arial"/>
-                <a:sym typeface="Arial"/>
-              </a:rPr>
-              <a:t>sb_employees a	  </a:t>
-            </a:r>
-            <a:r>
-              <a:rPr lang="en-US" sz="2800" b="1" i="0" u="none" strike="noStrike" cap="none">
+              <a:rPr lang="en-US" sz="2800" b="0" i="0" u="none" strike="noStrike" cap="none" dirty="0" err="1">
+                <a:solidFill>
+                  <a:schemeClr val="dk1"/>
+                </a:solidFill>
+                <a:latin typeface="Arial"/>
+                <a:ea typeface="Arial"/>
+                <a:cs typeface="Arial"/>
+                <a:sym typeface="Arial"/>
+              </a:rPr>
+              <a:t>sb_employees</a:t>
+            </a:r>
+            <a:r>
+              <a:rPr lang="en-US" sz="2800" b="0" i="0" u="none" strike="noStrike" cap="none" dirty="0">
+                <a:solidFill>
+                  <a:schemeClr val="dk1"/>
+                </a:solidFill>
+                <a:latin typeface="Arial"/>
+                <a:ea typeface="Arial"/>
+                <a:cs typeface="Arial"/>
+                <a:sym typeface="Arial"/>
+              </a:rPr>
+              <a:t> </a:t>
+            </a:r>
+            <a:r>
+              <a:rPr lang="en-US" b="1" dirty="0"/>
+              <a:t>AS </a:t>
+            </a:r>
+            <a:r>
+              <a:rPr lang="en-US" sz="2800" b="0" i="0" u="none" strike="noStrike" cap="none" dirty="0">
+                <a:solidFill>
+                  <a:schemeClr val="dk1"/>
+                </a:solidFill>
+                <a:latin typeface="Arial"/>
+                <a:ea typeface="Arial"/>
+                <a:cs typeface="Arial"/>
+                <a:sym typeface="Arial"/>
+              </a:rPr>
+              <a:t>a	  </a:t>
+            </a:r>
+            <a:r>
+              <a:rPr lang="en-US" sz="2800" b="1" i="0" u="none" strike="noStrike" cap="none" dirty="0">
                 <a:solidFill>
                   <a:srgbClr val="0070C0"/>
                 </a:solidFill>
@@ -47894,19 +49117,59 @@
               <a:t>INNER JOIN</a:t>
             </a:r>
             <a:r>
-              <a:rPr lang="en-US" sz="2800" b="0" i="0" u="none" strike="noStrike" cap="none">
-                <a:solidFill>
-                  <a:schemeClr val="dk1"/>
-                </a:solidFill>
-                <a:latin typeface="Arial"/>
-                <a:ea typeface="Arial"/>
-                <a:cs typeface="Arial"/>
-                <a:sym typeface="Arial"/>
-              </a:rPr>
-              <a:t> sb_departments b    </a:t>
-            </a:r>
-            <a:r>
-              <a:rPr lang="en-US" sz="2800" b="1" i="0" u="none" strike="noStrike" cap="none">
+              <a:rPr lang="en-US" sz="2800" b="0" i="0" u="none" strike="noStrike" cap="none" dirty="0">
+                <a:solidFill>
+                  <a:schemeClr val="dk1"/>
+                </a:solidFill>
+                <a:latin typeface="Arial"/>
+                <a:ea typeface="Arial"/>
+                <a:cs typeface="Arial"/>
+                <a:sym typeface="Arial"/>
+              </a:rPr>
+              <a:t> </a:t>
+            </a:r>
+            <a:r>
+              <a:rPr lang="en-US" sz="2800" b="0" i="0" u="none" strike="noStrike" cap="none" dirty="0" err="1">
+                <a:solidFill>
+                  <a:schemeClr val="dk1"/>
+                </a:solidFill>
+                <a:latin typeface="Arial"/>
+                <a:ea typeface="Arial"/>
+                <a:cs typeface="Arial"/>
+                <a:sym typeface="Arial"/>
+              </a:rPr>
+              <a:t>sb_departments</a:t>
+            </a:r>
+            <a:r>
+              <a:rPr lang="en-US" sz="2800" b="0" i="0" u="none" strike="noStrike" cap="none" dirty="0">
+                <a:solidFill>
+                  <a:schemeClr val="dk1"/>
+                </a:solidFill>
+                <a:latin typeface="Arial"/>
+                <a:ea typeface="Arial"/>
+                <a:cs typeface="Arial"/>
+                <a:sym typeface="Arial"/>
+              </a:rPr>
+              <a:t> </a:t>
+            </a:r>
+            <a:r>
+              <a:rPr lang="en-US" b="1" dirty="0"/>
+              <a:t>AS </a:t>
+            </a:r>
+            <a:r>
+              <a:rPr lang="en-US" sz="2800" b="0" i="0" u="none" strike="noStrike" cap="none" dirty="0">
+                <a:solidFill>
+                  <a:schemeClr val="dk1"/>
+                </a:solidFill>
+                <a:latin typeface="Arial"/>
+                <a:ea typeface="Arial"/>
+                <a:cs typeface="Arial"/>
+                <a:sym typeface="Arial"/>
+              </a:rPr>
+              <a:t>b    </a:t>
+            </a:r>
+            <a:r>
+              <a:rPr lang="en-US" sz="2800" b="1" i="0" u="none" strike="noStrike" cap="none" dirty="0">
                 <a:solidFill>
                   <a:srgbClr val="0070C0"/>
                 </a:solidFill>
@@ -47918,18 +49181,42 @@
               <a:t>ON </a:t>
             </a:r>
             <a:r>
-              <a:rPr lang="en-US" sz="2800" b="0" i="0" u="none" strike="noStrike" cap="none">
-                <a:solidFill>
-                  <a:schemeClr val="dk1"/>
-                </a:solidFill>
-                <a:latin typeface="Arial"/>
-                <a:ea typeface="Arial"/>
-                <a:cs typeface="Arial"/>
-                <a:sym typeface="Arial"/>
-              </a:rPr>
-              <a:t>a.zipcode=b.comp_dept</a:t>
-            </a:r>
-            <a:endParaRPr sz="2800" b="1" i="0" u="none" strike="noStrike" cap="none">
+              <a:rPr lang="en-US" sz="2800" b="0" i="0" u="none" strike="noStrike" cap="none" dirty="0" err="1">
+                <a:solidFill>
+                  <a:schemeClr val="dk1"/>
+                </a:solidFill>
+                <a:latin typeface="Arial"/>
+                <a:ea typeface="Arial"/>
+                <a:cs typeface="Arial"/>
+                <a:sym typeface="Arial"/>
+              </a:rPr>
+              <a:t>a.zipcode</a:t>
+            </a:r>
+            <a:r>
+              <a:rPr lang="en-US" sz="2800" b="0" i="0" u="none" strike="noStrike" cap="none" dirty="0">
+                <a:solidFill>
+                  <a:schemeClr val="dk1"/>
+                </a:solidFill>
+                <a:latin typeface="Arial"/>
+                <a:ea typeface="Arial"/>
+                <a:cs typeface="Arial"/>
+                <a:sym typeface="Arial"/>
+              </a:rPr>
+              <a:t>=</a:t>
+            </a:r>
+            <a:r>
+              <a:rPr lang="en-US" sz="2800" b="0" i="0" u="none" strike="noStrike" cap="none" dirty="0" err="1">
+                <a:solidFill>
+                  <a:schemeClr val="dk1"/>
+                </a:solidFill>
+                <a:latin typeface="Arial"/>
+                <a:ea typeface="Arial"/>
+                <a:cs typeface="Arial"/>
+                <a:sym typeface="Arial"/>
+              </a:rPr>
+              <a:t>b.comp_dept</a:t>
+            </a:r>
+            <a:endParaRPr sz="2800" b="1" i="0" u="none" strike="noStrike" cap="none" dirty="0">
               <a:solidFill>
                 <a:srgbClr val="FF9F49"/>
               </a:solidFill>
@@ -47953,7 +49240,7 @@
               <a:buFont typeface="Arial"/>
               <a:buNone/>
             </a:pPr>
-            <a:endParaRPr sz="2800" b="0" i="0" u="none" strike="noStrike" cap="none">
+            <a:endParaRPr sz="2800" b="0" i="0" u="none" strike="noStrike" cap="none" dirty="0">
               <a:solidFill>
                 <a:schemeClr val="dk1"/>
               </a:solidFill>
@@ -48171,7 +49458,7 @@
                                         <p:tgtEl>
                                           <p:spTgt spid="393">
                                             <p:txEl>
-                                              <p:pRg st="1" end="1"/>
+                                              <p:pRg st="2" end="2"/>
                                             </p:txEl>
                                           </p:spTgt>
                                         </p:tgtEl>
@@ -48218,11 +49505,7 @@
                                           </p:stCondLst>
                                         </p:cTn>
                                         <p:tgtEl>
-                                          <p:spTgt spid="393">
-                                            <p:txEl>
-                                              <p:pRg st="2" end="2"/>
-                                            </p:txEl>
-                                          </p:spTgt>
+                                          <p:spTgt spid="394"/>
                                         </p:tgtEl>
                                         <p:attrNameLst>
                                           <p:attrName>style.visibility</p:attrName>
@@ -48262,100 +49545,6 @@
                                     <p:set>
                                       <p:cBhvr>
                                         <p:cTn id="18" dur="1" fill="hold">
-                                          <p:stCondLst>
-                                            <p:cond delay="0"/>
-                                          </p:stCondLst>
-                                        </p:cTn>
-                                        <p:tgtEl>
-                                          <p:spTgt spid="393">
-                                            <p:txEl>
-                                              <p:pRg st="3" end="3"/>
-                                            </p:txEl>
-                                          </p:spTgt>
-                                        </p:tgtEl>
-                                        <p:attrNameLst>
-                                          <p:attrName>style.visibility</p:attrName>
-                                        </p:attrNameLst>
-                                      </p:cBhvr>
-                                      <p:to>
-                                        <p:strVal val="visible"/>
-                                      </p:to>
-                                    </p:set>
-                                  </p:childTnLst>
-                                </p:cTn>
-                              </p:par>
-                            </p:childTnLst>
-                          </p:cTn>
-                        </p:par>
-                      </p:childTnLst>
-                    </p:cTn>
-                  </p:par>
-                  <p:par>
-                    <p:cTn id="19" fill="hold">
-                      <p:stCondLst>
-                        <p:cond delay="indefinite"/>
-                      </p:stCondLst>
-                      <p:childTnLst>
-                        <p:par>
-                          <p:cTn id="20" fill="hold">
-                            <p:stCondLst>
-                              <p:cond delay="0"/>
-                            </p:stCondLst>
-                            <p:childTnLst>
-                              <p:par>
-                                <p:cTn id="21" presetID="1" presetClass="entr" presetSubtype="0" fill="hold" nodeType="clickEffect">
-                                  <p:stCondLst>
-                                    <p:cond delay="0"/>
-                                  </p:stCondLst>
-                                  <p:childTnLst>
-                                    <p:set>
-                                      <p:cBhvr>
-                                        <p:cTn id="22" dur="1" fill="hold">
-                                          <p:stCondLst>
-                                            <p:cond delay="0"/>
-                                          </p:stCondLst>
-                                        </p:cTn>
-                                        <p:tgtEl>
-                                          <p:spTgt spid="394"/>
-                                        </p:tgtEl>
-                                        <p:attrNameLst>
-                                          <p:attrName>style.visibility</p:attrName>
-                                        </p:attrNameLst>
-                                      </p:cBhvr>
-                                      <p:to>
-                                        <p:strVal val="visible"/>
-                                      </p:to>
-                                    </p:set>
-                                  </p:childTnLst>
-                                </p:cTn>
-                              </p:par>
-                            </p:childTnLst>
-                          </p:cTn>
-                        </p:par>
-                      </p:childTnLst>
-                    </p:cTn>
-                  </p:par>
-                  <p:par>
-                    <p:cTn id="23" fill="hold">
-                      <p:stCondLst>
-                        <p:cond delay="indefinite"/>
-                      </p:stCondLst>
-                      <p:childTnLst>
-                        <p:par>
-                          <p:cTn id="24" fill="hold">
-                            <p:stCondLst>
-                              <p:cond delay="0"/>
-                            </p:stCondLst>
-                            <p:childTnLst>
-                              <p:par>
-                                <p:cTn id="25" presetID="1" presetClass="entr" presetSubtype="0" fill="hold" nodeType="clickEffect">
-                                  <p:stCondLst>
-                                    <p:cond delay="0"/>
-                                  </p:stCondLst>
-                                  <p:childTnLst>
-                                    <p:set>
-                                      <p:cBhvr>
-                                        <p:cTn id="26" dur="1" fill="hold">
                                           <p:stCondLst>
                                             <p:cond delay="0"/>
                                           </p:stCondLst>
@@ -48405,7 +49594,7 @@
 </p:sld>
 </file>
 
-<file path=ppt/slides/slide37.xml><?xml version="1.0" encoding="utf-8"?>
+<file path=ppt/slides/slide38.xml><?xml version="1.0" encoding="utf-8"?>
 <p:sld xmlns:a="http://schemas.openxmlformats.org/drawingml/2006/main" xmlns:r="http://schemas.openxmlformats.org/officeDocument/2006/relationships" xmlns:p="http://schemas.openxmlformats.org/presentationml/2006/main">
   <p:cSld>
     <p:spTree>
@@ -48466,7 +49655,7 @@
                 <a:cs typeface="Arial"/>
                 <a:sym typeface="Arial"/>
               </a:rPr>
-              <a:t>37</a:t>
+              <a:t>38</a:t>
             </a:fld>
             <a:endParaRPr sz="1000">
               <a:solidFill>
@@ -48868,7 +50057,7 @@
 </p:sld>
 </file>
 
-<file path=ppt/slides/slide38.xml><?xml version="1.0" encoding="utf-8"?>
+<file path=ppt/slides/slide39.xml><?xml version="1.0" encoding="utf-8"?>
 <p:sld xmlns:a="http://schemas.openxmlformats.org/drawingml/2006/main" xmlns:r="http://schemas.openxmlformats.org/officeDocument/2006/relationships" xmlns:p="http://schemas.openxmlformats.org/presentationml/2006/main">
   <p:cSld>
     <p:spTree>
@@ -48991,7 +50180,7 @@
               <a:buChar char="•"/>
             </a:pPr>
             <a:r>
-              <a:rPr lang="en-US" sz="2800" b="0" i="0" u="none" strike="noStrike" cap="none">
+              <a:rPr lang="en-US" sz="2800" b="0" i="0" u="none" strike="noStrike" cap="none" dirty="0">
                 <a:solidFill>
                   <a:schemeClr val="dk1"/>
                 </a:solidFill>
@@ -49003,7 +50192,7 @@
               <a:t>Some of the join diagrams are courtesy of Jeff Atwood: </a:t>
             </a:r>
             <a:r>
-              <a:rPr lang="en-US" sz="2800" b="0" i="0" u="sng" strike="noStrike" cap="none">
+              <a:rPr lang="en-US" sz="2800" b="0" i="0" u="sng" strike="noStrike" cap="none" dirty="0">
                 <a:solidFill>
                   <a:schemeClr val="hlink"/>
                 </a:solidFill>
@@ -49015,7 +50204,7 @@
               </a:rPr>
               <a:t>http://blog.codinghorror.com/a-visual-explanation-of-sql-joins/</a:t>
             </a:r>
-            <a:endParaRPr sz="2800" b="0" i="0" u="none" strike="noStrike" cap="none">
+            <a:endParaRPr sz="2800" b="0" i="0" u="none" strike="noStrike" cap="none" dirty="0">
               <a:solidFill>
                 <a:schemeClr val="dk1"/>
               </a:solidFill>
@@ -49040,7 +50229,7 @@
               <a:buFont typeface="Arial"/>
               <a:buNone/>
             </a:pPr>
-            <a:endParaRPr sz="2800" b="0" i="0" u="none" strike="noStrike" cap="none">
+            <a:endParaRPr sz="2800" b="0" i="0" u="none" strike="noStrike" cap="none" dirty="0">
               <a:solidFill>
                 <a:schemeClr val="dk1"/>
               </a:solidFill>
@@ -49066,18 +50255,42 @@
               <a:buChar char="•"/>
             </a:pPr>
             <a:r>
-              <a:rPr lang="en-US" sz="2800" b="0" i="0" u="none" strike="noStrike" cap="none">
-                <a:solidFill>
-                  <a:schemeClr val="dk1"/>
-                </a:solidFill>
-                <a:latin typeface="Arial"/>
-                <a:ea typeface="Arial"/>
-                <a:cs typeface="Arial"/>
-                <a:sym typeface="Arial"/>
-              </a:rPr>
-              <a:t>Obviously, coderzone is the source for environment, so thanks to whoever made that</a:t>
-            </a:r>
-            <a:endParaRPr sz="2800" b="0" i="0" u="none" strike="noStrike" cap="none">
+              <a:rPr lang="en-US" sz="2800" b="0" i="0" u="none" strike="noStrike" cap="none" dirty="0">
+                <a:solidFill>
+                  <a:schemeClr val="dk1"/>
+                </a:solidFill>
+                <a:latin typeface="Arial"/>
+                <a:ea typeface="Arial"/>
+                <a:cs typeface="Arial"/>
+                <a:sym typeface="Arial"/>
+              </a:rPr>
+              <a:t>Obviously, </a:t>
+            </a:r>
+            <a:r>
+              <a:rPr lang="en-US" sz="2800" b="0" i="0" u="none" strike="noStrike" cap="none" dirty="0" err="1">
+                <a:solidFill>
+                  <a:schemeClr val="dk1"/>
+                </a:solidFill>
+                <a:latin typeface="Arial"/>
+                <a:ea typeface="Arial"/>
+                <a:cs typeface="Arial"/>
+                <a:sym typeface="Arial"/>
+              </a:rPr>
+              <a:t>coderzone</a:t>
+            </a:r>
+            <a:r>
+              <a:rPr lang="en-US" sz="2800" b="0" i="0" u="none" strike="noStrike" cap="none" dirty="0">
+                <a:solidFill>
+                  <a:schemeClr val="dk1"/>
+                </a:solidFill>
+                <a:latin typeface="Arial"/>
+                <a:ea typeface="Arial"/>
+                <a:cs typeface="Arial"/>
+                <a:sym typeface="Arial"/>
+              </a:rPr>
+              <a:t> is the source for environment, so thanks to whoever made that</a:t>
+            </a:r>
+            <a:endParaRPr sz="2800" b="0" i="0" u="none" strike="noStrike" cap="none" dirty="0">
               <a:solidFill>
                 <a:schemeClr val="dk1"/>
               </a:solidFill>
@@ -50519,7 +51732,7 @@
               <a:buNone/>
             </a:pPr>
             <a:r>
-              <a:rPr lang="en-US" sz="2800" b="0" i="0" u="none" strike="noStrike" cap="none">
+              <a:rPr lang="en-US" sz="2800" b="0" i="0" u="none" strike="noStrike" cap="none" dirty="0">
                 <a:solidFill>
                   <a:schemeClr val="dk1"/>
                 </a:solidFill>
@@ -50530,7 +51743,7 @@
               </a:rPr>
               <a:t>Returns some subset of data from a table</a:t>
             </a:r>
-            <a:endParaRPr/>
+            <a:endParaRPr dirty="0"/>
           </a:p>
           <a:p>
             <a:pPr marL="0" marR="0" lvl="0" indent="0" algn="l" rtl="0">
@@ -50546,7 +51759,7 @@
               <a:buFont typeface="Arial"/>
               <a:buNone/>
             </a:pPr>
-            <a:endParaRPr sz="2800" b="0" i="0" u="none" strike="noStrike" cap="none">
+            <a:endParaRPr sz="2800" b="0" i="0" u="none" strike="noStrike" cap="none" dirty="0">
               <a:solidFill>
                 <a:schemeClr val="dk1"/>
               </a:solidFill>
@@ -50571,7 +51784,7 @@
               <a:buNone/>
             </a:pPr>
             <a:r>
-              <a:rPr lang="en-US" sz="2800" b="1" i="0" u="none" strike="noStrike" cap="none">
+              <a:rPr lang="en-US" sz="2800" b="1" i="0" u="none" strike="noStrike" cap="none" dirty="0">
                 <a:solidFill>
                   <a:srgbClr val="FF9F49"/>
                 </a:solidFill>
@@ -50583,7 +51796,7 @@
               <a:t>SELECT</a:t>
             </a:r>
             <a:r>
-              <a:rPr lang="en-US" sz="2800" b="0" i="0" u="none" strike="noStrike" cap="none">
+              <a:rPr lang="en-US" sz="2800" b="0" i="0" u="none" strike="noStrike" cap="none" dirty="0">
                 <a:solidFill>
                   <a:srgbClr val="FF9F49"/>
                 </a:solidFill>
@@ -50595,90 +51808,17 @@
               <a:t> </a:t>
             </a:r>
             <a:r>
-              <a:rPr lang="en-US" sz="2800" b="0" i="0" u="none" strike="noStrike" cap="none">
-                <a:solidFill>
-                  <a:schemeClr val="dk1"/>
-                </a:solidFill>
-                <a:latin typeface="Arial"/>
-                <a:ea typeface="Arial"/>
-                <a:cs typeface="Arial"/>
-                <a:sym typeface="Arial"/>
-              </a:rPr>
-              <a:t>name                                                   </a:t>
-            </a:r>
-            <a:r>
-              <a:rPr lang="en-US" sz="2800" b="1" i="0" u="none" strike="noStrike" cap="none">
-                <a:solidFill>
-                  <a:srgbClr val="0070C0"/>
-                </a:solidFill>
-                <a:latin typeface="Arial"/>
-                <a:ea typeface="Arial"/>
-                <a:cs typeface="Arial"/>
-                <a:sym typeface="Arial"/>
-              </a:rPr>
-              <a:t>FROM</a:t>
-            </a:r>
-            <a:r>
-              <a:rPr lang="en-US" sz="2800" b="0" i="0" u="none" strike="noStrike" cap="none">
-                <a:solidFill>
-                  <a:srgbClr val="0070C0"/>
-                </a:solidFill>
-                <a:latin typeface="Arial"/>
-                <a:ea typeface="Arial"/>
-                <a:cs typeface="Arial"/>
-                <a:sym typeface="Arial"/>
-              </a:rPr>
-              <a:t> </a:t>
-            </a:r>
-            <a:r>
-              <a:rPr lang="en-US" sz="2800" b="0" i="0" u="none" strike="noStrike" cap="none">
-                <a:solidFill>
-                  <a:schemeClr val="dk1"/>
-                </a:solidFill>
-                <a:latin typeface="Arial"/>
-                <a:ea typeface="Arial"/>
-                <a:cs typeface="Arial"/>
-                <a:sym typeface="Arial"/>
-              </a:rPr>
-              <a:t>tutorial.oscar_nominees			                </a:t>
-            </a:r>
-            <a:r>
-              <a:rPr lang="en-US" sz="2800" b="1" i="0" u="none" strike="noStrike" cap="none">
-                <a:solidFill>
-                  <a:srgbClr val="0070C0"/>
-                </a:solidFill>
-                <a:latin typeface="Arial"/>
-                <a:ea typeface="Arial"/>
-                <a:cs typeface="Arial"/>
-                <a:sym typeface="Arial"/>
-              </a:rPr>
-              <a:t>WHERE</a:t>
-            </a:r>
-            <a:r>
-              <a:rPr lang="en-US" sz="2800" b="0" i="0" u="none" strike="noStrike" cap="none">
-                <a:solidFill>
-                  <a:srgbClr val="0070C0"/>
-                </a:solidFill>
-                <a:latin typeface="Arial"/>
-                <a:ea typeface="Arial"/>
-                <a:cs typeface="Arial"/>
-                <a:sym typeface="Arial"/>
-              </a:rPr>
-              <a:t> </a:t>
-            </a:r>
-            <a:r>
-              <a:rPr lang="en-US" sz="2800" b="0" i="0" u="none" strike="noStrike" cap="none">
-                <a:solidFill>
-                  <a:schemeClr val="dk1"/>
-                </a:solidFill>
-                <a:latin typeface="Arial"/>
-                <a:ea typeface="Arial"/>
-                <a:cs typeface="Arial"/>
-                <a:sym typeface="Arial"/>
-              </a:rPr>
-              <a:t>year=2012;</a:t>
-            </a:r>
-            <a:endParaRPr/>
+              <a:rPr lang="en-US" sz="2800" b="0" i="0" u="none" strike="noStrike" cap="none" dirty="0">
+                <a:solidFill>
+                  <a:schemeClr val="dk1"/>
+                </a:solidFill>
+                <a:latin typeface="Arial"/>
+                <a:ea typeface="Arial"/>
+                <a:cs typeface="Arial"/>
+                <a:sym typeface="Arial"/>
+              </a:rPr>
+              <a:t>nominee</a:t>
+            </a:r>
           </a:p>
           <a:p>
             <a:pPr marL="0" marR="0" lvl="0" indent="0" algn="l" rtl="0">
@@ -50689,12 +51829,48 @@
                 <a:spcPts val="0"/>
               </a:spcAft>
               <a:buClr>
-                <a:schemeClr val="dk1"/>
+                <a:srgbClr val="FF9F49"/>
               </a:buClr>
               <a:buFont typeface="Arial"/>
               <a:buNone/>
             </a:pPr>
-            <a:endParaRPr sz="2800" b="0" i="0" u="none" strike="noStrike" cap="none">
+            <a:r>
+              <a:rPr lang="en-US" sz="2800" b="1" i="0" u="none" strike="noStrike" cap="none" dirty="0">
+                <a:solidFill>
+                  <a:srgbClr val="0070C0"/>
+                </a:solidFill>
+                <a:latin typeface="Arial"/>
+                <a:ea typeface="Arial"/>
+                <a:cs typeface="Arial"/>
+                <a:sym typeface="Arial"/>
+              </a:rPr>
+              <a:t>FROM</a:t>
+            </a:r>
+            <a:r>
+              <a:rPr lang="en-US" sz="2800" b="0" i="0" u="none" strike="noStrike" cap="none" dirty="0">
+                <a:solidFill>
+                  <a:srgbClr val="0070C0"/>
+                </a:solidFill>
+                <a:latin typeface="Arial"/>
+                <a:ea typeface="Arial"/>
+                <a:cs typeface="Arial"/>
+                <a:sym typeface="Arial"/>
+              </a:rPr>
+              <a:t> </a:t>
+            </a:r>
+            <a:r>
+              <a:rPr lang="en-US" sz="2800" b="0" i="0" u="none" strike="noStrike" cap="none" dirty="0" err="1">
+                <a:solidFill>
+                  <a:schemeClr val="dk1"/>
+                </a:solidFill>
+                <a:latin typeface="Arial"/>
+                <a:ea typeface="Arial"/>
+                <a:cs typeface="Arial"/>
+                <a:sym typeface="Arial"/>
+              </a:rPr>
+              <a:t>tutorial.oscar_nominees</a:t>
+            </a:r>
+            <a:endParaRPr lang="en-US" sz="2800" b="0" i="0" u="none" strike="noStrike" cap="none" dirty="0">
               <a:solidFill>
                 <a:schemeClr val="dk1"/>
               </a:solidFill>
@@ -50713,24 +51889,48 @@
                 <a:spcPts val="0"/>
               </a:spcAft>
               <a:buClr>
-                <a:schemeClr val="dk1"/>
+                <a:srgbClr val="FF9F49"/>
               </a:buClr>
               <a:buFont typeface="Arial"/>
               <a:buNone/>
             </a:pPr>
             <a:r>
-              <a:rPr lang="en-US" sz="2800" b="0" i="0" u="none" strike="noStrike" cap="none">
-                <a:solidFill>
-                  <a:schemeClr val="dk1"/>
-                </a:solidFill>
-                <a:latin typeface="Arial"/>
-                <a:ea typeface="Arial"/>
-                <a:cs typeface="Arial"/>
-                <a:sym typeface="Arial"/>
-              </a:rPr>
-              <a:t>Can use any of the operators (see cheatsheet) as well as AND and OR</a:t>
-            </a:r>
-            <a:endParaRPr/>
+              <a:rPr lang="en-US" sz="2800" b="1" i="0" u="none" strike="noStrike" cap="none" dirty="0">
+                <a:solidFill>
+                  <a:srgbClr val="7030A0"/>
+                </a:solidFill>
+                <a:latin typeface="Arial"/>
+                <a:ea typeface="Arial"/>
+                <a:cs typeface="Arial"/>
+                <a:sym typeface="Arial"/>
+              </a:rPr>
+              <a:t>WHERE</a:t>
+            </a:r>
+            <a:r>
+              <a:rPr lang="en-US" sz="2800" b="0" i="0" u="none" strike="noStrike" cap="none" dirty="0">
+                <a:solidFill>
+                  <a:srgbClr val="0070C0"/>
+                </a:solidFill>
+                <a:latin typeface="Arial"/>
+                <a:ea typeface="Arial"/>
+                <a:cs typeface="Arial"/>
+                <a:sym typeface="Arial"/>
+              </a:rPr>
+              <a:t> </a:t>
+            </a:r>
+            <a:r>
+              <a:rPr lang="en-US" sz="2800" b="0" i="0" u="none" strike="noStrike" cap="none" dirty="0">
+                <a:solidFill>
+                  <a:schemeClr val="dk1"/>
+                </a:solidFill>
+                <a:latin typeface="Arial"/>
+                <a:ea typeface="Arial"/>
+                <a:cs typeface="Arial"/>
+                <a:sym typeface="Arial"/>
+              </a:rPr>
+              <a:t>year=2012;</a:t>
+            </a:r>
+            <a:endParaRPr dirty="0"/>
           </a:p>
           <a:p>
             <a:pPr marL="0" marR="0" lvl="0" indent="0" algn="l" rtl="0">
@@ -50746,7 +51946,7 @@
               <a:buFont typeface="Arial"/>
               <a:buNone/>
             </a:pPr>
-            <a:endParaRPr sz="2800" b="0" i="0" u="none" strike="noStrike" cap="none">
+            <a:endParaRPr sz="2800" b="0" i="0" u="none" strike="noStrike" cap="none" dirty="0">
               <a:solidFill>
                 <a:schemeClr val="dk1"/>
               </a:solidFill>
@@ -50770,7 +51970,107 @@
               <a:buFont typeface="Arial"/>
               <a:buNone/>
             </a:pPr>
-            <a:endParaRPr sz="2800" b="0" i="0" u="none" strike="noStrike" cap="none">
+            <a:r>
+              <a:rPr lang="en-US" sz="2800" b="0" i="0" u="none" strike="noStrike" cap="none" dirty="0">
+                <a:solidFill>
+                  <a:schemeClr val="dk1"/>
+                </a:solidFill>
+                <a:latin typeface="Arial"/>
+                <a:ea typeface="Arial"/>
+                <a:cs typeface="Arial"/>
+                <a:sym typeface="Arial"/>
+              </a:rPr>
+              <a:t>Can use any of the operators (see </a:t>
+            </a:r>
+            <a:r>
+              <a:rPr lang="en-US" sz="2800" b="0" i="0" u="none" strike="noStrike" cap="none" dirty="0" err="1">
+                <a:solidFill>
+                  <a:schemeClr val="dk1"/>
+                </a:solidFill>
+                <a:latin typeface="Arial"/>
+                <a:ea typeface="Arial"/>
+                <a:cs typeface="Arial"/>
+                <a:sym typeface="Arial"/>
+              </a:rPr>
+              <a:t>cheatsheet</a:t>
+            </a:r>
+            <a:r>
+              <a:rPr lang="en-US" sz="2800" b="0" i="0" u="none" strike="noStrike" cap="none" dirty="0">
+                <a:solidFill>
+                  <a:schemeClr val="dk1"/>
+                </a:solidFill>
+                <a:latin typeface="Arial"/>
+                <a:ea typeface="Arial"/>
+                <a:cs typeface="Arial"/>
+                <a:sym typeface="Arial"/>
+              </a:rPr>
+              <a:t>) as well as AND </a:t>
+            </a:r>
+            <a:r>
+              <a:rPr lang="en-US" sz="2800" b="0" i="0" u="none" strike="noStrike" cap="none" dirty="0" err="1">
+                <a:solidFill>
+                  <a:schemeClr val="dk1"/>
+                </a:solidFill>
+                <a:latin typeface="Arial"/>
+                <a:ea typeface="Arial"/>
+                <a:cs typeface="Arial"/>
+                <a:sym typeface="Arial"/>
+              </a:rPr>
+              <a:t>and</a:t>
+            </a:r>
+            <a:r>
+              <a:rPr lang="en-US" sz="2800" b="0" i="0" u="none" strike="noStrike" cap="none" dirty="0">
+                <a:solidFill>
+                  <a:schemeClr val="dk1"/>
+                </a:solidFill>
+                <a:latin typeface="Arial"/>
+                <a:ea typeface="Arial"/>
+                <a:cs typeface="Arial"/>
+                <a:sym typeface="Arial"/>
+              </a:rPr>
+              <a:t> OR</a:t>
+            </a:r>
+            <a:endParaRPr dirty="0"/>
+          </a:p>
+          <a:p>
+            <a:pPr marL="0" marR="0" lvl="0" indent="0" algn="l" rtl="0">
+              <a:spcBef>
+                <a:spcPts val="560"/>
+              </a:spcBef>
+              <a:spcAft>
+                <a:spcPts val="0"/>
+              </a:spcAft>
+              <a:buClr>
+                <a:schemeClr val="dk1"/>
+              </a:buClr>
+              <a:buFont typeface="Arial"/>
+              <a:buNone/>
+            </a:pPr>
+            <a:endParaRPr sz="2800" b="0" i="0" u="none" strike="noStrike" cap="none" dirty="0">
+              <a:solidFill>
+                <a:schemeClr val="dk1"/>
+              </a:solidFill>
+              <a:latin typeface="Arial"/>
+              <a:ea typeface="Arial"/>
+              <a:cs typeface="Arial"/>
+              <a:sym typeface="Arial"/>
+            </a:endParaRPr>
+          </a:p>
+          <a:p>
+            <a:pPr marL="0" marR="0" lvl="0" indent="0" algn="l" rtl="0">
+              <a:spcBef>
+                <a:spcPts val="560"/>
+              </a:spcBef>
+              <a:spcAft>
+                <a:spcPts val="0"/>
+              </a:spcAft>
+              <a:buClr>
+                <a:schemeClr val="dk1"/>
+              </a:buClr>
+              <a:buFont typeface="Arial"/>
+              <a:buNone/>
+            </a:pPr>
+            <a:endParaRPr sz="2800" b="0" i="0" u="none" strike="noStrike" cap="none" dirty="0">
               <a:solidFill>
                 <a:schemeClr val="dk1"/>
               </a:solidFill>
@@ -50872,7 +52172,7 @@
                                         <p:tgtEl>
                                           <p:spTgt spid="160">
                                             <p:txEl>
-                                              <p:pRg st="1" end="1"/>
+                                              <p:pRg st="2" end="2"/>
                                             </p:txEl>
                                           </p:spTgt>
                                         </p:tgtEl>
@@ -50921,7 +52221,7 @@
                                         <p:tgtEl>
                                           <p:spTgt spid="160">
                                             <p:txEl>
-                                              <p:pRg st="2" end="2"/>
+                                              <p:pRg st="3" end="3"/>
                                             </p:txEl>
                                           </p:spTgt>
                                         </p:tgtEl>
@@ -50970,7 +52270,7 @@
                                         <p:tgtEl>
                                           <p:spTgt spid="160">
                                             <p:txEl>
-                                              <p:pRg st="3" end="3"/>
+                                              <p:pRg st="4" end="4"/>
                                             </p:txEl>
                                           </p:spTgt>
                                         </p:tgtEl>
@@ -51012,104 +52312,6 @@
                                     <p:set>
                                       <p:cBhvr>
                                         <p:cTn id="22" dur="1" fill="hold">
-                                          <p:stCondLst>
-                                            <p:cond delay="0"/>
-                                          </p:stCondLst>
-                                        </p:cTn>
-                                        <p:tgtEl>
-                                          <p:spTgt spid="160">
-                                            <p:txEl>
-                                              <p:pRg st="4" end="4"/>
-                                            </p:txEl>
-                                          </p:spTgt>
-                                        </p:tgtEl>
-                                        <p:attrNameLst>
-                                          <p:attrName>style.visibility</p:attrName>
-                                        </p:attrNameLst>
-                                      </p:cBhvr>
-                                      <p:to>
-                                        <p:strVal val="visible"/>
-                                      </p:to>
-                                    </p:set>
-                                  </p:childTnLst>
-                                </p:cTn>
-                              </p:par>
-                            </p:childTnLst>
-                          </p:cTn>
-                        </p:par>
-                      </p:childTnLst>
-                    </p:cTn>
-                  </p:par>
-                  <p:par>
-                    <p:cTn id="23" fill="hold">
-                      <p:stCondLst>
-                        <p:cond delay="indefinite"/>
-                      </p:stCondLst>
-                      <p:childTnLst>
-                        <p:par>
-                          <p:cTn id="24" fill="hold">
-                            <p:stCondLst>
-                              <p:cond delay="0"/>
-                            </p:stCondLst>
-                            <p:childTnLst>
-                              <p:par>
-                                <p:cTn id="25" presetID="1" presetClass="entr" presetSubtype="0" fill="hold" nodeType="clickEffect">
-                                  <p:stCondLst>
-                                    <p:cond delay="0"/>
-                                  </p:stCondLst>
-                                  <p:childTnLst>
-                                    <p:set>
-                                      <p:cBhvr>
-                                        <p:cTn id="26" dur="1" fill="hold">
-                                          <p:stCondLst>
-                                            <p:cond delay="0"/>
-                                          </p:stCondLst>
-                                        </p:cTn>
-                                        <p:tgtEl>
-                                          <p:spTgt spid="160">
-                                            <p:txEl>
-                                              <p:pRg st="5" end="5"/>
-                                            </p:txEl>
-                                          </p:spTgt>
-                                        </p:tgtEl>
-                                        <p:attrNameLst>
-                                          <p:attrName>style.visibility</p:attrName>
-                                        </p:attrNameLst>
-                                      </p:cBhvr>
-                                      <p:to>
-                                        <p:strVal val="visible"/>
-                                      </p:to>
-                                    </p:set>
-                                  </p:childTnLst>
-                                </p:cTn>
-                              </p:par>
-                            </p:childTnLst>
-                          </p:cTn>
-                        </p:par>
-                      </p:childTnLst>
-                    </p:cTn>
-                  </p:par>
-                  <p:par>
-                    <p:cTn id="27" fill="hold">
-                      <p:stCondLst>
-                        <p:cond delay="indefinite"/>
-                      </p:stCondLst>
-                      <p:childTnLst>
-                        <p:par>
-                          <p:cTn id="28" fill="hold">
-                            <p:stCondLst>
-                              <p:cond delay="0"/>
-                            </p:stCondLst>
-                            <p:childTnLst>
-                              <p:par>
-                                <p:cTn id="29" presetID="1" presetClass="entr" presetSubtype="0" fill="hold" nodeType="clickEffect">
-                                  <p:stCondLst>
-                                    <p:cond delay="0"/>
-                                  </p:stCondLst>
-                                  <p:childTnLst>
-                                    <p:set>
-                                      <p:cBhvr>
-                                        <p:cTn id="30" dur="1" fill="hold">
                                           <p:stCondLst>
                                             <p:cond delay="0"/>
                                           </p:stCondLst>
